--- a/day-1/Using Kubernetes Day 1.pptx
+++ b/day-1/Using Kubernetes Day 1.pptx
@@ -284,7 +284,7 @@
           <a:p>
             <a:fld id="{4F1F2598-CD9E-4308-8C1F-F0CAB254D96E}" type="datetimeFigureOut">
               <a:rPr lang="en-US" smtClean="0"/>
-              <a:t>5/16/21</a:t>
+              <a:t>11/18/21</a:t>
             </a:fld>
             <a:endParaRPr lang="en-US"/>
           </a:p>
@@ -452,7 +452,7 @@
           <a:p>
             <a:fld id="{4F1F2598-CD9E-4308-8C1F-F0CAB254D96E}" type="datetimeFigureOut">
               <a:rPr lang="en-US" smtClean="0"/>
-              <a:t>5/16/21</a:t>
+              <a:t>11/18/21</a:t>
             </a:fld>
             <a:endParaRPr lang="en-US"/>
           </a:p>
@@ -630,7 +630,7 @@
           <a:p>
             <a:fld id="{4F1F2598-CD9E-4308-8C1F-F0CAB254D96E}" type="datetimeFigureOut">
               <a:rPr lang="en-US" smtClean="0"/>
-              <a:t>5/16/21</a:t>
+              <a:t>11/18/21</a:t>
             </a:fld>
             <a:endParaRPr lang="en-US"/>
           </a:p>
@@ -798,7 +798,7 @@
           <a:p>
             <a:fld id="{4F1F2598-CD9E-4308-8C1F-F0CAB254D96E}" type="datetimeFigureOut">
               <a:rPr lang="en-US" smtClean="0"/>
-              <a:t>5/16/21</a:t>
+              <a:t>11/18/21</a:t>
             </a:fld>
             <a:endParaRPr lang="en-US"/>
           </a:p>
@@ -1043,7 +1043,7 @@
           <a:p>
             <a:fld id="{4F1F2598-CD9E-4308-8C1F-F0CAB254D96E}" type="datetimeFigureOut">
               <a:rPr lang="en-US" smtClean="0"/>
-              <a:t>5/16/21</a:t>
+              <a:t>11/18/21</a:t>
             </a:fld>
             <a:endParaRPr lang="en-US"/>
           </a:p>
@@ -1272,7 +1272,7 @@
           <a:p>
             <a:fld id="{4F1F2598-CD9E-4308-8C1F-F0CAB254D96E}" type="datetimeFigureOut">
               <a:rPr lang="en-US" smtClean="0"/>
-              <a:t>5/16/21</a:t>
+              <a:t>11/18/21</a:t>
             </a:fld>
             <a:endParaRPr lang="en-US"/>
           </a:p>
@@ -1636,7 +1636,7 @@
           <a:p>
             <a:fld id="{4F1F2598-CD9E-4308-8C1F-F0CAB254D96E}" type="datetimeFigureOut">
               <a:rPr lang="en-US" smtClean="0"/>
-              <a:t>5/16/21</a:t>
+              <a:t>11/18/21</a:t>
             </a:fld>
             <a:endParaRPr lang="en-US"/>
           </a:p>
@@ -1753,7 +1753,7 @@
           <a:p>
             <a:fld id="{4F1F2598-CD9E-4308-8C1F-F0CAB254D96E}" type="datetimeFigureOut">
               <a:rPr lang="en-US" smtClean="0"/>
-              <a:t>5/16/21</a:t>
+              <a:t>11/18/21</a:t>
             </a:fld>
             <a:endParaRPr lang="en-US"/>
           </a:p>
@@ -1848,7 +1848,7 @@
           <a:p>
             <a:fld id="{4F1F2598-CD9E-4308-8C1F-F0CAB254D96E}" type="datetimeFigureOut">
               <a:rPr lang="en-US" smtClean="0"/>
-              <a:t>5/16/21</a:t>
+              <a:t>11/18/21</a:t>
             </a:fld>
             <a:endParaRPr lang="en-US"/>
           </a:p>
@@ -2123,7 +2123,7 @@
           <a:p>
             <a:fld id="{4F1F2598-CD9E-4308-8C1F-F0CAB254D96E}" type="datetimeFigureOut">
               <a:rPr lang="en-US" smtClean="0"/>
-              <a:t>5/16/21</a:t>
+              <a:t>11/18/21</a:t>
             </a:fld>
             <a:endParaRPr lang="en-US"/>
           </a:p>
@@ -2375,7 +2375,7 @@
           <a:p>
             <a:fld id="{4F1F2598-CD9E-4308-8C1F-F0CAB254D96E}" type="datetimeFigureOut">
               <a:rPr lang="en-US" smtClean="0"/>
-              <a:t>5/16/21</a:t>
+              <a:t>11/18/21</a:t>
             </a:fld>
             <a:endParaRPr lang="en-US"/>
           </a:p>
@@ -2586,7 +2586,7 @@
           <a:p>
             <a:fld id="{4F1F2598-CD9E-4308-8C1F-F0CAB254D96E}" type="datetimeFigureOut">
               <a:rPr lang="en-US" smtClean="0"/>
-              <a:t>5/16/21</a:t>
+              <a:t>11/18/21</a:t>
             </a:fld>
             <a:endParaRPr lang="en-US"/>
           </a:p>
@@ -37959,7 +37959,7 @@
         <p:spPr>
           <a:xfrm>
             <a:off x="6004575" y="116963"/>
-            <a:ext cx="2307292" cy="369332"/>
+            <a:ext cx="3861924" cy="369332"/>
           </a:xfrm>
           <a:prstGeom prst="rect">
             <a:avLst/>
@@ -37978,7 +37978,7 @@
             </a:r>
             <a:r>
               <a:rPr lang="en-US" dirty="0"/>
-              <a:t> run my-app …</a:t>
+              <a:t> create deployment my-app …</a:t>
             </a:r>
           </a:p>
         </p:txBody>
@@ -38825,6 +38825,75 @@
               </a:rPr>
               <a:t>80</a:t>
             </a:r>
+          </a:p>
+          <a:p>
+            <a:r>
+              <a:rPr lang="en-US" sz="2200" i="1" dirty="0">
+                <a:solidFill>
+                  <a:schemeClr val="accent1">
+                    <a:lumMod val="50000"/>
+                  </a:schemeClr>
+                </a:solidFill>
+                <a:latin typeface="Courier New" panose="02070309020205020404" pitchFamily="49" charset="0"/>
+                <a:cs typeface="Courier New" panose="02070309020205020404" pitchFamily="49" charset="0"/>
+              </a:rPr>
+              <a:t># show more details about po including all events</a:t>
+            </a:r>
+          </a:p>
+          <a:p>
+            <a:r>
+              <a:rPr lang="en-US" sz="2200" b="1" dirty="0">
+                <a:solidFill>
+                  <a:schemeClr val="tx1"/>
+                </a:solidFill>
+                <a:latin typeface="Courier New" panose="02070309020205020404" pitchFamily="49" charset="0"/>
+                <a:cs typeface="Courier New" panose="02070309020205020404" pitchFamily="49" charset="0"/>
+              </a:rPr>
+              <a:t>$ </a:t>
+            </a:r>
+            <a:r>
+              <a:rPr lang="en-US" sz="2200" b="1" dirty="0" err="1">
+                <a:solidFill>
+                  <a:schemeClr val="tx1"/>
+                </a:solidFill>
+                <a:latin typeface="Courier New" panose="02070309020205020404" pitchFamily="49" charset="0"/>
+                <a:cs typeface="Courier New" panose="02070309020205020404" pitchFamily="49" charset="0"/>
+              </a:rPr>
+              <a:t>kubectl</a:t>
+            </a:r>
+            <a:r>
+              <a:rPr lang="en-US" sz="2200" b="1" dirty="0">
+                <a:solidFill>
+                  <a:schemeClr val="tx1"/>
+                </a:solidFill>
+                <a:latin typeface="Courier New" panose="02070309020205020404" pitchFamily="49" charset="0"/>
+                <a:cs typeface="Courier New" panose="02070309020205020404" pitchFamily="49" charset="0"/>
+              </a:rPr>
+              <a:t> describe po </a:t>
+            </a:r>
+            <a:r>
+              <a:rPr lang="en-US" sz="2200" b="1" dirty="0">
+                <a:solidFill>
+                  <a:schemeClr val="accent2">
+                    <a:lumMod val="50000"/>
+                  </a:schemeClr>
+                </a:solidFill>
+                <a:latin typeface="Courier New" panose="02070309020205020404" pitchFamily="49" charset="0"/>
+                <a:cs typeface="Courier New" panose="02070309020205020404" pitchFamily="49" charset="0"/>
+              </a:rPr>
+              <a:t>my-app</a:t>
+            </a:r>
+          </a:p>
+          <a:p>
+            <a:endParaRPr lang="en-US" sz="2200" b="1" dirty="0">
+              <a:solidFill>
+                <a:schemeClr val="accent2">
+                  <a:lumMod val="50000"/>
+                </a:schemeClr>
+              </a:solidFill>
+              <a:latin typeface="Courier New" panose="02070309020205020404" pitchFamily="49" charset="0"/>
+              <a:cs typeface="Courier New" panose="02070309020205020404" pitchFamily="49" charset="0"/>
+            </a:endParaRPr>
           </a:p>
         </p:txBody>
       </p:sp>
@@ -45382,10 +45451,14 @@
               <a:t>The set of Pods targeted by a Service is usually determined by a </a:t>
             </a:r>
             <a:r>
-              <a:rPr lang="en-US" i="1" dirty="0" err="1"/>
+              <a:rPr lang="en-US" b="1" i="1" dirty="0" err="1"/>
               <a:t>LabelSelector</a:t>
             </a:r>
-            <a:endParaRPr lang="en-US" dirty="0"/>
+            <a:r>
+              <a:rPr lang="en-US" i="1" dirty="0"/>
+              <a:t> (selector: app …)</a:t>
+            </a:r>
+            <a:endParaRPr lang="en-US" b="1" dirty="0"/>
           </a:p>
           <a:p>
             <a:r>
@@ -45792,27 +45865,7 @@
                 <a:latin typeface="Courier New" panose="02070309020205020404" pitchFamily="49" charset="0"/>
                 <a:cs typeface="Courier New" panose="02070309020205020404" pitchFamily="49" charset="0"/>
               </a:rPr>
-              <a:t> get </a:t>
-            </a:r>
-            <a:r>
-              <a:rPr lang="en-US" sz="2200" b="1" dirty="0" err="1">
-                <a:solidFill>
-                  <a:schemeClr val="tx1"/>
-                </a:solidFill>
-                <a:latin typeface="Courier New" panose="02070309020205020404" pitchFamily="49" charset="0"/>
-                <a:cs typeface="Courier New" panose="02070309020205020404" pitchFamily="49" charset="0"/>
-              </a:rPr>
-              <a:t>po</a:t>
-            </a:r>
-            <a:r>
-              <a:rPr lang="en-US" sz="2200" b="1" dirty="0">
-                <a:solidFill>
-                  <a:schemeClr val="tx1"/>
-                </a:solidFill>
-                <a:latin typeface="Courier New" panose="02070309020205020404" pitchFamily="49" charset="0"/>
-                <a:cs typeface="Courier New" panose="02070309020205020404" pitchFamily="49" charset="0"/>
-              </a:rPr>
-              <a:t> --show-labels </a:t>
+              <a:t> get po --show-labels </a:t>
             </a:r>
           </a:p>
           <a:p>

--- a/day-1/Using Kubernetes Day 1.pptx
+++ b/day-1/Using Kubernetes Day 1.pptx
@@ -284,7 +284,7 @@
           <a:p>
             <a:fld id="{4F1F2598-CD9E-4308-8C1F-F0CAB254D96E}" type="datetimeFigureOut">
               <a:rPr lang="en-US" smtClean="0"/>
-              <a:t>11/18/21</a:t>
+              <a:t>2/8/22</a:t>
             </a:fld>
             <a:endParaRPr lang="en-US"/>
           </a:p>
@@ -452,7 +452,7 @@
           <a:p>
             <a:fld id="{4F1F2598-CD9E-4308-8C1F-F0CAB254D96E}" type="datetimeFigureOut">
               <a:rPr lang="en-US" smtClean="0"/>
-              <a:t>11/18/21</a:t>
+              <a:t>2/8/22</a:t>
             </a:fld>
             <a:endParaRPr lang="en-US"/>
           </a:p>
@@ -630,7 +630,7 @@
           <a:p>
             <a:fld id="{4F1F2598-CD9E-4308-8C1F-F0CAB254D96E}" type="datetimeFigureOut">
               <a:rPr lang="en-US" smtClean="0"/>
-              <a:t>11/18/21</a:t>
+              <a:t>2/8/22</a:t>
             </a:fld>
             <a:endParaRPr lang="en-US"/>
           </a:p>
@@ -798,7 +798,7 @@
           <a:p>
             <a:fld id="{4F1F2598-CD9E-4308-8C1F-F0CAB254D96E}" type="datetimeFigureOut">
               <a:rPr lang="en-US" smtClean="0"/>
-              <a:t>11/18/21</a:t>
+              <a:t>2/8/22</a:t>
             </a:fld>
             <a:endParaRPr lang="en-US"/>
           </a:p>
@@ -1043,7 +1043,7 @@
           <a:p>
             <a:fld id="{4F1F2598-CD9E-4308-8C1F-F0CAB254D96E}" type="datetimeFigureOut">
               <a:rPr lang="en-US" smtClean="0"/>
-              <a:t>11/18/21</a:t>
+              <a:t>2/8/22</a:t>
             </a:fld>
             <a:endParaRPr lang="en-US"/>
           </a:p>
@@ -1272,7 +1272,7 @@
           <a:p>
             <a:fld id="{4F1F2598-CD9E-4308-8C1F-F0CAB254D96E}" type="datetimeFigureOut">
               <a:rPr lang="en-US" smtClean="0"/>
-              <a:t>11/18/21</a:t>
+              <a:t>2/8/22</a:t>
             </a:fld>
             <a:endParaRPr lang="en-US"/>
           </a:p>
@@ -1636,7 +1636,7 @@
           <a:p>
             <a:fld id="{4F1F2598-CD9E-4308-8C1F-F0CAB254D96E}" type="datetimeFigureOut">
               <a:rPr lang="en-US" smtClean="0"/>
-              <a:t>11/18/21</a:t>
+              <a:t>2/8/22</a:t>
             </a:fld>
             <a:endParaRPr lang="en-US"/>
           </a:p>
@@ -1753,7 +1753,7 @@
           <a:p>
             <a:fld id="{4F1F2598-CD9E-4308-8C1F-F0CAB254D96E}" type="datetimeFigureOut">
               <a:rPr lang="en-US" smtClean="0"/>
-              <a:t>11/18/21</a:t>
+              <a:t>2/8/22</a:t>
             </a:fld>
             <a:endParaRPr lang="en-US"/>
           </a:p>
@@ -1848,7 +1848,7 @@
           <a:p>
             <a:fld id="{4F1F2598-CD9E-4308-8C1F-F0CAB254D96E}" type="datetimeFigureOut">
               <a:rPr lang="en-US" smtClean="0"/>
-              <a:t>11/18/21</a:t>
+              <a:t>2/8/22</a:t>
             </a:fld>
             <a:endParaRPr lang="en-US"/>
           </a:p>
@@ -2123,7 +2123,7 @@
           <a:p>
             <a:fld id="{4F1F2598-CD9E-4308-8C1F-F0CAB254D96E}" type="datetimeFigureOut">
               <a:rPr lang="en-US" smtClean="0"/>
-              <a:t>11/18/21</a:t>
+              <a:t>2/8/22</a:t>
             </a:fld>
             <a:endParaRPr lang="en-US"/>
           </a:p>
@@ -2375,7 +2375,7 @@
           <a:p>
             <a:fld id="{4F1F2598-CD9E-4308-8C1F-F0CAB254D96E}" type="datetimeFigureOut">
               <a:rPr lang="en-US" smtClean="0"/>
-              <a:t>11/18/21</a:t>
+              <a:t>2/8/22</a:t>
             </a:fld>
             <a:endParaRPr lang="en-US"/>
           </a:p>
@@ -2586,7 +2586,7 @@
           <a:p>
             <a:fld id="{4F1F2598-CD9E-4308-8C1F-F0CAB254D96E}" type="datetimeFigureOut">
               <a:rPr lang="en-US" smtClean="0"/>
-              <a:t>11/18/21</a:t>
+              <a:t>2/8/22</a:t>
             </a:fld>
             <a:endParaRPr lang="en-US"/>
           </a:p>
@@ -10369,12 +10369,20 @@
           <a:p>
             <a:pPr algn="ctr"/>
             <a:r>
+              <a:rPr lang="en-US" dirty="0">
+                <a:solidFill>
+                  <a:schemeClr val="tx1"/>
+                </a:solidFill>
+              </a:rPr>
+              <a:t>                     Docker Engine   or  (</a:t>
+            </a:r>
+            <a:r>
               <a:rPr lang="en-US" dirty="0" err="1">
                 <a:solidFill>
                   <a:schemeClr val="tx1"/>
                 </a:solidFill>
               </a:rPr>
-              <a:t>Docker</a:t>
+              <a:t>podman</a:t>
             </a:r>
             <a:r>
               <a:rPr lang="en-US" dirty="0">
@@ -10382,7 +10390,7 @@
                   <a:schemeClr val="tx1"/>
                 </a:solidFill>
               </a:rPr>
-              <a:t> Engine   or  (</a:t>
+              <a:t>/</a:t>
             </a:r>
             <a:r>
               <a:rPr lang="en-US" dirty="0" err="1">
@@ -11199,8 +11207,8 @@
         </p:blipFill>
         <p:spPr>
           <a:xfrm>
-            <a:off x="2979609" y="4584363"/>
-            <a:ext cx="1752051" cy="517554"/>
+            <a:off x="1703111" y="4631474"/>
+            <a:ext cx="1554151" cy="459095"/>
           </a:xfrm>
           <a:prstGeom prst="rect">
             <a:avLst/>
@@ -11236,8 +11244,8 @@
         </p:blipFill>
         <p:spPr>
           <a:xfrm>
-            <a:off x="1103420" y="4639806"/>
-            <a:ext cx="1405454" cy="421636"/>
+            <a:off x="324877" y="4685964"/>
+            <a:ext cx="1194506" cy="358352"/>
           </a:xfrm>
           <a:prstGeom prst="rect">
             <a:avLst/>
@@ -11252,7 +11260,7 @@
         </p:nvCxnSpPr>
         <p:spPr>
           <a:xfrm flipH="1">
-            <a:off x="2660203" y="4639806"/>
+            <a:off x="1501528" y="4668934"/>
             <a:ext cx="282314" cy="421636"/>
           </a:xfrm>
           <a:prstGeom prst="line">
@@ -12342,6 +12350,86 @@
           </a:p>
         </p:txBody>
       </p:sp>
+      <p:pic>
+        <p:nvPicPr>
+          <p:cNvPr id="11" name="Graphic 10">
+            <a:extLst>
+              <a:ext uri="{FF2B5EF4-FFF2-40B4-BE49-F238E27FC236}">
+                <a16:creationId xmlns:a16="http://schemas.microsoft.com/office/drawing/2014/main" id="{B16C4C51-3630-394B-A652-5B555DE5C4F7}"/>
+              </a:ext>
+            </a:extLst>
+          </p:cNvPr>
+          <p:cNvPicPr>
+            <a:picLocks noChangeAspect="1"/>
+          </p:cNvPicPr>
+          <p:nvPr/>
+        </p:nvPicPr>
+        <p:blipFill>
+          <a:blip r:embed="rId4">
+            <a:extLst>
+              <a:ext uri="{28A0092B-C50C-407E-A947-70E740481C1C}">
+                <a14:useLocalDpi xmlns:a14="http://schemas.microsoft.com/office/drawing/2010/main" val="0"/>
+              </a:ext>
+              <a:ext uri="{96DAC541-7B7A-43D3-8B79-37D633B846F1}">
+                <asvg:svgBlip xmlns:asvg="http://schemas.microsoft.com/office/drawing/2016/SVG/main" r:embed="rId5"/>
+              </a:ext>
+            </a:extLst>
+          </a:blip>
+          <a:stretch>
+            <a:fillRect/>
+          </a:stretch>
+        </p:blipFill>
+        <p:spPr>
+          <a:xfrm>
+            <a:off x="3449042" y="4711131"/>
+            <a:ext cx="1357095" cy="362871"/>
+          </a:xfrm>
+          <a:prstGeom prst="rect">
+            <a:avLst/>
+          </a:prstGeom>
+        </p:spPr>
+      </p:pic>
+      <p:cxnSp>
+        <p:nvCxnSpPr>
+          <p:cNvPr id="55" name="Straight Connector 54">
+            <a:extLst>
+              <a:ext uri="{FF2B5EF4-FFF2-40B4-BE49-F238E27FC236}">
+                <a16:creationId xmlns:a16="http://schemas.microsoft.com/office/drawing/2014/main" id="{276411D5-18C3-FB40-B81C-5A526BDA4AF7}"/>
+              </a:ext>
+            </a:extLst>
+          </p:cNvPr>
+          <p:cNvCxnSpPr/>
+          <p:nvPr/>
+        </p:nvCxnSpPr>
+        <p:spPr>
+          <a:xfrm flipH="1">
+            <a:off x="3142465" y="4661075"/>
+            <a:ext cx="282314" cy="421636"/>
+          </a:xfrm>
+          <a:prstGeom prst="line">
+            <a:avLst/>
+          </a:prstGeom>
+          <a:ln w="25400">
+            <a:solidFill>
+              <a:schemeClr val="tx1"/>
+            </a:solidFill>
+          </a:ln>
+        </p:spPr>
+        <p:style>
+          <a:lnRef idx="1">
+            <a:schemeClr val="accent1"/>
+          </a:lnRef>
+          <a:fillRef idx="0">
+            <a:schemeClr val="accent1"/>
+          </a:fillRef>
+          <a:effectRef idx="0">
+            <a:schemeClr val="accent1"/>
+          </a:effectRef>
+          <a:fontRef idx="minor">
+            <a:schemeClr val="tx1"/>
+          </a:fontRef>
+        </p:style>
+      </p:cxnSp>
     </p:spTree>
     <p:extLst>
       <p:ext uri="{BB962C8B-B14F-4D97-AF65-F5344CB8AC3E}">
@@ -30963,13 +31051,23 @@
             </a:pPr>
             <a:r>
               <a:rPr lang="en-US" sz="3600" dirty="0"/>
-              <a:t>Community includes Google, Red Hat, and over 2000 authors. (Source: </a:t>
+              <a:t>Community includes Google, Red Hat, and over 3000 authors. (Source: </a:t>
             </a:r>
             <a:r>
               <a:rPr lang="en-US" sz="3600" dirty="0">
                 <a:hlinkClick r:id="rId3"/>
               </a:rPr>
-              <a:t>CNCF)</a:t>
+              <a:t>k8s </a:t>
+            </a:r>
+            <a:r>
+              <a:rPr lang="en-US" sz="3600">
+                <a:hlinkClick r:id="rId3"/>
+              </a:rPr>
+              <a:t>github</a:t>
+            </a:r>
+            <a:r>
+              <a:rPr lang="en-US" sz="3600"/>
+              <a:t> )</a:t>
             </a:r>
             <a:endParaRPr lang="en-US" sz="3600" dirty="0"/>
           </a:p>

--- a/day-1/Using Kubernetes Day 1.pptx
+++ b/day-1/Using Kubernetes Day 1.pptx
@@ -12,43 +12,42 @@
     <p:sldId id="285" r:id="rId6"/>
     <p:sldId id="286" r:id="rId7"/>
     <p:sldId id="314" r:id="rId8"/>
-    <p:sldId id="272" r:id="rId9"/>
-    <p:sldId id="315" r:id="rId10"/>
-    <p:sldId id="316" r:id="rId11"/>
-    <p:sldId id="318" r:id="rId12"/>
-    <p:sldId id="319" r:id="rId13"/>
-    <p:sldId id="266" r:id="rId14"/>
-    <p:sldId id="258" r:id="rId15"/>
-    <p:sldId id="271" r:id="rId16"/>
-    <p:sldId id="262" r:id="rId17"/>
-    <p:sldId id="273" r:id="rId18"/>
-    <p:sldId id="320" r:id="rId19"/>
-    <p:sldId id="275" r:id="rId20"/>
-    <p:sldId id="276" r:id="rId21"/>
-    <p:sldId id="277" r:id="rId22"/>
-    <p:sldId id="283" r:id="rId23"/>
-    <p:sldId id="278" r:id="rId24"/>
-    <p:sldId id="280" r:id="rId25"/>
-    <p:sldId id="279" r:id="rId26"/>
-    <p:sldId id="281" r:id="rId27"/>
-    <p:sldId id="289" r:id="rId28"/>
-    <p:sldId id="282" r:id="rId29"/>
-    <p:sldId id="288" r:id="rId30"/>
-    <p:sldId id="290" r:id="rId31"/>
-    <p:sldId id="292" r:id="rId32"/>
-    <p:sldId id="291" r:id="rId33"/>
-    <p:sldId id="321" r:id="rId34"/>
-    <p:sldId id="263" r:id="rId35"/>
-    <p:sldId id="325" r:id="rId36"/>
-    <p:sldId id="294" r:id="rId37"/>
-    <p:sldId id="322" r:id="rId38"/>
-    <p:sldId id="296" r:id="rId39"/>
-    <p:sldId id="295" r:id="rId40"/>
-    <p:sldId id="297" r:id="rId41"/>
-    <p:sldId id="300" r:id="rId42"/>
-    <p:sldId id="301" r:id="rId43"/>
-    <p:sldId id="306" r:id="rId44"/>
-    <p:sldId id="305" r:id="rId45"/>
+    <p:sldId id="315" r:id="rId9"/>
+    <p:sldId id="316" r:id="rId10"/>
+    <p:sldId id="318" r:id="rId11"/>
+    <p:sldId id="319" r:id="rId12"/>
+    <p:sldId id="266" r:id="rId13"/>
+    <p:sldId id="258" r:id="rId14"/>
+    <p:sldId id="271" r:id="rId15"/>
+    <p:sldId id="262" r:id="rId16"/>
+    <p:sldId id="273" r:id="rId17"/>
+    <p:sldId id="320" r:id="rId18"/>
+    <p:sldId id="275" r:id="rId19"/>
+    <p:sldId id="276" r:id="rId20"/>
+    <p:sldId id="277" r:id="rId21"/>
+    <p:sldId id="283" r:id="rId22"/>
+    <p:sldId id="278" r:id="rId23"/>
+    <p:sldId id="280" r:id="rId24"/>
+    <p:sldId id="279" r:id="rId25"/>
+    <p:sldId id="281" r:id="rId26"/>
+    <p:sldId id="289" r:id="rId27"/>
+    <p:sldId id="282" r:id="rId28"/>
+    <p:sldId id="288" r:id="rId29"/>
+    <p:sldId id="290" r:id="rId30"/>
+    <p:sldId id="292" r:id="rId31"/>
+    <p:sldId id="291" r:id="rId32"/>
+    <p:sldId id="321" r:id="rId33"/>
+    <p:sldId id="263" r:id="rId34"/>
+    <p:sldId id="325" r:id="rId35"/>
+    <p:sldId id="294" r:id="rId36"/>
+    <p:sldId id="322" r:id="rId37"/>
+    <p:sldId id="296" r:id="rId38"/>
+    <p:sldId id="295" r:id="rId39"/>
+    <p:sldId id="297" r:id="rId40"/>
+    <p:sldId id="300" r:id="rId41"/>
+    <p:sldId id="301" r:id="rId42"/>
+    <p:sldId id="306" r:id="rId43"/>
+    <p:sldId id="305" r:id="rId44"/>
   </p:sldIdLst>
   <p:sldSz cx="12192000" cy="6858000"/>
   <p:notesSz cx="6858000" cy="9144000"/>
@@ -3326,1428 +3325,6 @@
       </p:grpSpPr>
       <p:sp>
         <p:nvSpPr>
-          <p:cNvPr id="37" name="Rounded Rectangle 36"/>
-          <p:cNvSpPr/>
-          <p:nvPr/>
-        </p:nvSpPr>
-        <p:spPr>
-          <a:xfrm>
-            <a:off x="4997319" y="4152484"/>
-            <a:ext cx="2106708" cy="941294"/>
-          </a:xfrm>
-          <a:prstGeom prst="roundRect">
-            <a:avLst/>
-          </a:prstGeom>
-        </p:spPr>
-        <p:style>
-          <a:lnRef idx="2">
-            <a:schemeClr val="accent1">
-              <a:shade val="50000"/>
-            </a:schemeClr>
-          </a:lnRef>
-          <a:fillRef idx="1">
-            <a:schemeClr val="accent1"/>
-          </a:fillRef>
-          <a:effectRef idx="0">
-            <a:schemeClr val="accent1"/>
-          </a:effectRef>
-          <a:fontRef idx="minor">
-            <a:schemeClr val="lt1"/>
-          </a:fontRef>
-        </p:style>
-        <p:txBody>
-          <a:bodyPr rtlCol="0" anchor="ctr"/>
-          <a:lstStyle/>
-          <a:p>
-            <a:pPr algn="ctr"/>
-            <a:endParaRPr lang="en-US"/>
-          </a:p>
-        </p:txBody>
-      </p:sp>
-      <p:sp>
-        <p:nvSpPr>
-          <p:cNvPr id="7" name="Rounded Rectangle 6"/>
-          <p:cNvSpPr/>
-          <p:nvPr/>
-        </p:nvSpPr>
-        <p:spPr>
-          <a:xfrm>
-            <a:off x="7274860" y="2111188"/>
-            <a:ext cx="2106708" cy="941294"/>
-          </a:xfrm>
-          <a:prstGeom prst="roundRect">
-            <a:avLst/>
-          </a:prstGeom>
-        </p:spPr>
-        <p:style>
-          <a:lnRef idx="2">
-            <a:schemeClr val="accent1">
-              <a:shade val="50000"/>
-            </a:schemeClr>
-          </a:lnRef>
-          <a:fillRef idx="1">
-            <a:schemeClr val="accent1"/>
-          </a:fillRef>
-          <a:effectRef idx="0">
-            <a:schemeClr val="accent1"/>
-          </a:effectRef>
-          <a:fontRef idx="minor">
-            <a:schemeClr val="lt1"/>
-          </a:fontRef>
-        </p:style>
-        <p:txBody>
-          <a:bodyPr rtlCol="0" anchor="ctr"/>
-          <a:lstStyle/>
-          <a:p>
-            <a:pPr algn="ctr"/>
-            <a:endParaRPr lang="en-US"/>
-          </a:p>
-        </p:txBody>
-      </p:sp>
-      <p:sp>
-        <p:nvSpPr>
-          <p:cNvPr id="22" name="Flowchart: Magnetic Disk 21"/>
-          <p:cNvSpPr/>
-          <p:nvPr/>
-        </p:nvSpPr>
-        <p:spPr>
-          <a:xfrm>
-            <a:off x="3154820" y="5477590"/>
-            <a:ext cx="1121345" cy="708057"/>
-          </a:xfrm>
-          <a:prstGeom prst="flowChartMagneticDisk">
-            <a:avLst/>
-          </a:prstGeom>
-        </p:spPr>
-        <p:style>
-          <a:lnRef idx="2">
-            <a:schemeClr val="accent1">
-              <a:shade val="50000"/>
-            </a:schemeClr>
-          </a:lnRef>
-          <a:fillRef idx="1">
-            <a:schemeClr val="accent1"/>
-          </a:fillRef>
-          <a:effectRef idx="0">
-            <a:schemeClr val="accent1"/>
-          </a:effectRef>
-          <a:fontRef idx="minor">
-            <a:schemeClr val="lt1"/>
-          </a:fontRef>
-        </p:style>
-        <p:txBody>
-          <a:bodyPr rtlCol="0" anchor="ctr"/>
-          <a:lstStyle/>
-          <a:p>
-            <a:pPr algn="ctr"/>
-            <a:r>
-              <a:rPr lang="en-US" dirty="0"/>
-              <a:t>DB</a:t>
-            </a:r>
-          </a:p>
-        </p:txBody>
-      </p:sp>
-      <p:sp>
-        <p:nvSpPr>
-          <p:cNvPr id="24" name="Flowchart: Magnetic Disk 23"/>
-          <p:cNvSpPr/>
-          <p:nvPr/>
-        </p:nvSpPr>
-        <p:spPr>
-          <a:xfrm>
-            <a:off x="5489999" y="5425570"/>
-            <a:ext cx="1121345" cy="708057"/>
-          </a:xfrm>
-          <a:prstGeom prst="flowChartMagneticDisk">
-            <a:avLst/>
-          </a:prstGeom>
-        </p:spPr>
-        <p:style>
-          <a:lnRef idx="2">
-            <a:schemeClr val="accent1">
-              <a:shade val="50000"/>
-            </a:schemeClr>
-          </a:lnRef>
-          <a:fillRef idx="1">
-            <a:schemeClr val="accent1"/>
-          </a:fillRef>
-          <a:effectRef idx="0">
-            <a:schemeClr val="accent1"/>
-          </a:effectRef>
-          <a:fontRef idx="minor">
-            <a:schemeClr val="lt1"/>
-          </a:fontRef>
-        </p:style>
-        <p:txBody>
-          <a:bodyPr rtlCol="0" anchor="ctr"/>
-          <a:lstStyle/>
-          <a:p>
-            <a:pPr algn="ctr"/>
-            <a:r>
-              <a:rPr lang="en-US" dirty="0"/>
-              <a:t>DB</a:t>
-            </a:r>
-          </a:p>
-        </p:txBody>
-      </p:sp>
-      <p:sp>
-        <p:nvSpPr>
-          <p:cNvPr id="25" name="Flowchart: Magnetic Disk 24"/>
-          <p:cNvSpPr/>
-          <p:nvPr/>
-        </p:nvSpPr>
-        <p:spPr>
-          <a:xfrm>
-            <a:off x="7767539" y="5425570"/>
-            <a:ext cx="1121345" cy="708057"/>
-          </a:xfrm>
-          <a:prstGeom prst="flowChartMagneticDisk">
-            <a:avLst/>
-          </a:prstGeom>
-        </p:spPr>
-        <p:style>
-          <a:lnRef idx="2">
-            <a:schemeClr val="accent1">
-              <a:shade val="50000"/>
-            </a:schemeClr>
-          </a:lnRef>
-          <a:fillRef idx="1">
-            <a:schemeClr val="accent1"/>
-          </a:fillRef>
-          <a:effectRef idx="0">
-            <a:schemeClr val="accent1"/>
-          </a:effectRef>
-          <a:fontRef idx="minor">
-            <a:schemeClr val="lt1"/>
-          </a:fontRef>
-        </p:style>
-        <p:txBody>
-          <a:bodyPr rtlCol="0" anchor="ctr"/>
-          <a:lstStyle/>
-          <a:p>
-            <a:pPr algn="ctr"/>
-            <a:r>
-              <a:rPr lang="en-US" dirty="0"/>
-              <a:t>DB</a:t>
-            </a:r>
-          </a:p>
-        </p:txBody>
-      </p:sp>
-      <p:sp>
-        <p:nvSpPr>
-          <p:cNvPr id="27" name="Flowchart: Direct Access Storage 26"/>
-          <p:cNvSpPr/>
-          <p:nvPr/>
-        </p:nvSpPr>
-        <p:spPr>
-          <a:xfrm>
-            <a:off x="1846350" y="5604607"/>
-            <a:ext cx="1135117" cy="454021"/>
-          </a:xfrm>
-          <a:prstGeom prst="flowChartMagneticDrum">
-            <a:avLst/>
-          </a:prstGeom>
-          <a:solidFill>
-            <a:schemeClr val="accent6">
-              <a:lumMod val="60000"/>
-              <a:lumOff val="40000"/>
-            </a:schemeClr>
-          </a:solidFill>
-        </p:spPr>
-        <p:style>
-          <a:lnRef idx="2">
-            <a:schemeClr val="accent1">
-              <a:shade val="50000"/>
-            </a:schemeClr>
-          </a:lnRef>
-          <a:fillRef idx="1">
-            <a:schemeClr val="accent1"/>
-          </a:fillRef>
-          <a:effectRef idx="0">
-            <a:schemeClr val="accent1"/>
-          </a:effectRef>
-          <a:fontRef idx="minor">
-            <a:schemeClr val="lt1"/>
-          </a:fontRef>
-        </p:style>
-        <p:txBody>
-          <a:bodyPr rtlCol="0" anchor="ctr"/>
-          <a:lstStyle/>
-          <a:p>
-            <a:pPr algn="ctr"/>
-            <a:endParaRPr lang="en-US"/>
-          </a:p>
-        </p:txBody>
-      </p:sp>
-      <p:sp>
-        <p:nvSpPr>
-          <p:cNvPr id="28" name="Flowchart: Magnetic Disk 27"/>
-          <p:cNvSpPr/>
-          <p:nvPr/>
-        </p:nvSpPr>
-        <p:spPr>
-          <a:xfrm>
-            <a:off x="784789" y="5556629"/>
-            <a:ext cx="740979" cy="576998"/>
-          </a:xfrm>
-          <a:prstGeom prst="flowChartMagneticDisk">
-            <a:avLst/>
-          </a:prstGeom>
-          <a:solidFill>
-            <a:schemeClr val="accent3">
-              <a:lumMod val="60000"/>
-              <a:lumOff val="40000"/>
-            </a:schemeClr>
-          </a:solidFill>
-        </p:spPr>
-        <p:style>
-          <a:lnRef idx="2">
-            <a:schemeClr val="accent1">
-              <a:shade val="50000"/>
-            </a:schemeClr>
-          </a:lnRef>
-          <a:fillRef idx="1">
-            <a:schemeClr val="accent1"/>
-          </a:fillRef>
-          <a:effectRef idx="0">
-            <a:schemeClr val="accent1"/>
-          </a:effectRef>
-          <a:fontRef idx="minor">
-            <a:schemeClr val="lt1"/>
-          </a:fontRef>
-        </p:style>
-        <p:txBody>
-          <a:bodyPr rtlCol="0" anchor="ctr"/>
-          <a:lstStyle/>
-          <a:p>
-            <a:pPr algn="ctr"/>
-            <a:r>
-              <a:rPr lang="en-US" dirty="0"/>
-              <a:t>FS</a:t>
-            </a:r>
-          </a:p>
-        </p:txBody>
-      </p:sp>
-      <p:grpSp>
-        <p:nvGrpSpPr>
-          <p:cNvPr id="32" name="Group 31"/>
-          <p:cNvGrpSpPr/>
-          <p:nvPr/>
-        </p:nvGrpSpPr>
-        <p:grpSpPr>
-          <a:xfrm>
-            <a:off x="4997319" y="2111188"/>
-            <a:ext cx="2106708" cy="941294"/>
-            <a:chOff x="4997319" y="2111188"/>
-            <a:chExt cx="2106708" cy="941294"/>
-          </a:xfrm>
-        </p:grpSpPr>
-        <p:sp>
-          <p:nvSpPr>
-            <p:cNvPr id="14" name="Rounded Rectangle 13"/>
-            <p:cNvSpPr/>
-            <p:nvPr/>
-          </p:nvSpPr>
-          <p:spPr>
-            <a:xfrm>
-              <a:off x="4997319" y="2111188"/>
-              <a:ext cx="2106708" cy="941294"/>
-            </a:xfrm>
-            <a:prstGeom prst="roundRect">
-              <a:avLst/>
-            </a:prstGeom>
-          </p:spPr>
-          <p:style>
-            <a:lnRef idx="2">
-              <a:schemeClr val="accent1">
-                <a:shade val="50000"/>
-              </a:schemeClr>
-            </a:lnRef>
-            <a:fillRef idx="1">
-              <a:schemeClr val="accent1"/>
-            </a:fillRef>
-            <a:effectRef idx="0">
-              <a:schemeClr val="accent1"/>
-            </a:effectRef>
-            <a:fontRef idx="minor">
-              <a:schemeClr val="lt1"/>
-            </a:fontRef>
-          </p:style>
-          <p:txBody>
-            <a:bodyPr rtlCol="0" anchor="ctr"/>
-            <a:lstStyle/>
-            <a:p>
-              <a:pPr algn="ctr"/>
-              <a:endParaRPr lang="en-US"/>
-            </a:p>
-          </p:txBody>
-        </p:sp>
-        <p:sp>
-          <p:nvSpPr>
-            <p:cNvPr id="29" name="Rectangle 28"/>
-            <p:cNvSpPr/>
-            <p:nvPr/>
-          </p:nvSpPr>
-          <p:spPr>
-            <a:xfrm>
-              <a:off x="5192538" y="2304021"/>
-              <a:ext cx="1716269" cy="645167"/>
-            </a:xfrm>
-            <a:prstGeom prst="rect">
-              <a:avLst/>
-            </a:prstGeom>
-            <a:solidFill>
-              <a:schemeClr val="accent6">
-                <a:lumMod val="20000"/>
-                <a:lumOff val="80000"/>
-              </a:schemeClr>
-            </a:solidFill>
-          </p:spPr>
-          <p:style>
-            <a:lnRef idx="2">
-              <a:schemeClr val="accent1">
-                <a:shade val="50000"/>
-              </a:schemeClr>
-            </a:lnRef>
-            <a:fillRef idx="1">
-              <a:schemeClr val="accent1"/>
-            </a:fillRef>
-            <a:effectRef idx="0">
-              <a:schemeClr val="accent1"/>
-            </a:effectRef>
-            <a:fontRef idx="minor">
-              <a:schemeClr val="lt1"/>
-            </a:fontRef>
-          </p:style>
-          <p:txBody>
-            <a:bodyPr rtlCol="0" anchor="ctr"/>
-            <a:lstStyle/>
-            <a:p>
-              <a:pPr algn="ctr"/>
-              <a:r>
-                <a:rPr lang="en-US" dirty="0">
-                  <a:solidFill>
-                    <a:schemeClr val="tx1"/>
-                  </a:solidFill>
-                </a:rPr>
-                <a:t>User Interface</a:t>
-              </a:r>
-            </a:p>
-          </p:txBody>
-        </p:sp>
-      </p:grpSp>
-      <p:grpSp>
-        <p:nvGrpSpPr>
-          <p:cNvPr id="42" name="Group 41"/>
-          <p:cNvGrpSpPr/>
-          <p:nvPr/>
-        </p:nvGrpSpPr>
-        <p:grpSpPr>
-          <a:xfrm>
-            <a:off x="4997319" y="3132665"/>
-            <a:ext cx="2106708" cy="941294"/>
-            <a:chOff x="4997319" y="3132665"/>
-            <a:chExt cx="2106708" cy="941294"/>
-          </a:xfrm>
-        </p:grpSpPr>
-        <p:sp>
-          <p:nvSpPr>
-            <p:cNvPr id="17" name="Rounded Rectangle 16"/>
-            <p:cNvSpPr/>
-            <p:nvPr/>
-          </p:nvSpPr>
-          <p:spPr>
-            <a:xfrm>
-              <a:off x="4997319" y="3132665"/>
-              <a:ext cx="2106708" cy="941294"/>
-            </a:xfrm>
-            <a:prstGeom prst="roundRect">
-              <a:avLst/>
-            </a:prstGeom>
-            <a:solidFill>
-              <a:srgbClr val="5B9BD5"/>
-            </a:solidFill>
-          </p:spPr>
-          <p:style>
-            <a:lnRef idx="2">
-              <a:schemeClr val="accent1">
-                <a:shade val="50000"/>
-              </a:schemeClr>
-            </a:lnRef>
-            <a:fillRef idx="1">
-              <a:schemeClr val="accent1"/>
-            </a:fillRef>
-            <a:effectRef idx="0">
-              <a:schemeClr val="accent1"/>
-            </a:effectRef>
-            <a:fontRef idx="minor">
-              <a:schemeClr val="lt1"/>
-            </a:fontRef>
-          </p:style>
-          <p:txBody>
-            <a:bodyPr rtlCol="0" anchor="ctr"/>
-            <a:lstStyle/>
-            <a:p>
-              <a:pPr algn="ctr"/>
-              <a:endParaRPr lang="en-US">
-                <a:solidFill>
-                  <a:schemeClr val="tx1"/>
-                </a:solidFill>
-              </a:endParaRPr>
-            </a:p>
-          </p:txBody>
-        </p:sp>
-        <p:sp>
-          <p:nvSpPr>
-            <p:cNvPr id="33" name="Rectangle 32"/>
-            <p:cNvSpPr/>
-            <p:nvPr/>
-          </p:nvSpPr>
-          <p:spPr>
-            <a:xfrm>
-              <a:off x="5192538" y="3297286"/>
-              <a:ext cx="1716269" cy="645167"/>
-            </a:xfrm>
-            <a:prstGeom prst="rect">
-              <a:avLst/>
-            </a:prstGeom>
-            <a:solidFill>
-              <a:schemeClr val="bg2">
-                <a:lumMod val="90000"/>
-              </a:schemeClr>
-            </a:solidFill>
-          </p:spPr>
-          <p:style>
-            <a:lnRef idx="2">
-              <a:schemeClr val="accent1">
-                <a:shade val="50000"/>
-              </a:schemeClr>
-            </a:lnRef>
-            <a:fillRef idx="1">
-              <a:schemeClr val="accent1"/>
-            </a:fillRef>
-            <a:effectRef idx="0">
-              <a:schemeClr val="accent1"/>
-            </a:effectRef>
-            <a:fontRef idx="minor">
-              <a:schemeClr val="lt1"/>
-            </a:fontRef>
-          </p:style>
-          <p:txBody>
-            <a:bodyPr rtlCol="0" anchor="ctr"/>
-            <a:lstStyle/>
-            <a:p>
-              <a:pPr algn="ctr"/>
-              <a:r>
-                <a:rPr lang="en-US" dirty="0">
-                  <a:solidFill>
-                    <a:schemeClr val="tx1"/>
-                  </a:solidFill>
-                </a:rPr>
-                <a:t>Account-Service</a:t>
-              </a:r>
-            </a:p>
-          </p:txBody>
-        </p:sp>
-      </p:grpSp>
-      <p:grpSp>
-        <p:nvGrpSpPr>
-          <p:cNvPr id="35" name="Group 34"/>
-          <p:cNvGrpSpPr/>
-          <p:nvPr/>
-        </p:nvGrpSpPr>
-        <p:grpSpPr>
-          <a:xfrm>
-            <a:off x="7274860" y="3132665"/>
-            <a:ext cx="2106708" cy="941294"/>
-            <a:chOff x="7274860" y="3132665"/>
-            <a:chExt cx="2106708" cy="941294"/>
-          </a:xfrm>
-        </p:grpSpPr>
-        <p:sp>
-          <p:nvSpPr>
-            <p:cNvPr id="16" name="Rounded Rectangle 15"/>
-            <p:cNvSpPr/>
-            <p:nvPr/>
-          </p:nvSpPr>
-          <p:spPr>
-            <a:xfrm>
-              <a:off x="7274860" y="3132665"/>
-              <a:ext cx="2106708" cy="941294"/>
-            </a:xfrm>
-            <a:prstGeom prst="roundRect">
-              <a:avLst/>
-            </a:prstGeom>
-            <a:solidFill>
-              <a:srgbClr val="5B9BD5"/>
-            </a:solidFill>
-          </p:spPr>
-          <p:style>
-            <a:lnRef idx="2">
-              <a:schemeClr val="accent1">
-                <a:shade val="50000"/>
-              </a:schemeClr>
-            </a:lnRef>
-            <a:fillRef idx="1">
-              <a:schemeClr val="accent1"/>
-            </a:fillRef>
-            <a:effectRef idx="0">
-              <a:schemeClr val="accent1"/>
-            </a:effectRef>
-            <a:fontRef idx="minor">
-              <a:schemeClr val="lt1"/>
-            </a:fontRef>
-          </p:style>
-          <p:txBody>
-            <a:bodyPr rtlCol="0" anchor="ctr"/>
-            <a:lstStyle/>
-            <a:p>
-              <a:pPr algn="ctr"/>
-              <a:endParaRPr lang="en-US">
-                <a:solidFill>
-                  <a:schemeClr val="tx1"/>
-                </a:solidFill>
-              </a:endParaRPr>
-            </a:p>
-          </p:txBody>
-        </p:sp>
-        <p:sp>
-          <p:nvSpPr>
-            <p:cNvPr id="34" name="Rectangle 33"/>
-            <p:cNvSpPr/>
-            <p:nvPr/>
-          </p:nvSpPr>
-          <p:spPr>
-            <a:xfrm>
-              <a:off x="7470078" y="3297286"/>
-              <a:ext cx="1716269" cy="645167"/>
-            </a:xfrm>
-            <a:prstGeom prst="rect">
-              <a:avLst/>
-            </a:prstGeom>
-            <a:solidFill>
-              <a:schemeClr val="bg2">
-                <a:lumMod val="90000"/>
-              </a:schemeClr>
-            </a:solidFill>
-          </p:spPr>
-          <p:style>
-            <a:lnRef idx="2">
-              <a:schemeClr val="accent1">
-                <a:shade val="50000"/>
-              </a:schemeClr>
-            </a:lnRef>
-            <a:fillRef idx="1">
-              <a:schemeClr val="accent1"/>
-            </a:fillRef>
-            <a:effectRef idx="0">
-              <a:schemeClr val="accent1"/>
-            </a:effectRef>
-            <a:fontRef idx="minor">
-              <a:schemeClr val="lt1"/>
-            </a:fontRef>
-          </p:style>
-          <p:txBody>
-            <a:bodyPr rtlCol="0" anchor="ctr"/>
-            <a:lstStyle/>
-            <a:p>
-              <a:pPr algn="ctr"/>
-              <a:r>
-                <a:rPr lang="en-US" dirty="0" err="1">
-                  <a:solidFill>
-                    <a:schemeClr val="tx1"/>
-                  </a:solidFill>
-                </a:rPr>
-                <a:t>Auth</a:t>
-              </a:r>
-              <a:endParaRPr lang="en-US" dirty="0">
-                <a:solidFill>
-                  <a:schemeClr val="tx1"/>
-                </a:solidFill>
-              </a:endParaRPr>
-            </a:p>
-          </p:txBody>
-        </p:sp>
-      </p:grpSp>
-      <p:sp>
-        <p:nvSpPr>
-          <p:cNvPr id="36" name="Rectangle 35"/>
-          <p:cNvSpPr/>
-          <p:nvPr/>
-        </p:nvSpPr>
-        <p:spPr>
-          <a:xfrm>
-            <a:off x="7470078" y="2304021"/>
-            <a:ext cx="1716269" cy="645167"/>
-          </a:xfrm>
-          <a:prstGeom prst="rect">
-            <a:avLst/>
-          </a:prstGeom>
-          <a:solidFill>
-            <a:schemeClr val="bg2">
-              <a:lumMod val="90000"/>
-            </a:schemeClr>
-          </a:solidFill>
-        </p:spPr>
-        <p:style>
-          <a:lnRef idx="2">
-            <a:schemeClr val="accent1">
-              <a:shade val="50000"/>
-            </a:schemeClr>
-          </a:lnRef>
-          <a:fillRef idx="1">
-            <a:schemeClr val="accent1"/>
-          </a:fillRef>
-          <a:effectRef idx="0">
-            <a:schemeClr val="accent1"/>
-          </a:effectRef>
-          <a:fontRef idx="minor">
-            <a:schemeClr val="lt1"/>
-          </a:fontRef>
-        </p:style>
-        <p:txBody>
-          <a:bodyPr rtlCol="0" anchor="ctr"/>
-          <a:lstStyle/>
-          <a:p>
-            <a:pPr algn="ctr"/>
-            <a:r>
-              <a:rPr lang="en-US" dirty="0" err="1">
-                <a:solidFill>
-                  <a:schemeClr val="tx1"/>
-                </a:solidFill>
-              </a:rPr>
-              <a:t>Mgmt</a:t>
-            </a:r>
-            <a:endParaRPr lang="en-US" dirty="0">
-              <a:solidFill>
-                <a:schemeClr val="tx1"/>
-              </a:solidFill>
-            </a:endParaRPr>
-          </a:p>
-        </p:txBody>
-      </p:sp>
-      <p:sp>
-        <p:nvSpPr>
-          <p:cNvPr id="38" name="Rounded Rectangle 37"/>
-          <p:cNvSpPr/>
-          <p:nvPr/>
-        </p:nvSpPr>
-        <p:spPr>
-          <a:xfrm>
-            <a:off x="7274857" y="4152484"/>
-            <a:ext cx="2106708" cy="941294"/>
-          </a:xfrm>
-          <a:prstGeom prst="roundRect">
-            <a:avLst/>
-          </a:prstGeom>
-        </p:spPr>
-        <p:style>
-          <a:lnRef idx="2">
-            <a:schemeClr val="accent1">
-              <a:shade val="50000"/>
-            </a:schemeClr>
-          </a:lnRef>
-          <a:fillRef idx="1">
-            <a:schemeClr val="accent1"/>
-          </a:fillRef>
-          <a:effectRef idx="0">
-            <a:schemeClr val="accent1"/>
-          </a:effectRef>
-          <a:fontRef idx="minor">
-            <a:schemeClr val="lt1"/>
-          </a:fontRef>
-        </p:style>
-        <p:txBody>
-          <a:bodyPr rtlCol="0" anchor="ctr"/>
-          <a:lstStyle/>
-          <a:p>
-            <a:pPr algn="ctr"/>
-            <a:endParaRPr lang="en-US"/>
-          </a:p>
-        </p:txBody>
-      </p:sp>
-      <p:grpSp>
-        <p:nvGrpSpPr>
-          <p:cNvPr id="40" name="Group 39"/>
-          <p:cNvGrpSpPr/>
-          <p:nvPr/>
-        </p:nvGrpSpPr>
-        <p:grpSpPr>
-          <a:xfrm>
-            <a:off x="2719778" y="2111188"/>
-            <a:ext cx="2106708" cy="941294"/>
-            <a:chOff x="2719778" y="2111188"/>
-            <a:chExt cx="2106708" cy="941294"/>
-          </a:xfrm>
-        </p:grpSpPr>
-        <p:sp>
-          <p:nvSpPr>
-            <p:cNvPr id="15" name="Rounded Rectangle 14"/>
-            <p:cNvSpPr/>
-            <p:nvPr/>
-          </p:nvSpPr>
-          <p:spPr>
-            <a:xfrm>
-              <a:off x="2719778" y="2111188"/>
-              <a:ext cx="2106708" cy="941294"/>
-            </a:xfrm>
-            <a:prstGeom prst="roundRect">
-              <a:avLst/>
-            </a:prstGeom>
-          </p:spPr>
-          <p:style>
-            <a:lnRef idx="2">
-              <a:schemeClr val="accent1">
-                <a:shade val="50000"/>
-              </a:schemeClr>
-            </a:lnRef>
-            <a:fillRef idx="1">
-              <a:schemeClr val="accent1"/>
-            </a:fillRef>
-            <a:effectRef idx="0">
-              <a:schemeClr val="accent1"/>
-            </a:effectRef>
-            <a:fontRef idx="minor">
-              <a:schemeClr val="lt1"/>
-            </a:fontRef>
-          </p:style>
-          <p:txBody>
-            <a:bodyPr rtlCol="0" anchor="ctr"/>
-            <a:lstStyle/>
-            <a:p>
-              <a:pPr algn="ctr"/>
-              <a:endParaRPr lang="en-US"/>
-            </a:p>
-          </p:txBody>
-        </p:sp>
-        <p:sp>
-          <p:nvSpPr>
-            <p:cNvPr id="39" name="Rectangle 38"/>
-            <p:cNvSpPr/>
-            <p:nvPr/>
-          </p:nvSpPr>
-          <p:spPr>
-            <a:xfrm>
-              <a:off x="2981467" y="2259251"/>
-              <a:ext cx="1716269" cy="645167"/>
-            </a:xfrm>
-            <a:prstGeom prst="rect">
-              <a:avLst/>
-            </a:prstGeom>
-            <a:solidFill>
-              <a:schemeClr val="bg2">
-                <a:lumMod val="90000"/>
-              </a:schemeClr>
-            </a:solidFill>
-          </p:spPr>
-          <p:style>
-            <a:lnRef idx="2">
-              <a:schemeClr val="accent1">
-                <a:shade val="50000"/>
-              </a:schemeClr>
-            </a:lnRef>
-            <a:fillRef idx="1">
-              <a:schemeClr val="accent1"/>
-            </a:fillRef>
-            <a:effectRef idx="0">
-              <a:schemeClr val="accent1"/>
-            </a:effectRef>
-            <a:fontRef idx="minor">
-              <a:schemeClr val="lt1"/>
-            </a:fontRef>
-          </p:style>
-          <p:txBody>
-            <a:bodyPr rtlCol="0" anchor="ctr"/>
-            <a:lstStyle/>
-            <a:p>
-              <a:pPr algn="ctr"/>
-              <a:r>
-                <a:rPr lang="en-US" dirty="0">
-                  <a:solidFill>
-                    <a:schemeClr val="tx1"/>
-                  </a:solidFill>
-                </a:rPr>
-                <a:t>File-Service</a:t>
-              </a:r>
-            </a:p>
-          </p:txBody>
-        </p:sp>
-      </p:grpSp>
-      <p:grpSp>
-        <p:nvGrpSpPr>
-          <p:cNvPr id="43" name="Group 42"/>
-          <p:cNvGrpSpPr/>
-          <p:nvPr/>
-        </p:nvGrpSpPr>
-        <p:grpSpPr>
-          <a:xfrm>
-            <a:off x="2719778" y="3132665"/>
-            <a:ext cx="2106708" cy="941294"/>
-            <a:chOff x="2719778" y="3132665"/>
-            <a:chExt cx="2106708" cy="941294"/>
-          </a:xfrm>
-        </p:grpSpPr>
-        <p:sp>
-          <p:nvSpPr>
-            <p:cNvPr id="18" name="Rounded Rectangle 17"/>
-            <p:cNvSpPr/>
-            <p:nvPr/>
-          </p:nvSpPr>
-          <p:spPr>
-            <a:xfrm>
-              <a:off x="2719778" y="3132665"/>
-              <a:ext cx="2106708" cy="941294"/>
-            </a:xfrm>
-            <a:prstGeom prst="roundRect">
-              <a:avLst/>
-            </a:prstGeom>
-            <a:solidFill>
-              <a:srgbClr val="5B9BD5"/>
-            </a:solidFill>
-          </p:spPr>
-          <p:style>
-            <a:lnRef idx="2">
-              <a:schemeClr val="accent1">
-                <a:shade val="50000"/>
-              </a:schemeClr>
-            </a:lnRef>
-            <a:fillRef idx="1">
-              <a:schemeClr val="accent1"/>
-            </a:fillRef>
-            <a:effectRef idx="0">
-              <a:schemeClr val="accent1"/>
-            </a:effectRef>
-            <a:fontRef idx="minor">
-              <a:schemeClr val="lt1"/>
-            </a:fontRef>
-          </p:style>
-          <p:txBody>
-            <a:bodyPr rtlCol="0" anchor="ctr"/>
-            <a:lstStyle/>
-            <a:p>
-              <a:pPr algn="ctr"/>
-              <a:endParaRPr lang="en-US">
-                <a:solidFill>
-                  <a:schemeClr val="tx1"/>
-                </a:solidFill>
-              </a:endParaRPr>
-            </a:p>
-          </p:txBody>
-        </p:sp>
-        <p:sp>
-          <p:nvSpPr>
-            <p:cNvPr id="41" name="Rectangle 40"/>
-            <p:cNvSpPr/>
-            <p:nvPr/>
-          </p:nvSpPr>
-          <p:spPr>
-            <a:xfrm>
-              <a:off x="2981466" y="3286572"/>
-              <a:ext cx="1716269" cy="645167"/>
-            </a:xfrm>
-            <a:prstGeom prst="rect">
-              <a:avLst/>
-            </a:prstGeom>
-            <a:solidFill>
-              <a:schemeClr val="bg2">
-                <a:lumMod val="90000"/>
-              </a:schemeClr>
-            </a:solidFill>
-          </p:spPr>
-          <p:style>
-            <a:lnRef idx="2">
-              <a:schemeClr val="accent1">
-                <a:shade val="50000"/>
-              </a:schemeClr>
-            </a:lnRef>
-            <a:fillRef idx="1">
-              <a:schemeClr val="accent1"/>
-            </a:fillRef>
-            <a:effectRef idx="0">
-              <a:schemeClr val="accent1"/>
-            </a:effectRef>
-            <a:fontRef idx="minor">
-              <a:schemeClr val="lt1"/>
-            </a:fontRef>
-          </p:style>
-          <p:txBody>
-            <a:bodyPr rtlCol="0" anchor="ctr"/>
-            <a:lstStyle/>
-            <a:p>
-              <a:pPr algn="ctr"/>
-              <a:r>
-                <a:rPr lang="en-US" dirty="0">
-                  <a:solidFill>
-                    <a:schemeClr val="tx1"/>
-                  </a:solidFill>
-                </a:rPr>
-                <a:t>Orders-Service</a:t>
-              </a:r>
-            </a:p>
-          </p:txBody>
-        </p:sp>
-      </p:grpSp>
-      <p:sp>
-        <p:nvSpPr>
-          <p:cNvPr id="44" name="Flowchart: Magnetic Disk 43"/>
-          <p:cNvSpPr/>
-          <p:nvPr/>
-        </p:nvSpPr>
-        <p:spPr>
-          <a:xfrm>
-            <a:off x="10325001" y="5425569"/>
-            <a:ext cx="1121345" cy="708057"/>
-          </a:xfrm>
-          <a:prstGeom prst="flowChartMagneticDisk">
-            <a:avLst/>
-          </a:prstGeom>
-        </p:spPr>
-        <p:style>
-          <a:lnRef idx="2">
-            <a:schemeClr val="accent1">
-              <a:shade val="50000"/>
-            </a:schemeClr>
-          </a:lnRef>
-          <a:fillRef idx="1">
-            <a:schemeClr val="accent1"/>
-          </a:fillRef>
-          <a:effectRef idx="0">
-            <a:schemeClr val="accent1"/>
-          </a:effectRef>
-          <a:fontRef idx="minor">
-            <a:schemeClr val="lt1"/>
-          </a:fontRef>
-        </p:style>
-        <p:txBody>
-          <a:bodyPr rtlCol="0" anchor="ctr"/>
-          <a:lstStyle/>
-          <a:p>
-            <a:pPr algn="ctr"/>
-            <a:r>
-              <a:rPr lang="en-US" dirty="0"/>
-              <a:t>DB</a:t>
-            </a:r>
-          </a:p>
-        </p:txBody>
-      </p:sp>
-      <p:grpSp>
-        <p:nvGrpSpPr>
-          <p:cNvPr id="46" name="Group 45"/>
-          <p:cNvGrpSpPr/>
-          <p:nvPr/>
-        </p:nvGrpSpPr>
-        <p:grpSpPr>
-          <a:xfrm>
-            <a:off x="2719778" y="4154142"/>
-            <a:ext cx="2106708" cy="941294"/>
-            <a:chOff x="2719778" y="4154142"/>
-            <a:chExt cx="2106708" cy="941294"/>
-          </a:xfrm>
-        </p:grpSpPr>
-        <p:sp>
-          <p:nvSpPr>
-            <p:cNvPr id="21" name="Rounded Rectangle 20"/>
-            <p:cNvSpPr/>
-            <p:nvPr/>
-          </p:nvSpPr>
-          <p:spPr>
-            <a:xfrm>
-              <a:off x="2719778" y="4154142"/>
-              <a:ext cx="2106708" cy="941294"/>
-            </a:xfrm>
-            <a:prstGeom prst="roundRect">
-              <a:avLst/>
-            </a:prstGeom>
-          </p:spPr>
-          <p:style>
-            <a:lnRef idx="2">
-              <a:schemeClr val="accent1">
-                <a:shade val="50000"/>
-              </a:schemeClr>
-            </a:lnRef>
-            <a:fillRef idx="1">
-              <a:schemeClr val="accent1"/>
-            </a:fillRef>
-            <a:effectRef idx="0">
-              <a:schemeClr val="accent1"/>
-            </a:effectRef>
-            <a:fontRef idx="minor">
-              <a:schemeClr val="lt1"/>
-            </a:fontRef>
-          </p:style>
-          <p:txBody>
-            <a:bodyPr rtlCol="0" anchor="ctr"/>
-            <a:lstStyle/>
-            <a:p>
-              <a:pPr algn="ctr"/>
-              <a:endParaRPr lang="en-US"/>
-            </a:p>
-          </p:txBody>
-        </p:sp>
-        <p:sp>
-          <p:nvSpPr>
-            <p:cNvPr id="45" name="Rectangle 44"/>
-            <p:cNvSpPr/>
-            <p:nvPr/>
-          </p:nvSpPr>
-          <p:spPr>
-            <a:xfrm>
-              <a:off x="2968019" y="4313893"/>
-              <a:ext cx="1716269" cy="645167"/>
-            </a:xfrm>
-            <a:prstGeom prst="rect">
-              <a:avLst/>
-            </a:prstGeom>
-            <a:solidFill>
-              <a:schemeClr val="bg2">
-                <a:lumMod val="90000"/>
-              </a:schemeClr>
-            </a:solidFill>
-          </p:spPr>
-          <p:style>
-            <a:lnRef idx="2">
-              <a:schemeClr val="accent1">
-                <a:shade val="50000"/>
-              </a:schemeClr>
-            </a:lnRef>
-            <a:fillRef idx="1">
-              <a:schemeClr val="accent1"/>
-            </a:fillRef>
-            <a:effectRef idx="0">
-              <a:schemeClr val="accent1"/>
-            </a:effectRef>
-            <a:fontRef idx="minor">
-              <a:schemeClr val="lt1"/>
-            </a:fontRef>
-          </p:style>
-          <p:txBody>
-            <a:bodyPr rtlCol="0" anchor="ctr"/>
-            <a:lstStyle/>
-            <a:p>
-              <a:pPr algn="ctr"/>
-              <a:r>
-                <a:rPr lang="en-US" dirty="0" err="1">
-                  <a:solidFill>
-                    <a:schemeClr val="tx1"/>
-                  </a:solidFill>
-                </a:rPr>
-                <a:t>Notofication</a:t>
-              </a:r>
-              <a:r>
-                <a:rPr lang="en-US" dirty="0">
-                  <a:solidFill>
-                    <a:schemeClr val="tx1"/>
-                  </a:solidFill>
-                </a:rPr>
-                <a:t>-Service</a:t>
-              </a:r>
-            </a:p>
-          </p:txBody>
-        </p:sp>
-      </p:grpSp>
-      <p:sp>
-        <p:nvSpPr>
-          <p:cNvPr id="47" name="Rectangle 46"/>
-          <p:cNvSpPr/>
-          <p:nvPr/>
-        </p:nvSpPr>
-        <p:spPr>
-          <a:xfrm>
-            <a:off x="7470078" y="4318817"/>
-            <a:ext cx="1716269" cy="645167"/>
-          </a:xfrm>
-          <a:prstGeom prst="rect">
-            <a:avLst/>
-          </a:prstGeom>
-          <a:solidFill>
-            <a:schemeClr val="bg2">
-              <a:lumMod val="90000"/>
-            </a:schemeClr>
-          </a:solidFill>
-        </p:spPr>
-        <p:style>
-          <a:lnRef idx="2">
-            <a:schemeClr val="accent1">
-              <a:shade val="50000"/>
-            </a:schemeClr>
-          </a:lnRef>
-          <a:fillRef idx="1">
-            <a:schemeClr val="accent1"/>
-          </a:fillRef>
-          <a:effectRef idx="0">
-            <a:schemeClr val="accent1"/>
-          </a:effectRef>
-          <a:fontRef idx="minor">
-            <a:schemeClr val="lt1"/>
-          </a:fontRef>
-        </p:style>
-        <p:txBody>
-          <a:bodyPr rtlCol="0" anchor="ctr"/>
-          <a:lstStyle/>
-          <a:p>
-            <a:pPr algn="ctr"/>
-            <a:r>
-              <a:rPr lang="en-US" dirty="0">
-                <a:solidFill>
-                  <a:schemeClr val="tx1"/>
-                </a:solidFill>
-              </a:rPr>
-              <a:t>Payment-Service</a:t>
-            </a:r>
-          </a:p>
-        </p:txBody>
-      </p:sp>
-      <p:sp>
-        <p:nvSpPr>
-          <p:cNvPr id="48" name="Content Placeholder 2"/>
-          <p:cNvSpPr>
-            <a:spLocks noGrp="1"/>
-          </p:cNvSpPr>
-          <p:nvPr>
-            <p:ph idx="1"/>
-          </p:nvPr>
-        </p:nvSpPr>
-        <p:spPr>
-          <a:xfrm>
-            <a:off x="487360" y="185927"/>
-            <a:ext cx="4326694" cy="1253170"/>
-          </a:xfrm>
-        </p:spPr>
-        <p:txBody>
-          <a:bodyPr>
-            <a:noAutofit/>
-          </a:bodyPr>
-          <a:lstStyle/>
-          <a:p>
-            <a:pPr marL="0" indent="0">
-              <a:buNone/>
-            </a:pPr>
-            <a:r>
-              <a:rPr lang="en-US" sz="4000" dirty="0"/>
-              <a:t>Split the application into smaller chunks</a:t>
-            </a:r>
-          </a:p>
-        </p:txBody>
-      </p:sp>
-    </p:spTree>
-    <p:extLst>
-      <p:ext uri="{BB962C8B-B14F-4D97-AF65-F5344CB8AC3E}">
-        <p14:creationId xmlns:p14="http://schemas.microsoft.com/office/powerpoint/2010/main" val="1028228804"/>
-      </p:ext>
-    </p:extLst>
-  </p:cSld>
-  <p:clrMapOvr>
-    <a:masterClrMapping/>
-  </p:clrMapOvr>
-  <p:timing>
-    <p:tnLst>
-      <p:par>
-        <p:cTn id="1" dur="indefinite" restart="never" nodeType="tmRoot">
-          <p:childTnLst>
-            <p:seq concurrent="1" nextAc="seek">
-              <p:cTn id="2" dur="indefinite" nodeType="mainSeq">
-                <p:childTnLst>
-                  <p:par>
-                    <p:cTn id="3" fill="hold">
-                      <p:stCondLst>
-                        <p:cond delay="indefinite"/>
-                      </p:stCondLst>
-                      <p:childTnLst>
-                        <p:par>
-                          <p:cTn id="4" fill="hold">
-                            <p:stCondLst>
-                              <p:cond delay="0"/>
-                            </p:stCondLst>
-                            <p:childTnLst>
-                              <p:par>
-                                <p:cTn id="5" presetID="64" presetClass="path" presetSubtype="0" accel="50000" decel="50000" fill="hold" nodeType="clickEffect">
-                                  <p:stCondLst>
-                                    <p:cond delay="0"/>
-                                  </p:stCondLst>
-                                  <p:childTnLst>
-                                    <p:animMotion origin="layout" path="M 0 0 L 0 -0.25 E" pathEditMode="relative" ptsTypes="">
-                                      <p:cBhvr>
-                                        <p:cTn id="6" dur="500" fill="hold"/>
-                                        <p:tgtEl>
-                                          <p:spTgt spid="32"/>
-                                        </p:tgtEl>
-                                        <p:attrNameLst>
-                                          <p:attrName>ppt_x</p:attrName>
-                                          <p:attrName>ppt_y</p:attrName>
-                                        </p:attrNameLst>
-                                      </p:cBhvr>
-                                    </p:animMotion>
-                                  </p:childTnLst>
-                                </p:cTn>
-                              </p:par>
-                              <p:par>
-                                <p:cTn id="7" presetID="63" presetClass="path" presetSubtype="0" accel="50000" decel="50000" fill="hold" nodeType="withEffect">
-                                  <p:stCondLst>
-                                    <p:cond delay="0"/>
-                                  </p:stCondLst>
-                                  <p:childTnLst>
-                                    <p:animMotion origin="layout" path="M -2.91667E-6 -1.48148E-6 L 0.20925 -0.00162 " pathEditMode="relative" rAng="0" ptsTypes="AA">
-                                      <p:cBhvr>
-                                        <p:cTn id="8" dur="500" fill="hold"/>
-                                        <p:tgtEl>
-                                          <p:spTgt spid="35"/>
-                                        </p:tgtEl>
-                                        <p:attrNameLst>
-                                          <p:attrName>ppt_x</p:attrName>
-                                          <p:attrName>ppt_y</p:attrName>
-                                        </p:attrNameLst>
-                                      </p:cBhvr>
-                                      <p:rCtr x="10456" y="-93"/>
-                                    </p:animMotion>
-                                  </p:childTnLst>
-                                </p:cTn>
-                              </p:par>
-                              <p:par>
-                                <p:cTn id="9" presetID="1" presetClass="entr" presetSubtype="0" fill="hold" grpId="0" nodeType="withEffect">
-                                  <p:stCondLst>
-                                    <p:cond delay="0"/>
-                                  </p:stCondLst>
-                                  <p:childTnLst>
-                                    <p:set>
-                                      <p:cBhvr>
-                                        <p:cTn id="10" dur="1" fill="hold">
-                                          <p:stCondLst>
-                                            <p:cond delay="0"/>
-                                          </p:stCondLst>
-                                        </p:cTn>
-                                        <p:tgtEl>
-                                          <p:spTgt spid="44"/>
-                                        </p:tgtEl>
-                                        <p:attrNameLst>
-                                          <p:attrName>style.visibility</p:attrName>
-                                        </p:attrNameLst>
-                                      </p:cBhvr>
-                                      <p:to>
-                                        <p:strVal val="visible"/>
-                                      </p:to>
-                                    </p:set>
-                                  </p:childTnLst>
-                                </p:cTn>
-                              </p:par>
-                              <p:par>
-                                <p:cTn id="11" presetID="35" presetClass="path" presetSubtype="0" accel="50000" decel="50000" fill="hold" nodeType="withEffect">
-                                  <p:stCondLst>
-                                    <p:cond delay="0"/>
-                                  </p:stCondLst>
-                                  <p:childTnLst>
-                                    <p:animMotion origin="layout" path="M 5E-6 1.11111E-6 L -0.21016 -0.00787 " pathEditMode="relative" rAng="0" ptsTypes="AA">
-                                      <p:cBhvr>
-                                        <p:cTn id="12" dur="500" fill="hold"/>
-                                        <p:tgtEl>
-                                          <p:spTgt spid="40"/>
-                                        </p:tgtEl>
-                                        <p:attrNameLst>
-                                          <p:attrName>ppt_x</p:attrName>
-                                          <p:attrName>ppt_y</p:attrName>
-                                        </p:attrNameLst>
-                                      </p:cBhvr>
-                                      <p:rCtr x="-10508" y="-394"/>
-                                    </p:animMotion>
-                                  </p:childTnLst>
-                                </p:cTn>
-                              </p:par>
-                              <p:par>
-                                <p:cTn id="13" presetID="42" presetClass="path" presetSubtype="0" accel="50000" decel="50000" fill="hold" nodeType="withEffect">
-                                  <p:stCondLst>
-                                    <p:cond delay="0"/>
-                                  </p:stCondLst>
-                                  <p:childTnLst>
-                                    <p:animMotion origin="layout" path="M -3.95833E-6 -1.48148E-6 L 0.00013 0.14931 " pathEditMode="relative" rAng="0" ptsTypes="AA">
-                                      <p:cBhvr>
-                                        <p:cTn id="14" dur="500" fill="hold"/>
-                                        <p:tgtEl>
-                                          <p:spTgt spid="42"/>
-                                        </p:tgtEl>
-                                        <p:attrNameLst>
-                                          <p:attrName>ppt_x</p:attrName>
-                                          <p:attrName>ppt_y</p:attrName>
-                                        </p:attrNameLst>
-                                      </p:cBhvr>
-                                      <p:rCtr x="0" y="7454"/>
-                                    </p:animMotion>
-                                  </p:childTnLst>
-                                </p:cTn>
-                              </p:par>
-                              <p:par>
-                                <p:cTn id="15" presetID="35" presetClass="path" presetSubtype="0" accel="50000" decel="50000" fill="hold" nodeType="withEffect">
-                                  <p:stCondLst>
-                                    <p:cond delay="0"/>
-                                  </p:stCondLst>
-                                  <p:childTnLst>
-                                    <p:animMotion origin="layout" path="M 5E-6 4.44444E-6 L -0.10235 -0.00602 " pathEditMode="relative" rAng="0" ptsTypes="AA">
-                                      <p:cBhvr>
-                                        <p:cTn id="16" dur="500" fill="hold"/>
-                                        <p:tgtEl>
-                                          <p:spTgt spid="46"/>
-                                        </p:tgtEl>
-                                        <p:attrNameLst>
-                                          <p:attrName>ppt_x</p:attrName>
-                                          <p:attrName>ppt_y</p:attrName>
-                                        </p:attrNameLst>
-                                      </p:cBhvr>
-                                      <p:rCtr x="-5117" y="-301"/>
-                                    </p:animMotion>
-                                  </p:childTnLst>
-                                </p:cTn>
-                              </p:par>
-                            </p:childTnLst>
-                          </p:cTn>
-                        </p:par>
-                      </p:childTnLst>
-                    </p:cTn>
-                  </p:par>
-                </p:childTnLst>
-              </p:cTn>
-              <p:prevCondLst>
-                <p:cond evt="onPrev" delay="0">
-                  <p:tgtEl>
-                    <p:sldTgt/>
-                  </p:tgtEl>
-                </p:cond>
-              </p:prevCondLst>
-              <p:nextCondLst>
-                <p:cond evt="onNext" delay="0">
-                  <p:tgtEl>
-                    <p:sldTgt/>
-                  </p:tgtEl>
-                </p:cond>
-              </p:nextCondLst>
-            </p:seq>
-          </p:childTnLst>
-        </p:cTn>
-      </p:par>
-    </p:tnLst>
-    <p:bldLst>
-      <p:bldP spid="44" grpId="0" animBg="1"/>
-    </p:bldLst>
-  </p:timing>
-</p:sld>
-</file>
-
-<file path=ppt/slides/slide11.xml><?xml version="1.0" encoding="utf-8"?>
-<p:sld xmlns:a="http://schemas.openxmlformats.org/drawingml/2006/main" xmlns:r="http://schemas.openxmlformats.org/officeDocument/2006/relationships" xmlns:p="http://schemas.openxmlformats.org/presentationml/2006/main">
-  <p:cSld>
-    <p:spTree>
-      <p:nvGrpSpPr>
-        <p:cNvPr id="1" name=""/>
-        <p:cNvGrpSpPr/>
-        <p:nvPr/>
-      </p:nvGrpSpPr>
-      <p:grpSpPr>
-        <a:xfrm>
-          <a:off x="0" y="0"/>
-          <a:ext cx="0" cy="0"/>
-          <a:chOff x="0" y="0"/>
-          <a:chExt cx="0" cy="0"/>
-        </a:xfrm>
-      </p:grpSpPr>
-      <p:sp>
-        <p:nvSpPr>
           <p:cNvPr id="4" name="Rounded Rectangle 3"/>
           <p:cNvSpPr/>
           <p:nvPr/>
@@ -6701,7 +5278,7 @@
 </p:sld>
 </file>
 
-<file path=ppt/slides/slide12.xml><?xml version="1.0" encoding="utf-8"?>
+<file path=ppt/slides/slide11.xml><?xml version="1.0" encoding="utf-8"?>
 <p:sld xmlns:a="http://schemas.openxmlformats.org/drawingml/2006/main" xmlns:r="http://schemas.openxmlformats.org/officeDocument/2006/relationships" xmlns:p="http://schemas.openxmlformats.org/presentationml/2006/main">
   <p:cSld>
     <p:spTree>
@@ -10216,7 +8793,7 @@
 </p:sld>
 </file>
 
-<file path=ppt/slides/slide13.xml><?xml version="1.0" encoding="utf-8"?>
+<file path=ppt/slides/slide12.xml><?xml version="1.0" encoding="utf-8"?>
 <p:sld xmlns:a="http://schemas.openxmlformats.org/drawingml/2006/main" xmlns:r="http://schemas.openxmlformats.org/officeDocument/2006/relationships" xmlns:p="http://schemas.openxmlformats.org/presentationml/2006/main">
   <p:cSld>
     <p:spTree>
@@ -12533,7 +11110,7 @@
 </p:sld>
 </file>
 
-<file path=ppt/slides/slide14.xml><?xml version="1.0" encoding="utf-8"?>
+<file path=ppt/slides/slide13.xml><?xml version="1.0" encoding="utf-8"?>
 <p:sld xmlns:a="http://schemas.openxmlformats.org/drawingml/2006/main" xmlns:r="http://schemas.openxmlformats.org/officeDocument/2006/relationships" xmlns:p="http://schemas.openxmlformats.org/presentationml/2006/main">
   <p:cSld>
     <p:spTree>
@@ -12634,7 +11211,7 @@
 </p:sld>
 </file>
 
-<file path=ppt/slides/slide15.xml><?xml version="1.0" encoding="utf-8"?>
+<file path=ppt/slides/slide14.xml><?xml version="1.0" encoding="utf-8"?>
 <p:sld xmlns:a="http://schemas.openxmlformats.org/drawingml/2006/main" xmlns:r="http://schemas.openxmlformats.org/officeDocument/2006/relationships" xmlns:p="http://schemas.openxmlformats.org/presentationml/2006/main">
   <p:cSld>
     <p:spTree>
@@ -12720,7 +11297,7 @@
 </p:sld>
 </file>
 
-<file path=ppt/slides/slide16.xml><?xml version="1.0" encoding="utf-8"?>
+<file path=ppt/slides/slide15.xml><?xml version="1.0" encoding="utf-8"?>
 <p:sld xmlns:a="http://schemas.openxmlformats.org/drawingml/2006/main" xmlns:r="http://schemas.openxmlformats.org/officeDocument/2006/relationships" xmlns:p="http://schemas.openxmlformats.org/presentationml/2006/main">
   <p:cSld>
     <p:spTree>
@@ -13218,7 +11795,7 @@
 </p:sld>
 </file>
 
-<file path=ppt/slides/slide17.xml><?xml version="1.0" encoding="utf-8"?>
+<file path=ppt/slides/slide16.xml><?xml version="1.0" encoding="utf-8"?>
 <p:sld xmlns:a="http://schemas.openxmlformats.org/drawingml/2006/main" xmlns:r="http://schemas.openxmlformats.org/officeDocument/2006/relationships" xmlns:p="http://schemas.openxmlformats.org/presentationml/2006/main">
   <p:cSld>
     <p:spTree>
@@ -13549,7 +12126,7 @@
 </p:sld>
 </file>
 
-<file path=ppt/slides/slide18.xml><?xml version="1.0" encoding="utf-8"?>
+<file path=ppt/slides/slide17.xml><?xml version="1.0" encoding="utf-8"?>
 <p:sld xmlns:a="http://schemas.openxmlformats.org/drawingml/2006/main" xmlns:r="http://schemas.openxmlformats.org/officeDocument/2006/relationships" xmlns:p="http://schemas.openxmlformats.org/presentationml/2006/main">
   <p:cSld>
     <p:spTree>
@@ -14771,7 +13348,7 @@
 </p:sld>
 </file>
 
-<file path=ppt/slides/slide19.xml><?xml version="1.0" encoding="utf-8"?>
+<file path=ppt/slides/slide18.xml><?xml version="1.0" encoding="utf-8"?>
 <p:sld xmlns:a="http://schemas.openxmlformats.org/drawingml/2006/main" xmlns:r="http://schemas.openxmlformats.org/officeDocument/2006/relationships" xmlns:p="http://schemas.openxmlformats.org/presentationml/2006/main">
   <p:cSld>
     <p:spTree>
@@ -16436,340 +15013,7 @@
 </p:sld>
 </file>
 
-<file path=ppt/slides/slide2.xml><?xml version="1.0" encoding="utf-8"?>
-<p:sld xmlns:a="http://schemas.openxmlformats.org/drawingml/2006/main" xmlns:r="http://schemas.openxmlformats.org/officeDocument/2006/relationships" xmlns:p="http://schemas.openxmlformats.org/presentationml/2006/main">
-  <p:cSld>
-    <p:spTree>
-      <p:nvGrpSpPr>
-        <p:cNvPr id="1" name=""/>
-        <p:cNvGrpSpPr/>
-        <p:nvPr/>
-      </p:nvGrpSpPr>
-      <p:grpSpPr>
-        <a:xfrm>
-          <a:off x="0" y="0"/>
-          <a:ext cx="0" cy="0"/>
-          <a:chOff x="0" y="0"/>
-          <a:chExt cx="0" cy="0"/>
-        </a:xfrm>
-      </p:grpSpPr>
-      <p:sp>
-        <p:nvSpPr>
-          <p:cNvPr id="2" name="Title 1"/>
-          <p:cNvSpPr>
-            <a:spLocks noGrp="1"/>
-          </p:cNvSpPr>
-          <p:nvPr>
-            <p:ph type="title"/>
-          </p:nvPr>
-        </p:nvSpPr>
-        <p:spPr/>
-        <p:txBody>
-          <a:bodyPr/>
-          <a:lstStyle/>
-          <a:p>
-            <a:r>
-              <a:rPr lang="en-US" dirty="0"/>
-              <a:t>Agenda</a:t>
-            </a:r>
-          </a:p>
-        </p:txBody>
-      </p:sp>
-      <p:sp>
-        <p:nvSpPr>
-          <p:cNvPr id="5" name="Rectangle 4"/>
-          <p:cNvSpPr/>
-          <p:nvPr/>
-        </p:nvSpPr>
-        <p:spPr>
-          <a:xfrm>
-            <a:off x="838200" y="1690687"/>
-            <a:ext cx="5171090" cy="957919"/>
-          </a:xfrm>
-          <a:prstGeom prst="rect">
-            <a:avLst/>
-          </a:prstGeom>
-        </p:spPr>
-        <p:style>
-          <a:lnRef idx="2">
-            <a:schemeClr val="accent1">
-              <a:shade val="50000"/>
-            </a:schemeClr>
-          </a:lnRef>
-          <a:fillRef idx="1">
-            <a:schemeClr val="accent1"/>
-          </a:fillRef>
-          <a:effectRef idx="0">
-            <a:schemeClr val="accent1"/>
-          </a:effectRef>
-          <a:fontRef idx="minor">
-            <a:schemeClr val="lt1"/>
-          </a:fontRef>
-        </p:style>
-        <p:txBody>
-          <a:bodyPr rtlCol="0" anchor="ctr"/>
-          <a:lstStyle/>
-          <a:p>
-            <a:pPr marL="457200" indent="-457200">
-              <a:buFont typeface="Arial" panose="020B0604020202020204" pitchFamily="34" charset="0"/>
-              <a:buChar char="•"/>
-            </a:pPr>
-            <a:r>
-              <a:rPr lang="en-US" sz="2800" dirty="0" err="1"/>
-              <a:t>Microservices</a:t>
-            </a:r>
-            <a:r>
-              <a:rPr lang="en-US" sz="2800" dirty="0"/>
-              <a:t> Architecture</a:t>
-            </a:r>
-          </a:p>
-        </p:txBody>
-      </p:sp>
-      <p:sp>
-        <p:nvSpPr>
-          <p:cNvPr id="7" name="Rectangle 6"/>
-          <p:cNvSpPr/>
-          <p:nvPr/>
-        </p:nvSpPr>
-        <p:spPr>
-          <a:xfrm>
-            <a:off x="838200" y="2953187"/>
-            <a:ext cx="5171090" cy="1051252"/>
-          </a:xfrm>
-          <a:prstGeom prst="rect">
-            <a:avLst/>
-          </a:prstGeom>
-        </p:spPr>
-        <p:style>
-          <a:lnRef idx="2">
-            <a:schemeClr val="accent1">
-              <a:shade val="50000"/>
-            </a:schemeClr>
-          </a:lnRef>
-          <a:fillRef idx="1">
-            <a:schemeClr val="accent1"/>
-          </a:fillRef>
-          <a:effectRef idx="0">
-            <a:schemeClr val="accent1"/>
-          </a:effectRef>
-          <a:fontRef idx="minor">
-            <a:schemeClr val="lt1"/>
-          </a:fontRef>
-        </p:style>
-        <p:txBody>
-          <a:bodyPr rtlCol="0" anchor="ctr"/>
-          <a:lstStyle/>
-          <a:p>
-            <a:pPr marL="457200" indent="-457200">
-              <a:buFont typeface="Arial" panose="020B0604020202020204" pitchFamily="34" charset="0"/>
-              <a:buChar char="•"/>
-            </a:pPr>
-            <a:r>
-              <a:rPr lang="en-US" sz="2800" dirty="0"/>
-              <a:t>What is Kubernetes?</a:t>
-            </a:r>
-          </a:p>
-        </p:txBody>
-      </p:sp>
-      <p:sp>
-        <p:nvSpPr>
-          <p:cNvPr id="8" name="Rectangle 7"/>
-          <p:cNvSpPr/>
-          <p:nvPr/>
-        </p:nvSpPr>
-        <p:spPr>
-          <a:xfrm>
-            <a:off x="838200" y="1690687"/>
-            <a:ext cx="5171090" cy="957919"/>
-          </a:xfrm>
-          <a:prstGeom prst="rect">
-            <a:avLst/>
-          </a:prstGeom>
-          <a:solidFill>
-            <a:schemeClr val="accent4">
-              <a:lumMod val="60000"/>
-              <a:lumOff val="40000"/>
-            </a:schemeClr>
-          </a:solidFill>
-          <a:ln>
-            <a:solidFill>
-              <a:srgbClr val="FF0000"/>
-            </a:solidFill>
-          </a:ln>
-        </p:spPr>
-        <p:style>
-          <a:lnRef idx="2">
-            <a:schemeClr val="accent1">
-              <a:shade val="50000"/>
-            </a:schemeClr>
-          </a:lnRef>
-          <a:fillRef idx="1">
-            <a:schemeClr val="accent1"/>
-          </a:fillRef>
-          <a:effectRef idx="0">
-            <a:schemeClr val="accent1"/>
-          </a:effectRef>
-          <a:fontRef idx="minor">
-            <a:schemeClr val="lt1"/>
-          </a:fontRef>
-        </p:style>
-        <p:txBody>
-          <a:bodyPr rtlCol="0" anchor="ctr"/>
-          <a:lstStyle/>
-          <a:p>
-            <a:pPr marL="457200" indent="-457200">
-              <a:buFont typeface="Arial" panose="020B0604020202020204" pitchFamily="34" charset="0"/>
-              <a:buChar char="•"/>
-            </a:pPr>
-            <a:r>
-              <a:rPr lang="en-US" sz="2800" dirty="0" err="1"/>
-              <a:t>Microservices</a:t>
-            </a:r>
-            <a:r>
-              <a:rPr lang="en-US" sz="2800" dirty="0"/>
-              <a:t> Architecture</a:t>
-            </a:r>
-          </a:p>
-        </p:txBody>
-      </p:sp>
-      <p:sp>
-        <p:nvSpPr>
-          <p:cNvPr id="6" name="Rectangle 5"/>
-          <p:cNvSpPr/>
-          <p:nvPr/>
-        </p:nvSpPr>
-        <p:spPr>
-          <a:xfrm>
-            <a:off x="838200" y="4240704"/>
-            <a:ext cx="5171090" cy="930383"/>
-          </a:xfrm>
-          <a:prstGeom prst="rect">
-            <a:avLst/>
-          </a:prstGeom>
-        </p:spPr>
-        <p:style>
-          <a:lnRef idx="2">
-            <a:schemeClr val="accent1">
-              <a:shade val="50000"/>
-            </a:schemeClr>
-          </a:lnRef>
-          <a:fillRef idx="1">
-            <a:schemeClr val="accent1"/>
-          </a:fillRef>
-          <a:effectRef idx="0">
-            <a:schemeClr val="accent1"/>
-          </a:effectRef>
-          <a:fontRef idx="minor">
-            <a:schemeClr val="lt1"/>
-          </a:fontRef>
-        </p:style>
-        <p:txBody>
-          <a:bodyPr rtlCol="0" anchor="ctr"/>
-          <a:lstStyle/>
-          <a:p>
-            <a:pPr marL="457200" indent="-457200">
-              <a:buFont typeface="Arial" panose="020B0604020202020204" pitchFamily="34" charset="0"/>
-              <a:buChar char="•"/>
-            </a:pPr>
-            <a:r>
-              <a:rPr lang="en-US" sz="2800" dirty="0"/>
-              <a:t>Kubernetes Basics</a:t>
-            </a:r>
-          </a:p>
-        </p:txBody>
-      </p:sp>
-    </p:spTree>
-    <p:extLst>
-      <p:ext uri="{BB962C8B-B14F-4D97-AF65-F5344CB8AC3E}">
-        <p14:creationId xmlns:p14="http://schemas.microsoft.com/office/powerpoint/2010/main" val="2753488275"/>
-      </p:ext>
-    </p:extLst>
-  </p:cSld>
-  <p:clrMapOvr>
-    <a:masterClrMapping/>
-  </p:clrMapOvr>
-  <p:timing>
-    <p:tnLst>
-      <p:par>
-        <p:cTn id="1" dur="indefinite" restart="never" nodeType="tmRoot">
-          <p:childTnLst>
-            <p:seq concurrent="1" nextAc="seek">
-              <p:cTn id="2" dur="indefinite" nodeType="mainSeq">
-                <p:childTnLst>
-                  <p:par>
-                    <p:cTn id="3" fill="hold">
-                      <p:stCondLst>
-                        <p:cond delay="indefinite"/>
-                      </p:stCondLst>
-                      <p:childTnLst>
-                        <p:par>
-                          <p:cTn id="4" fill="hold">
-                            <p:stCondLst>
-                              <p:cond delay="0"/>
-                            </p:stCondLst>
-                            <p:childTnLst>
-                              <p:par>
-                                <p:cTn id="5" presetID="1" presetClass="entr" presetSubtype="0" fill="hold" grpId="0" nodeType="clickEffect">
-                                  <p:stCondLst>
-                                    <p:cond delay="0"/>
-                                  </p:stCondLst>
-                                  <p:childTnLst>
-                                    <p:set>
-                                      <p:cBhvr>
-                                        <p:cTn id="6" dur="1" fill="hold">
-                                          <p:stCondLst>
-                                            <p:cond delay="0"/>
-                                          </p:stCondLst>
-                                        </p:cTn>
-                                        <p:tgtEl>
-                                          <p:spTgt spid="8"/>
-                                        </p:tgtEl>
-                                        <p:attrNameLst>
-                                          <p:attrName>style.visibility</p:attrName>
-                                        </p:attrNameLst>
-                                      </p:cBhvr>
-                                      <p:to>
-                                        <p:strVal val="visible"/>
-                                      </p:to>
-                                    </p:set>
-                                  </p:childTnLst>
-                                </p:cTn>
-                              </p:par>
-                            </p:childTnLst>
-                          </p:cTn>
-                        </p:par>
-                      </p:childTnLst>
-                    </p:cTn>
-                  </p:par>
-                </p:childTnLst>
-              </p:cTn>
-              <p:prevCondLst>
-                <p:cond evt="onPrev" delay="0">
-                  <p:tgtEl>
-                    <p:sldTgt/>
-                  </p:tgtEl>
-                </p:cond>
-              </p:prevCondLst>
-              <p:nextCondLst>
-                <p:cond evt="onNext" delay="0">
-                  <p:tgtEl>
-                    <p:sldTgt/>
-                  </p:tgtEl>
-                </p:cond>
-              </p:nextCondLst>
-            </p:seq>
-          </p:childTnLst>
-        </p:cTn>
-      </p:par>
-    </p:tnLst>
-    <p:bldLst>
-      <p:bldP spid="8" grpId="0" animBg="1"/>
-    </p:bldLst>
-  </p:timing>
-</p:sld>
-</file>
-
-<file path=ppt/slides/slide20.xml><?xml version="1.0" encoding="utf-8"?>
+<file path=ppt/slides/slide19.xml><?xml version="1.0" encoding="utf-8"?>
 <p:sld xmlns:a="http://schemas.openxmlformats.org/drawingml/2006/main" xmlns:r="http://schemas.openxmlformats.org/officeDocument/2006/relationships" xmlns:p="http://schemas.openxmlformats.org/presentationml/2006/main">
   <p:cSld>
     <p:spTree>
@@ -19758,7 +18002,340 @@
 </p:sld>
 </file>
 
-<file path=ppt/slides/slide21.xml><?xml version="1.0" encoding="utf-8"?>
+<file path=ppt/slides/slide2.xml><?xml version="1.0" encoding="utf-8"?>
+<p:sld xmlns:a="http://schemas.openxmlformats.org/drawingml/2006/main" xmlns:r="http://schemas.openxmlformats.org/officeDocument/2006/relationships" xmlns:p="http://schemas.openxmlformats.org/presentationml/2006/main">
+  <p:cSld>
+    <p:spTree>
+      <p:nvGrpSpPr>
+        <p:cNvPr id="1" name=""/>
+        <p:cNvGrpSpPr/>
+        <p:nvPr/>
+      </p:nvGrpSpPr>
+      <p:grpSpPr>
+        <a:xfrm>
+          <a:off x="0" y="0"/>
+          <a:ext cx="0" cy="0"/>
+          <a:chOff x="0" y="0"/>
+          <a:chExt cx="0" cy="0"/>
+        </a:xfrm>
+      </p:grpSpPr>
+      <p:sp>
+        <p:nvSpPr>
+          <p:cNvPr id="2" name="Title 1"/>
+          <p:cNvSpPr>
+            <a:spLocks noGrp="1"/>
+          </p:cNvSpPr>
+          <p:nvPr>
+            <p:ph type="title"/>
+          </p:nvPr>
+        </p:nvSpPr>
+        <p:spPr/>
+        <p:txBody>
+          <a:bodyPr/>
+          <a:lstStyle/>
+          <a:p>
+            <a:r>
+              <a:rPr lang="en-US" dirty="0"/>
+              <a:t>Agenda</a:t>
+            </a:r>
+          </a:p>
+        </p:txBody>
+      </p:sp>
+      <p:sp>
+        <p:nvSpPr>
+          <p:cNvPr id="5" name="Rectangle 4"/>
+          <p:cNvSpPr/>
+          <p:nvPr/>
+        </p:nvSpPr>
+        <p:spPr>
+          <a:xfrm>
+            <a:off x="838200" y="1690687"/>
+            <a:ext cx="5171090" cy="957919"/>
+          </a:xfrm>
+          <a:prstGeom prst="rect">
+            <a:avLst/>
+          </a:prstGeom>
+        </p:spPr>
+        <p:style>
+          <a:lnRef idx="2">
+            <a:schemeClr val="accent1">
+              <a:shade val="50000"/>
+            </a:schemeClr>
+          </a:lnRef>
+          <a:fillRef idx="1">
+            <a:schemeClr val="accent1"/>
+          </a:fillRef>
+          <a:effectRef idx="0">
+            <a:schemeClr val="accent1"/>
+          </a:effectRef>
+          <a:fontRef idx="minor">
+            <a:schemeClr val="lt1"/>
+          </a:fontRef>
+        </p:style>
+        <p:txBody>
+          <a:bodyPr rtlCol="0" anchor="ctr"/>
+          <a:lstStyle/>
+          <a:p>
+            <a:pPr marL="457200" indent="-457200">
+              <a:buFont typeface="Arial" panose="020B0604020202020204" pitchFamily="34" charset="0"/>
+              <a:buChar char="•"/>
+            </a:pPr>
+            <a:r>
+              <a:rPr lang="en-US" sz="2800" dirty="0" err="1"/>
+              <a:t>Microservices</a:t>
+            </a:r>
+            <a:r>
+              <a:rPr lang="en-US" sz="2800" dirty="0"/>
+              <a:t> Architecture</a:t>
+            </a:r>
+          </a:p>
+        </p:txBody>
+      </p:sp>
+      <p:sp>
+        <p:nvSpPr>
+          <p:cNvPr id="7" name="Rectangle 6"/>
+          <p:cNvSpPr/>
+          <p:nvPr/>
+        </p:nvSpPr>
+        <p:spPr>
+          <a:xfrm>
+            <a:off x="838200" y="2953187"/>
+            <a:ext cx="5171090" cy="1051252"/>
+          </a:xfrm>
+          <a:prstGeom prst="rect">
+            <a:avLst/>
+          </a:prstGeom>
+        </p:spPr>
+        <p:style>
+          <a:lnRef idx="2">
+            <a:schemeClr val="accent1">
+              <a:shade val="50000"/>
+            </a:schemeClr>
+          </a:lnRef>
+          <a:fillRef idx="1">
+            <a:schemeClr val="accent1"/>
+          </a:fillRef>
+          <a:effectRef idx="0">
+            <a:schemeClr val="accent1"/>
+          </a:effectRef>
+          <a:fontRef idx="minor">
+            <a:schemeClr val="lt1"/>
+          </a:fontRef>
+        </p:style>
+        <p:txBody>
+          <a:bodyPr rtlCol="0" anchor="ctr"/>
+          <a:lstStyle/>
+          <a:p>
+            <a:pPr marL="457200" indent="-457200">
+              <a:buFont typeface="Arial" panose="020B0604020202020204" pitchFamily="34" charset="0"/>
+              <a:buChar char="•"/>
+            </a:pPr>
+            <a:r>
+              <a:rPr lang="en-US" sz="2800" dirty="0"/>
+              <a:t>What is Kubernetes?</a:t>
+            </a:r>
+          </a:p>
+        </p:txBody>
+      </p:sp>
+      <p:sp>
+        <p:nvSpPr>
+          <p:cNvPr id="8" name="Rectangle 7"/>
+          <p:cNvSpPr/>
+          <p:nvPr/>
+        </p:nvSpPr>
+        <p:spPr>
+          <a:xfrm>
+            <a:off x="838200" y="1690687"/>
+            <a:ext cx="5171090" cy="957919"/>
+          </a:xfrm>
+          <a:prstGeom prst="rect">
+            <a:avLst/>
+          </a:prstGeom>
+          <a:solidFill>
+            <a:schemeClr val="accent4">
+              <a:lumMod val="60000"/>
+              <a:lumOff val="40000"/>
+            </a:schemeClr>
+          </a:solidFill>
+          <a:ln>
+            <a:solidFill>
+              <a:srgbClr val="FF0000"/>
+            </a:solidFill>
+          </a:ln>
+        </p:spPr>
+        <p:style>
+          <a:lnRef idx="2">
+            <a:schemeClr val="accent1">
+              <a:shade val="50000"/>
+            </a:schemeClr>
+          </a:lnRef>
+          <a:fillRef idx="1">
+            <a:schemeClr val="accent1"/>
+          </a:fillRef>
+          <a:effectRef idx="0">
+            <a:schemeClr val="accent1"/>
+          </a:effectRef>
+          <a:fontRef idx="minor">
+            <a:schemeClr val="lt1"/>
+          </a:fontRef>
+        </p:style>
+        <p:txBody>
+          <a:bodyPr rtlCol="0" anchor="ctr"/>
+          <a:lstStyle/>
+          <a:p>
+            <a:pPr marL="457200" indent="-457200">
+              <a:buFont typeface="Arial" panose="020B0604020202020204" pitchFamily="34" charset="0"/>
+              <a:buChar char="•"/>
+            </a:pPr>
+            <a:r>
+              <a:rPr lang="en-US" sz="2800" dirty="0" err="1"/>
+              <a:t>Microservices</a:t>
+            </a:r>
+            <a:r>
+              <a:rPr lang="en-US" sz="2800" dirty="0"/>
+              <a:t> Architecture</a:t>
+            </a:r>
+          </a:p>
+        </p:txBody>
+      </p:sp>
+      <p:sp>
+        <p:nvSpPr>
+          <p:cNvPr id="6" name="Rectangle 5"/>
+          <p:cNvSpPr/>
+          <p:nvPr/>
+        </p:nvSpPr>
+        <p:spPr>
+          <a:xfrm>
+            <a:off x="838200" y="4240704"/>
+            <a:ext cx="5171090" cy="930383"/>
+          </a:xfrm>
+          <a:prstGeom prst="rect">
+            <a:avLst/>
+          </a:prstGeom>
+        </p:spPr>
+        <p:style>
+          <a:lnRef idx="2">
+            <a:schemeClr val="accent1">
+              <a:shade val="50000"/>
+            </a:schemeClr>
+          </a:lnRef>
+          <a:fillRef idx="1">
+            <a:schemeClr val="accent1"/>
+          </a:fillRef>
+          <a:effectRef idx="0">
+            <a:schemeClr val="accent1"/>
+          </a:effectRef>
+          <a:fontRef idx="minor">
+            <a:schemeClr val="lt1"/>
+          </a:fontRef>
+        </p:style>
+        <p:txBody>
+          <a:bodyPr rtlCol="0" anchor="ctr"/>
+          <a:lstStyle/>
+          <a:p>
+            <a:pPr marL="457200" indent="-457200">
+              <a:buFont typeface="Arial" panose="020B0604020202020204" pitchFamily="34" charset="0"/>
+              <a:buChar char="•"/>
+            </a:pPr>
+            <a:r>
+              <a:rPr lang="en-US" sz="2800" dirty="0"/>
+              <a:t>Kubernetes Basics</a:t>
+            </a:r>
+          </a:p>
+        </p:txBody>
+      </p:sp>
+    </p:spTree>
+    <p:extLst>
+      <p:ext uri="{BB962C8B-B14F-4D97-AF65-F5344CB8AC3E}">
+        <p14:creationId xmlns:p14="http://schemas.microsoft.com/office/powerpoint/2010/main" val="2753488275"/>
+      </p:ext>
+    </p:extLst>
+  </p:cSld>
+  <p:clrMapOvr>
+    <a:masterClrMapping/>
+  </p:clrMapOvr>
+  <p:timing>
+    <p:tnLst>
+      <p:par>
+        <p:cTn id="1" dur="indefinite" restart="never" nodeType="tmRoot">
+          <p:childTnLst>
+            <p:seq concurrent="1" nextAc="seek">
+              <p:cTn id="2" dur="indefinite" nodeType="mainSeq">
+                <p:childTnLst>
+                  <p:par>
+                    <p:cTn id="3" fill="hold">
+                      <p:stCondLst>
+                        <p:cond delay="indefinite"/>
+                      </p:stCondLst>
+                      <p:childTnLst>
+                        <p:par>
+                          <p:cTn id="4" fill="hold">
+                            <p:stCondLst>
+                              <p:cond delay="0"/>
+                            </p:stCondLst>
+                            <p:childTnLst>
+                              <p:par>
+                                <p:cTn id="5" presetID="1" presetClass="entr" presetSubtype="0" fill="hold" grpId="0" nodeType="clickEffect">
+                                  <p:stCondLst>
+                                    <p:cond delay="0"/>
+                                  </p:stCondLst>
+                                  <p:childTnLst>
+                                    <p:set>
+                                      <p:cBhvr>
+                                        <p:cTn id="6" dur="1" fill="hold">
+                                          <p:stCondLst>
+                                            <p:cond delay="0"/>
+                                          </p:stCondLst>
+                                        </p:cTn>
+                                        <p:tgtEl>
+                                          <p:spTgt spid="8"/>
+                                        </p:tgtEl>
+                                        <p:attrNameLst>
+                                          <p:attrName>style.visibility</p:attrName>
+                                        </p:attrNameLst>
+                                      </p:cBhvr>
+                                      <p:to>
+                                        <p:strVal val="visible"/>
+                                      </p:to>
+                                    </p:set>
+                                  </p:childTnLst>
+                                </p:cTn>
+                              </p:par>
+                            </p:childTnLst>
+                          </p:cTn>
+                        </p:par>
+                      </p:childTnLst>
+                    </p:cTn>
+                  </p:par>
+                </p:childTnLst>
+              </p:cTn>
+              <p:prevCondLst>
+                <p:cond evt="onPrev" delay="0">
+                  <p:tgtEl>
+                    <p:sldTgt/>
+                  </p:tgtEl>
+                </p:cond>
+              </p:prevCondLst>
+              <p:nextCondLst>
+                <p:cond evt="onNext" delay="0">
+                  <p:tgtEl>
+                    <p:sldTgt/>
+                  </p:tgtEl>
+                </p:cond>
+              </p:nextCondLst>
+            </p:seq>
+          </p:childTnLst>
+        </p:cTn>
+      </p:par>
+    </p:tnLst>
+    <p:bldLst>
+      <p:bldP spid="8" grpId="0" animBg="1"/>
+    </p:bldLst>
+  </p:timing>
+</p:sld>
+</file>
+
+<file path=ppt/slides/slide20.xml><?xml version="1.0" encoding="utf-8"?>
 <p:sld xmlns:a="http://schemas.openxmlformats.org/drawingml/2006/main" xmlns:r="http://schemas.openxmlformats.org/officeDocument/2006/relationships" xmlns:p="http://schemas.openxmlformats.org/presentationml/2006/main">
   <p:cSld>
     <p:spTree>
@@ -21583,7 +20160,7 @@
 </p:sld>
 </file>
 
-<file path=ppt/slides/slide22.xml><?xml version="1.0" encoding="utf-8"?>
+<file path=ppt/slides/slide21.xml><?xml version="1.0" encoding="utf-8"?>
 <p:sld xmlns:a="http://schemas.openxmlformats.org/drawingml/2006/main" xmlns:r="http://schemas.openxmlformats.org/officeDocument/2006/relationships" xmlns:p="http://schemas.openxmlformats.org/presentationml/2006/main">
   <p:cSld>
     <p:spTree>
@@ -23300,7 +21877,7 @@
 </p:sld>
 </file>
 
-<file path=ppt/slides/slide23.xml><?xml version="1.0" encoding="utf-8"?>
+<file path=ppt/slides/slide22.xml><?xml version="1.0" encoding="utf-8"?>
 <p:sld xmlns:a="http://schemas.openxmlformats.org/drawingml/2006/main" xmlns:r="http://schemas.openxmlformats.org/officeDocument/2006/relationships" xmlns:p="http://schemas.openxmlformats.org/presentationml/2006/main">
   <p:cSld>
     <p:spTree>
@@ -25017,7 +23594,7 @@
 </p:sld>
 </file>
 
-<file path=ppt/slides/slide24.xml><?xml version="1.0" encoding="utf-8"?>
+<file path=ppt/slides/slide23.xml><?xml version="1.0" encoding="utf-8"?>
 <p:sld xmlns:a="http://schemas.openxmlformats.org/drawingml/2006/main" xmlns:r="http://schemas.openxmlformats.org/officeDocument/2006/relationships" xmlns:p="http://schemas.openxmlformats.org/presentationml/2006/main">
   <p:cSld>
     <p:spTree>
@@ -26735,7 +25312,7 @@
 </p:sld>
 </file>
 
-<file path=ppt/slides/slide25.xml><?xml version="1.0" encoding="utf-8"?>
+<file path=ppt/slides/slide24.xml><?xml version="1.0" encoding="utf-8"?>
 <p:sld xmlns:a="http://schemas.openxmlformats.org/drawingml/2006/main" xmlns:r="http://schemas.openxmlformats.org/officeDocument/2006/relationships" xmlns:p="http://schemas.openxmlformats.org/presentationml/2006/main">
   <p:cSld>
     <p:spTree>
@@ -28627,7 +27204,7 @@
 </p:sld>
 </file>
 
-<file path=ppt/slides/slide26.xml><?xml version="1.0" encoding="utf-8"?>
+<file path=ppt/slides/slide25.xml><?xml version="1.0" encoding="utf-8"?>
 <p:sld xmlns:a="http://schemas.openxmlformats.org/drawingml/2006/main" xmlns:r="http://schemas.openxmlformats.org/officeDocument/2006/relationships" xmlns:p="http://schemas.openxmlformats.org/presentationml/2006/main">
   <p:cSld>
     <p:spTree>
@@ -30373,7 +28950,7 @@
 </p:sld>
 </file>
 
-<file path=ppt/slides/slide27.xml><?xml version="1.0" encoding="utf-8"?>
+<file path=ppt/slides/slide26.xml><?xml version="1.0" encoding="utf-8"?>
 <p:sld xmlns:a="http://schemas.openxmlformats.org/drawingml/2006/main" xmlns:r="http://schemas.openxmlformats.org/officeDocument/2006/relationships" xmlns:p="http://schemas.openxmlformats.org/presentationml/2006/main">
   <p:cSld>
     <p:spTree>
@@ -30435,7 +29012,7 @@
 </p:sld>
 </file>
 
-<file path=ppt/slides/slide28.xml><?xml version="1.0" encoding="utf-8"?>
+<file path=ppt/slides/slide27.xml><?xml version="1.0" encoding="utf-8"?>
 <p:sld xmlns:a="http://schemas.openxmlformats.org/drawingml/2006/main" xmlns:r="http://schemas.openxmlformats.org/officeDocument/2006/relationships" xmlns:p="http://schemas.openxmlformats.org/presentationml/2006/main">
   <p:cSld>
     <p:spTree>
@@ -30779,7 +29356,7 @@
 </p:sld>
 </file>
 
-<file path=ppt/slides/slide29.xml><?xml version="1.0" encoding="utf-8"?>
+<file path=ppt/slides/slide28.xml><?xml version="1.0" encoding="utf-8"?>
 <p:sld xmlns:a="http://schemas.openxmlformats.org/drawingml/2006/main" xmlns:r="http://schemas.openxmlformats.org/officeDocument/2006/relationships" xmlns:p="http://schemas.openxmlformats.org/presentationml/2006/main">
   <p:cSld>
     <p:spTree>
@@ -31057,19 +29634,12 @@
               <a:rPr lang="en-US" sz="3600" dirty="0">
                 <a:hlinkClick r:id="rId3"/>
               </a:rPr>
-              <a:t>k8s </a:t>
+              <a:t>k8s github</a:t>
             </a:r>
             <a:r>
-              <a:rPr lang="en-US" sz="3600">
-                <a:hlinkClick r:id="rId3"/>
-              </a:rPr>
-              <a:t>github</a:t>
-            </a:r>
-            <a:r>
-              <a:rPr lang="en-US" sz="3600"/>
+              <a:rPr lang="en-US" sz="3600" dirty="0"/>
               <a:t> )</a:t>
             </a:r>
-            <a:endParaRPr lang="en-US" sz="3600" dirty="0"/>
           </a:p>
           <a:p>
             <a:pPr marL="0" indent="0">
@@ -31108,204 +29678,7 @@
 </p:sld>
 </file>
 
-<file path=ppt/slides/slide3.xml><?xml version="1.0" encoding="utf-8"?>
-<p:sld xmlns:a="http://schemas.openxmlformats.org/drawingml/2006/main" xmlns:r="http://schemas.openxmlformats.org/officeDocument/2006/relationships" xmlns:p="http://schemas.openxmlformats.org/presentationml/2006/main">
-  <p:cSld>
-    <p:bg>
-      <p:bgPr>
-        <a:solidFill>
-          <a:schemeClr val="bg1"/>
-        </a:solidFill>
-        <a:effectLst/>
-      </p:bgPr>
-    </p:bg>
-    <p:spTree>
-      <p:nvGrpSpPr>
-        <p:cNvPr id="1" name=""/>
-        <p:cNvGrpSpPr/>
-        <p:nvPr/>
-      </p:nvGrpSpPr>
-      <p:grpSpPr>
-        <a:xfrm>
-          <a:off x="0" y="0"/>
-          <a:ext cx="0" cy="0"/>
-          <a:chOff x="0" y="0"/>
-          <a:chExt cx="0" cy="0"/>
-        </a:xfrm>
-      </p:grpSpPr>
-      <p:sp>
-        <p:nvSpPr>
-          <p:cNvPr id="2" name="Title 1"/>
-          <p:cNvSpPr>
-            <a:spLocks noGrp="1"/>
-          </p:cNvSpPr>
-          <p:nvPr>
-            <p:ph type="title"/>
-          </p:nvPr>
-        </p:nvSpPr>
-        <p:spPr/>
-        <p:txBody>
-          <a:bodyPr/>
-          <a:lstStyle/>
-          <a:p>
-            <a:r>
-              <a:rPr lang="en-US" b="1" dirty="0" err="1"/>
-              <a:t>Microservices</a:t>
-            </a:r>
-            <a:endParaRPr lang="en-US" b="1" dirty="0"/>
-          </a:p>
-        </p:txBody>
-      </p:sp>
-      <p:pic>
-        <p:nvPicPr>
-          <p:cNvPr id="4" name="Content Placeholder 3">
-            <a:hlinkClick r:id="rId2"/>
-          </p:cNvPr>
-          <p:cNvPicPr>
-            <a:picLocks noGrp="1" noChangeAspect="1"/>
-          </p:cNvPicPr>
-          <p:nvPr>
-            <p:ph idx="1"/>
-          </p:nvPr>
-        </p:nvPicPr>
-        <p:blipFill>
-          <a:blip r:embed="rId3">
-            <a:extLst>
-              <a:ext uri="{28A0092B-C50C-407E-A947-70E740481C1C}">
-                <a14:useLocalDpi xmlns:a14="http://schemas.microsoft.com/office/drawing/2010/main" val="0"/>
-              </a:ext>
-            </a:extLst>
-          </a:blip>
-          <a:stretch>
-            <a:fillRect/>
-          </a:stretch>
-        </p:blipFill>
-        <p:spPr>
-          <a:xfrm>
-            <a:off x="3673365" y="1316290"/>
-            <a:ext cx="6218961" cy="3570144"/>
-          </a:xfrm>
-        </p:spPr>
-      </p:pic>
-      <p:pic>
-        <p:nvPicPr>
-          <p:cNvPr id="6" name="Content Placeholder 3"/>
-          <p:cNvPicPr>
-            <a:picLocks noChangeAspect="1"/>
-          </p:cNvPicPr>
-          <p:nvPr/>
-        </p:nvPicPr>
-        <p:blipFill>
-          <a:blip r:embed="rId4" cstate="print">
-            <a:extLst>
-              <a:ext uri="{28A0092B-C50C-407E-A947-70E740481C1C}">
-                <a14:useLocalDpi xmlns:a14="http://schemas.microsoft.com/office/drawing/2010/main" val="0"/>
-              </a:ext>
-            </a:extLst>
-          </a:blip>
-          <a:stretch>
-            <a:fillRect/>
-          </a:stretch>
-        </p:blipFill>
-        <p:spPr>
-          <a:xfrm>
-            <a:off x="2452234" y="4335516"/>
-            <a:ext cx="5868636" cy="2096815"/>
-          </a:xfrm>
-          <a:prstGeom prst="rect">
-            <a:avLst/>
-          </a:prstGeom>
-        </p:spPr>
-      </p:pic>
-    </p:spTree>
-    <p:extLst>
-      <p:ext uri="{BB962C8B-B14F-4D97-AF65-F5344CB8AC3E}">
-        <p14:creationId xmlns:p14="http://schemas.microsoft.com/office/powerpoint/2010/main" val="1376844336"/>
-      </p:ext>
-    </p:extLst>
-  </p:cSld>
-  <p:clrMapOvr>
-    <a:masterClrMapping/>
-  </p:clrMapOvr>
-  <p:timing>
-    <p:tnLst>
-      <p:par>
-        <p:cTn id="1" dur="indefinite" restart="never" nodeType="tmRoot">
-          <p:childTnLst>
-            <p:seq concurrent="1" nextAc="seek">
-              <p:cTn id="2" dur="indefinite" nodeType="mainSeq">
-                <p:childTnLst>
-                  <p:par>
-                    <p:cTn id="3" fill="hold">
-                      <p:stCondLst>
-                        <p:cond delay="indefinite"/>
-                      </p:stCondLst>
-                      <p:childTnLst>
-                        <p:par>
-                          <p:cTn id="4" fill="hold">
-                            <p:stCondLst>
-                              <p:cond delay="0"/>
-                            </p:stCondLst>
-                            <p:childTnLst>
-                              <p:par>
-                                <p:cTn id="5" presetID="1" presetClass="entr" presetSubtype="0" fill="hold" nodeType="clickEffect">
-                                  <p:stCondLst>
-                                    <p:cond delay="0"/>
-                                  </p:stCondLst>
-                                  <p:childTnLst>
-                                    <p:set>
-                                      <p:cBhvr>
-                                        <p:cTn id="6" dur="1" fill="hold">
-                                          <p:stCondLst>
-                                            <p:cond delay="0"/>
-                                          </p:stCondLst>
-                                        </p:cTn>
-                                        <p:tgtEl>
-                                          <p:spTgt spid="6"/>
-                                        </p:tgtEl>
-                                        <p:attrNameLst>
-                                          <p:attrName>style.visibility</p:attrName>
-                                        </p:attrNameLst>
-                                      </p:cBhvr>
-                                      <p:to>
-                                        <p:strVal val="visible"/>
-                                      </p:to>
-                                    </p:set>
-                                  </p:childTnLst>
-                                </p:cTn>
-                              </p:par>
-                            </p:childTnLst>
-                          </p:cTn>
-                        </p:par>
-                      </p:childTnLst>
-                    </p:cTn>
-                  </p:par>
-                </p:childTnLst>
-              </p:cTn>
-              <p:prevCondLst>
-                <p:cond evt="onPrev" delay="0">
-                  <p:tgtEl>
-                    <p:sldTgt/>
-                  </p:tgtEl>
-                </p:cond>
-              </p:prevCondLst>
-              <p:nextCondLst>
-                <p:cond evt="onNext" delay="0">
-                  <p:tgtEl>
-                    <p:sldTgt/>
-                  </p:tgtEl>
-                </p:cond>
-              </p:nextCondLst>
-            </p:seq>
-          </p:childTnLst>
-        </p:cTn>
-      </p:par>
-    </p:tnLst>
-  </p:timing>
-</p:sld>
-</file>
-
-<file path=ppt/slides/slide30.xml><?xml version="1.0" encoding="utf-8"?>
+<file path=ppt/slides/slide29.xml><?xml version="1.0" encoding="utf-8"?>
 <p:sld xmlns:a="http://schemas.openxmlformats.org/drawingml/2006/main" xmlns:r="http://schemas.openxmlformats.org/officeDocument/2006/relationships" xmlns:p="http://schemas.openxmlformats.org/presentationml/2006/main">
   <p:cSld>
     <p:spTree>
@@ -31862,7 +30235,204 @@
 </p:sld>
 </file>
 
-<file path=ppt/slides/slide31.xml><?xml version="1.0" encoding="utf-8"?>
+<file path=ppt/slides/slide3.xml><?xml version="1.0" encoding="utf-8"?>
+<p:sld xmlns:a="http://schemas.openxmlformats.org/drawingml/2006/main" xmlns:r="http://schemas.openxmlformats.org/officeDocument/2006/relationships" xmlns:p="http://schemas.openxmlformats.org/presentationml/2006/main">
+  <p:cSld>
+    <p:bg>
+      <p:bgPr>
+        <a:solidFill>
+          <a:schemeClr val="bg1"/>
+        </a:solidFill>
+        <a:effectLst/>
+      </p:bgPr>
+    </p:bg>
+    <p:spTree>
+      <p:nvGrpSpPr>
+        <p:cNvPr id="1" name=""/>
+        <p:cNvGrpSpPr/>
+        <p:nvPr/>
+      </p:nvGrpSpPr>
+      <p:grpSpPr>
+        <a:xfrm>
+          <a:off x="0" y="0"/>
+          <a:ext cx="0" cy="0"/>
+          <a:chOff x="0" y="0"/>
+          <a:chExt cx="0" cy="0"/>
+        </a:xfrm>
+      </p:grpSpPr>
+      <p:sp>
+        <p:nvSpPr>
+          <p:cNvPr id="2" name="Title 1"/>
+          <p:cNvSpPr>
+            <a:spLocks noGrp="1"/>
+          </p:cNvSpPr>
+          <p:nvPr>
+            <p:ph type="title"/>
+          </p:nvPr>
+        </p:nvSpPr>
+        <p:spPr/>
+        <p:txBody>
+          <a:bodyPr/>
+          <a:lstStyle/>
+          <a:p>
+            <a:r>
+              <a:rPr lang="en-US" b="1" dirty="0" err="1"/>
+              <a:t>Microservices</a:t>
+            </a:r>
+            <a:endParaRPr lang="en-US" b="1" dirty="0"/>
+          </a:p>
+        </p:txBody>
+      </p:sp>
+      <p:pic>
+        <p:nvPicPr>
+          <p:cNvPr id="4" name="Content Placeholder 3">
+            <a:hlinkClick r:id="rId2"/>
+          </p:cNvPr>
+          <p:cNvPicPr>
+            <a:picLocks noGrp="1" noChangeAspect="1"/>
+          </p:cNvPicPr>
+          <p:nvPr>
+            <p:ph idx="1"/>
+          </p:nvPr>
+        </p:nvPicPr>
+        <p:blipFill>
+          <a:blip r:embed="rId3">
+            <a:extLst>
+              <a:ext uri="{28A0092B-C50C-407E-A947-70E740481C1C}">
+                <a14:useLocalDpi xmlns:a14="http://schemas.microsoft.com/office/drawing/2010/main" val="0"/>
+              </a:ext>
+            </a:extLst>
+          </a:blip>
+          <a:stretch>
+            <a:fillRect/>
+          </a:stretch>
+        </p:blipFill>
+        <p:spPr>
+          <a:xfrm>
+            <a:off x="3673365" y="1316290"/>
+            <a:ext cx="6218961" cy="3570144"/>
+          </a:xfrm>
+        </p:spPr>
+      </p:pic>
+      <p:pic>
+        <p:nvPicPr>
+          <p:cNvPr id="6" name="Content Placeholder 3"/>
+          <p:cNvPicPr>
+            <a:picLocks noChangeAspect="1"/>
+          </p:cNvPicPr>
+          <p:nvPr/>
+        </p:nvPicPr>
+        <p:blipFill>
+          <a:blip r:embed="rId4" cstate="print">
+            <a:extLst>
+              <a:ext uri="{28A0092B-C50C-407E-A947-70E740481C1C}">
+                <a14:useLocalDpi xmlns:a14="http://schemas.microsoft.com/office/drawing/2010/main" val="0"/>
+              </a:ext>
+            </a:extLst>
+          </a:blip>
+          <a:stretch>
+            <a:fillRect/>
+          </a:stretch>
+        </p:blipFill>
+        <p:spPr>
+          <a:xfrm>
+            <a:off x="2452234" y="4335516"/>
+            <a:ext cx="5868636" cy="2096815"/>
+          </a:xfrm>
+          <a:prstGeom prst="rect">
+            <a:avLst/>
+          </a:prstGeom>
+        </p:spPr>
+      </p:pic>
+    </p:spTree>
+    <p:extLst>
+      <p:ext uri="{BB962C8B-B14F-4D97-AF65-F5344CB8AC3E}">
+        <p14:creationId xmlns:p14="http://schemas.microsoft.com/office/powerpoint/2010/main" val="1376844336"/>
+      </p:ext>
+    </p:extLst>
+  </p:cSld>
+  <p:clrMapOvr>
+    <a:masterClrMapping/>
+  </p:clrMapOvr>
+  <p:timing>
+    <p:tnLst>
+      <p:par>
+        <p:cTn id="1" dur="indefinite" restart="never" nodeType="tmRoot">
+          <p:childTnLst>
+            <p:seq concurrent="1" nextAc="seek">
+              <p:cTn id="2" dur="indefinite" nodeType="mainSeq">
+                <p:childTnLst>
+                  <p:par>
+                    <p:cTn id="3" fill="hold">
+                      <p:stCondLst>
+                        <p:cond delay="indefinite"/>
+                      </p:stCondLst>
+                      <p:childTnLst>
+                        <p:par>
+                          <p:cTn id="4" fill="hold">
+                            <p:stCondLst>
+                              <p:cond delay="0"/>
+                            </p:stCondLst>
+                            <p:childTnLst>
+                              <p:par>
+                                <p:cTn id="5" presetID="1" presetClass="entr" presetSubtype="0" fill="hold" nodeType="clickEffect">
+                                  <p:stCondLst>
+                                    <p:cond delay="0"/>
+                                  </p:stCondLst>
+                                  <p:childTnLst>
+                                    <p:set>
+                                      <p:cBhvr>
+                                        <p:cTn id="6" dur="1" fill="hold">
+                                          <p:stCondLst>
+                                            <p:cond delay="0"/>
+                                          </p:stCondLst>
+                                        </p:cTn>
+                                        <p:tgtEl>
+                                          <p:spTgt spid="6"/>
+                                        </p:tgtEl>
+                                        <p:attrNameLst>
+                                          <p:attrName>style.visibility</p:attrName>
+                                        </p:attrNameLst>
+                                      </p:cBhvr>
+                                      <p:to>
+                                        <p:strVal val="visible"/>
+                                      </p:to>
+                                    </p:set>
+                                  </p:childTnLst>
+                                </p:cTn>
+                              </p:par>
+                            </p:childTnLst>
+                          </p:cTn>
+                        </p:par>
+                      </p:childTnLst>
+                    </p:cTn>
+                  </p:par>
+                </p:childTnLst>
+              </p:cTn>
+              <p:prevCondLst>
+                <p:cond evt="onPrev" delay="0">
+                  <p:tgtEl>
+                    <p:sldTgt/>
+                  </p:tgtEl>
+                </p:cond>
+              </p:prevCondLst>
+              <p:nextCondLst>
+                <p:cond evt="onNext" delay="0">
+                  <p:tgtEl>
+                    <p:sldTgt/>
+                  </p:tgtEl>
+                </p:cond>
+              </p:nextCondLst>
+            </p:seq>
+          </p:childTnLst>
+        </p:cTn>
+      </p:par>
+    </p:tnLst>
+  </p:timing>
+</p:sld>
+</file>
+
+<file path=ppt/slides/slide30.xml><?xml version="1.0" encoding="utf-8"?>
 <p:sld xmlns:a="http://schemas.openxmlformats.org/drawingml/2006/main" xmlns:r="http://schemas.openxmlformats.org/officeDocument/2006/relationships" xmlns:p="http://schemas.openxmlformats.org/presentationml/2006/main">
   <p:cSld>
     <p:spTree>
@@ -34481,7 +33051,7 @@
 </p:sld>
 </file>
 
-<file path=ppt/slides/slide32.xml><?xml version="1.0" encoding="utf-8"?>
+<file path=ppt/slides/slide31.xml><?xml version="1.0" encoding="utf-8"?>
 <p:sld xmlns:a="http://schemas.openxmlformats.org/drawingml/2006/main" xmlns:r="http://schemas.openxmlformats.org/officeDocument/2006/relationships" xmlns:p="http://schemas.openxmlformats.org/presentationml/2006/main">
   <p:cSld>
     <p:spTree>
@@ -34577,7 +33147,7 @@
 </p:sld>
 </file>
 
-<file path=ppt/slides/slide33.xml><?xml version="1.0" encoding="utf-8"?>
+<file path=ppt/slides/slide32.xml><?xml version="1.0" encoding="utf-8"?>
 <p:sld xmlns:a="http://schemas.openxmlformats.org/drawingml/2006/main" xmlns:r="http://schemas.openxmlformats.org/officeDocument/2006/relationships" xmlns:p="http://schemas.openxmlformats.org/presentationml/2006/main">
   <p:cSld>
     <p:spTree>
@@ -36721,7 +35291,7 @@
 </p:sld>
 </file>
 
-<file path=ppt/slides/slide34.xml><?xml version="1.0" encoding="utf-8"?>
+<file path=ppt/slides/slide33.xml><?xml version="1.0" encoding="utf-8"?>
 <p:sld xmlns:a="http://schemas.openxmlformats.org/drawingml/2006/main" xmlns:r="http://schemas.openxmlformats.org/officeDocument/2006/relationships" xmlns:p="http://schemas.openxmlformats.org/presentationml/2006/main">
   <p:cSld>
     <p:spTree>
@@ -37242,7 +35812,7 @@
 </p:sld>
 </file>
 
-<file path=ppt/slides/slide35.xml><?xml version="1.0" encoding="utf-8"?>
+<file path=ppt/slides/slide34.xml><?xml version="1.0" encoding="utf-8"?>
 <p:sld xmlns:a="http://schemas.openxmlformats.org/drawingml/2006/main" xmlns:r="http://schemas.openxmlformats.org/officeDocument/2006/relationships" xmlns:p="http://schemas.openxmlformats.org/presentationml/2006/main">
   <p:cSld>
     <p:spTree>
@@ -38340,7 +36910,7 @@
 </p:sld>
 </file>
 
-<file path=ppt/slides/slide36.xml><?xml version="1.0" encoding="utf-8"?>
+<file path=ppt/slides/slide35.xml><?xml version="1.0" encoding="utf-8"?>
 <p:sld xmlns:a="http://schemas.openxmlformats.org/drawingml/2006/main" xmlns:r="http://schemas.openxmlformats.org/officeDocument/2006/relationships" xmlns:p="http://schemas.openxmlformats.org/presentationml/2006/main">
   <p:cSld>
     <p:spTree>
@@ -38404,7 +36974,7 @@
         </p:nvSpPr>
         <p:spPr>
           <a:xfrm>
-            <a:off x="838200" y="1436914"/>
+            <a:off x="838200" y="1188436"/>
             <a:ext cx="10515600" cy="4740050"/>
           </a:xfrm>
         </p:spPr>
@@ -38455,8 +37025,8 @@
         </p:nvSpPr>
         <p:spPr>
           <a:xfrm>
-            <a:off x="838201" y="1944914"/>
-            <a:ext cx="10279742" cy="4656302"/>
+            <a:off x="838200" y="1779105"/>
+            <a:ext cx="10279742" cy="4890052"/>
           </a:xfrm>
           <a:prstGeom prst="rect">
             <a:avLst/>
@@ -38554,6 +37124,119 @@
                 <a:cs typeface="Courier New" panose="02070309020205020404" pitchFamily="49" charset="0"/>
               </a:rPr>
               <a:t> run </a:t>
+            </a:r>
+            <a:r>
+              <a:rPr lang="en-US" sz="2200" b="1" dirty="0">
+                <a:solidFill>
+                  <a:schemeClr val="accent2">
+                    <a:lumMod val="50000"/>
+                  </a:schemeClr>
+                </a:solidFill>
+                <a:latin typeface="Courier New" panose="02070309020205020404" pitchFamily="49" charset="0"/>
+                <a:cs typeface="Courier New" panose="02070309020205020404" pitchFamily="49" charset="0"/>
+              </a:rPr>
+              <a:t>my-app</a:t>
+            </a:r>
+            <a:r>
+              <a:rPr lang="en-US" sz="2200" b="1" dirty="0">
+                <a:solidFill>
+                  <a:schemeClr val="tx1"/>
+                </a:solidFill>
+                <a:latin typeface="Courier New" panose="02070309020205020404" pitchFamily="49" charset="0"/>
+                <a:cs typeface="Courier New" panose="02070309020205020404" pitchFamily="49" charset="0"/>
+              </a:rPr>
+              <a:t> --image=</a:t>
+            </a:r>
+            <a:r>
+              <a:rPr lang="en-US" sz="2200" b="1" dirty="0" err="1">
+                <a:solidFill>
+                  <a:schemeClr val="accent2">
+                    <a:lumMod val="50000"/>
+                  </a:schemeClr>
+                </a:solidFill>
+                <a:latin typeface="Courier New" panose="02070309020205020404" pitchFamily="49" charset="0"/>
+                <a:cs typeface="Courier New" panose="02070309020205020404" pitchFamily="49" charset="0"/>
+              </a:rPr>
+              <a:t>nginx</a:t>
+            </a:r>
+            <a:endParaRPr lang="en-US" sz="2200" b="1" dirty="0">
+              <a:solidFill>
+                <a:schemeClr val="accent2">
+                  <a:lumMod val="50000"/>
+                </a:schemeClr>
+              </a:solidFill>
+              <a:latin typeface="Courier New" panose="02070309020205020404" pitchFamily="49" charset="0"/>
+              <a:cs typeface="Courier New" panose="02070309020205020404" pitchFamily="49" charset="0"/>
+            </a:endParaRPr>
+          </a:p>
+          <a:p>
+            <a:r>
+              <a:rPr lang="en-US" sz="2200" i="1" dirty="0">
+                <a:solidFill>
+                  <a:schemeClr val="accent1">
+                    <a:lumMod val="50000"/>
+                  </a:schemeClr>
+                </a:solidFill>
+                <a:latin typeface="Courier New" panose="02070309020205020404" pitchFamily="49" charset="0"/>
+                <a:cs typeface="Courier New" panose="02070309020205020404" pitchFamily="49" charset="0"/>
+              </a:rPr>
+              <a:t># create a deployment with </a:t>
+            </a:r>
+            <a:r>
+              <a:rPr lang="en-US" sz="2200" i="1" dirty="0" err="1">
+                <a:solidFill>
+                  <a:schemeClr val="accent1">
+                    <a:lumMod val="50000"/>
+                  </a:schemeClr>
+                </a:solidFill>
+                <a:latin typeface="Courier New" panose="02070309020205020404" pitchFamily="49" charset="0"/>
+                <a:cs typeface="Courier New" panose="02070309020205020404" pitchFamily="49" charset="0"/>
+              </a:rPr>
+              <a:t>nginx</a:t>
+            </a:r>
+            <a:r>
+              <a:rPr lang="en-US" sz="2200" i="1" dirty="0">
+                <a:solidFill>
+                  <a:schemeClr val="accent1">
+                    <a:lumMod val="50000"/>
+                  </a:schemeClr>
+                </a:solidFill>
+                <a:latin typeface="Courier New" panose="02070309020205020404" pitchFamily="49" charset="0"/>
+                <a:cs typeface="Courier New" panose="02070309020205020404" pitchFamily="49" charset="0"/>
+              </a:rPr>
+              <a:t> container</a:t>
+            </a:r>
+          </a:p>
+          <a:p>
+            <a:r>
+              <a:rPr lang="en-US" sz="2200" b="1" dirty="0">
+                <a:solidFill>
+                  <a:schemeClr val="tx1"/>
+                </a:solidFill>
+                <a:latin typeface="Courier New" panose="02070309020205020404" pitchFamily="49" charset="0"/>
+                <a:cs typeface="Courier New" panose="02070309020205020404" pitchFamily="49" charset="0"/>
+              </a:rPr>
+              <a:t>$ </a:t>
+            </a:r>
+            <a:r>
+              <a:rPr lang="en-US" sz="2200" b="1" dirty="0" err="1">
+                <a:solidFill>
+                  <a:schemeClr val="tx1"/>
+                </a:solidFill>
+                <a:latin typeface="Courier New" panose="02070309020205020404" pitchFamily="49" charset="0"/>
+                <a:cs typeface="Courier New" panose="02070309020205020404" pitchFamily="49" charset="0"/>
+              </a:rPr>
+              <a:t>kubectl</a:t>
+            </a:r>
+            <a:r>
+              <a:rPr lang="en-US" sz="2200" b="1" dirty="0">
+                <a:solidFill>
+                  <a:schemeClr val="tx1"/>
+                </a:solidFill>
+                <a:latin typeface="Courier New" panose="02070309020205020404" pitchFamily="49" charset="0"/>
+                <a:cs typeface="Courier New" panose="02070309020205020404" pitchFamily="49" charset="0"/>
+              </a:rPr>
+              <a:t> create deployment </a:t>
             </a:r>
             <a:r>
               <a:rPr lang="en-US" sz="2200" b="1" dirty="0">
@@ -39008,6 +37691,92 @@
 </p:sld>
 </file>
 
+<file path=ppt/slides/slide36.xml><?xml version="1.0" encoding="utf-8"?>
+<p:sld xmlns:a="http://schemas.openxmlformats.org/drawingml/2006/main" xmlns:r="http://schemas.openxmlformats.org/officeDocument/2006/relationships" xmlns:p="http://schemas.openxmlformats.org/presentationml/2006/main">
+  <p:cSld>
+    <p:spTree>
+      <p:nvGrpSpPr>
+        <p:cNvPr id="1" name=""/>
+        <p:cNvGrpSpPr/>
+        <p:nvPr/>
+      </p:nvGrpSpPr>
+      <p:grpSpPr>
+        <a:xfrm>
+          <a:off x="0" y="0"/>
+          <a:ext cx="0" cy="0"/>
+          <a:chOff x="0" y="0"/>
+          <a:chExt cx="0" cy="0"/>
+        </a:xfrm>
+      </p:grpSpPr>
+      <p:sp>
+        <p:nvSpPr>
+          <p:cNvPr id="2" name="Title 1"/>
+          <p:cNvSpPr>
+            <a:spLocks noGrp="1"/>
+          </p:cNvSpPr>
+          <p:nvPr>
+            <p:ph type="title"/>
+          </p:nvPr>
+        </p:nvSpPr>
+        <p:spPr/>
+        <p:txBody>
+          <a:bodyPr/>
+          <a:lstStyle/>
+          <a:p>
+            <a:r>
+              <a:rPr lang="en-US" dirty="0"/>
+              <a:t>Pod</a:t>
+            </a:r>
+          </a:p>
+        </p:txBody>
+      </p:sp>
+      <p:sp>
+        <p:nvSpPr>
+          <p:cNvPr id="3" name="Content Placeholder 2"/>
+          <p:cNvSpPr>
+            <a:spLocks noGrp="1"/>
+          </p:cNvSpPr>
+          <p:nvPr>
+            <p:ph idx="1"/>
+          </p:nvPr>
+        </p:nvSpPr>
+        <p:spPr/>
+        <p:txBody>
+          <a:bodyPr>
+            <a:normAutofit/>
+          </a:bodyPr>
+          <a:lstStyle/>
+          <a:p>
+            <a:r>
+              <a:rPr lang="en-US" sz="4000" dirty="0"/>
+              <a:t>Pods are designed as relatively ephemeral, disposable entities. </a:t>
+            </a:r>
+          </a:p>
+          <a:p>
+            <a:r>
+              <a:rPr lang="en-US" sz="4000" dirty="0"/>
+              <a:t>Pods are managed in Kubernetes via </a:t>
+            </a:r>
+            <a:r>
+              <a:rPr lang="en-US" sz="4000" b="1" dirty="0"/>
+              <a:t>Controllers</a:t>
+            </a:r>
+          </a:p>
+        </p:txBody>
+      </p:sp>
+    </p:spTree>
+    <p:extLst>
+      <p:ext uri="{BB962C8B-B14F-4D97-AF65-F5344CB8AC3E}">
+        <p14:creationId xmlns:p14="http://schemas.microsoft.com/office/powerpoint/2010/main" val="2139066592"/>
+      </p:ext>
+    </p:extLst>
+  </p:cSld>
+  <p:clrMapOvr>
+    <a:masterClrMapping/>
+  </p:clrMapOvr>
+</p:sld>
+</file>
+
 <file path=ppt/slides/slide37.xml><?xml version="1.0" encoding="utf-8"?>
 <p:sld xmlns:a="http://schemas.openxmlformats.org/drawingml/2006/main" xmlns:r="http://schemas.openxmlformats.org/officeDocument/2006/relationships" xmlns:p="http://schemas.openxmlformats.org/presentationml/2006/main">
   <p:cSld>
@@ -39042,92 +37811,6 @@
           <a:p>
             <a:r>
               <a:rPr lang="en-US" dirty="0"/>
-              <a:t>Pod</a:t>
-            </a:r>
-          </a:p>
-        </p:txBody>
-      </p:sp>
-      <p:sp>
-        <p:nvSpPr>
-          <p:cNvPr id="3" name="Content Placeholder 2"/>
-          <p:cNvSpPr>
-            <a:spLocks noGrp="1"/>
-          </p:cNvSpPr>
-          <p:nvPr>
-            <p:ph idx="1"/>
-          </p:nvPr>
-        </p:nvSpPr>
-        <p:spPr/>
-        <p:txBody>
-          <a:bodyPr>
-            <a:normAutofit/>
-          </a:bodyPr>
-          <a:lstStyle/>
-          <a:p>
-            <a:r>
-              <a:rPr lang="en-US" sz="4000" dirty="0"/>
-              <a:t>Pods are designed as relatively ephemeral, disposable entities. </a:t>
-            </a:r>
-          </a:p>
-          <a:p>
-            <a:r>
-              <a:rPr lang="en-US" sz="4000" dirty="0"/>
-              <a:t>Pods are managed in Kubernetes via </a:t>
-            </a:r>
-            <a:r>
-              <a:rPr lang="en-US" sz="4000" b="1" dirty="0"/>
-              <a:t>Controllers</a:t>
-            </a:r>
-          </a:p>
-        </p:txBody>
-      </p:sp>
-    </p:spTree>
-    <p:extLst>
-      <p:ext uri="{BB962C8B-B14F-4D97-AF65-F5344CB8AC3E}">
-        <p14:creationId xmlns:p14="http://schemas.microsoft.com/office/powerpoint/2010/main" val="2139066592"/>
-      </p:ext>
-    </p:extLst>
-  </p:cSld>
-  <p:clrMapOvr>
-    <a:masterClrMapping/>
-  </p:clrMapOvr>
-</p:sld>
-</file>
-
-<file path=ppt/slides/slide38.xml><?xml version="1.0" encoding="utf-8"?>
-<p:sld xmlns:a="http://schemas.openxmlformats.org/drawingml/2006/main" xmlns:r="http://schemas.openxmlformats.org/officeDocument/2006/relationships" xmlns:p="http://schemas.openxmlformats.org/presentationml/2006/main">
-  <p:cSld>
-    <p:spTree>
-      <p:nvGrpSpPr>
-        <p:cNvPr id="1" name=""/>
-        <p:cNvGrpSpPr/>
-        <p:nvPr/>
-      </p:nvGrpSpPr>
-      <p:grpSpPr>
-        <a:xfrm>
-          <a:off x="0" y="0"/>
-          <a:ext cx="0" cy="0"/>
-          <a:chOff x="0" y="0"/>
-          <a:chExt cx="0" cy="0"/>
-        </a:xfrm>
-      </p:grpSpPr>
-      <p:sp>
-        <p:nvSpPr>
-          <p:cNvPr id="2" name="Title 1"/>
-          <p:cNvSpPr>
-            <a:spLocks noGrp="1"/>
-          </p:cNvSpPr>
-          <p:nvPr>
-            <p:ph type="title"/>
-          </p:nvPr>
-        </p:nvSpPr>
-        <p:spPr/>
-        <p:txBody>
-          <a:bodyPr/>
-          <a:lstStyle/>
-          <a:p>
-            <a:r>
-              <a:rPr lang="en-US" dirty="0"/>
               <a:t>Controller</a:t>
             </a:r>
           </a:p>
@@ -39207,7 +37890,7 @@
 </p:sld>
 </file>
 
-<file path=ppt/slides/slide39.xml><?xml version="1.0" encoding="utf-8"?>
+<file path=ppt/slides/slide38.xml><?xml version="1.0" encoding="utf-8"?>
 <p:sld xmlns:a="http://schemas.openxmlformats.org/drawingml/2006/main" xmlns:r="http://schemas.openxmlformats.org/officeDocument/2006/relationships" xmlns:p="http://schemas.openxmlformats.org/presentationml/2006/main">
   <p:cSld>
     <p:spTree>
@@ -41288,386 +39971,7 @@
 </p:sld>
 </file>
 
-<file path=ppt/slides/slide4.xml><?xml version="1.0" encoding="utf-8"?>
-<p:sld xmlns:a="http://schemas.openxmlformats.org/drawingml/2006/main" xmlns:r="http://schemas.openxmlformats.org/officeDocument/2006/relationships" xmlns:p="http://schemas.openxmlformats.org/presentationml/2006/main">
-  <p:cSld>
-    <p:spTree>
-      <p:nvGrpSpPr>
-        <p:cNvPr id="1" name=""/>
-        <p:cNvGrpSpPr/>
-        <p:nvPr/>
-      </p:nvGrpSpPr>
-      <p:grpSpPr>
-        <a:xfrm>
-          <a:off x="0" y="0"/>
-          <a:ext cx="0" cy="0"/>
-          <a:chOff x="0" y="0"/>
-          <a:chExt cx="0" cy="0"/>
-        </a:xfrm>
-      </p:grpSpPr>
-      <p:sp>
-        <p:nvSpPr>
-          <p:cNvPr id="2" name="Title 1"/>
-          <p:cNvSpPr>
-            <a:spLocks noGrp="1"/>
-          </p:cNvSpPr>
-          <p:nvPr>
-            <p:ph type="title"/>
-          </p:nvPr>
-        </p:nvSpPr>
-        <p:spPr/>
-        <p:txBody>
-          <a:bodyPr/>
-          <a:lstStyle/>
-          <a:p>
-            <a:r>
-              <a:rPr lang="en-US" b="1" dirty="0"/>
-              <a:t>Typical MVC Application </a:t>
-            </a:r>
-            <a:endParaRPr lang="en-US" dirty="0"/>
-          </a:p>
-        </p:txBody>
-      </p:sp>
-      <p:grpSp>
-        <p:nvGrpSpPr>
-          <p:cNvPr id="32" name="Group 31"/>
-          <p:cNvGrpSpPr/>
-          <p:nvPr/>
-        </p:nvGrpSpPr>
-        <p:grpSpPr>
-          <a:xfrm>
-            <a:off x="4556542" y="1578279"/>
-            <a:ext cx="7141972" cy="5043238"/>
-            <a:chOff x="1308538" y="2585545"/>
-            <a:chExt cx="2743200" cy="4035972"/>
-          </a:xfrm>
-        </p:grpSpPr>
-        <p:sp>
-          <p:nvSpPr>
-            <p:cNvPr id="33" name="Rounded Rectangle 32"/>
-            <p:cNvSpPr/>
-            <p:nvPr/>
-          </p:nvSpPr>
-          <p:spPr>
-            <a:xfrm>
-              <a:off x="1308538" y="2585545"/>
-              <a:ext cx="2743200" cy="2601310"/>
-            </a:xfrm>
-            <a:prstGeom prst="roundRect">
-              <a:avLst/>
-            </a:prstGeom>
-          </p:spPr>
-          <p:style>
-            <a:lnRef idx="2">
-              <a:schemeClr val="accent1">
-                <a:shade val="50000"/>
-              </a:schemeClr>
-            </a:lnRef>
-            <a:fillRef idx="1">
-              <a:schemeClr val="accent1"/>
-            </a:fillRef>
-            <a:effectRef idx="0">
-              <a:schemeClr val="accent1"/>
-            </a:effectRef>
-            <a:fontRef idx="minor">
-              <a:schemeClr val="lt1"/>
-            </a:fontRef>
-          </p:style>
-          <p:txBody>
-            <a:bodyPr rtlCol="0" anchor="ctr"/>
-            <a:lstStyle/>
-            <a:p>
-              <a:pPr algn="ctr"/>
-              <a:endParaRPr lang="en-US"/>
-            </a:p>
-          </p:txBody>
-        </p:sp>
-        <p:sp>
-          <p:nvSpPr>
-            <p:cNvPr id="34" name="Flowchart: Magnetic Disk 33"/>
-            <p:cNvSpPr/>
-            <p:nvPr/>
-          </p:nvSpPr>
-          <p:spPr>
-            <a:xfrm>
-              <a:off x="2618308" y="5754414"/>
-              <a:ext cx="660920" cy="867103"/>
-            </a:xfrm>
-            <a:prstGeom prst="flowChartMagneticDisk">
-              <a:avLst/>
-            </a:prstGeom>
-          </p:spPr>
-          <p:style>
-            <a:lnRef idx="2">
-              <a:schemeClr val="accent1">
-                <a:shade val="50000"/>
-              </a:schemeClr>
-            </a:lnRef>
-            <a:fillRef idx="1">
-              <a:schemeClr val="accent1"/>
-            </a:fillRef>
-            <a:effectRef idx="0">
-              <a:schemeClr val="accent1"/>
-            </a:effectRef>
-            <a:fontRef idx="minor">
-              <a:schemeClr val="lt1"/>
-            </a:fontRef>
-          </p:style>
-          <p:txBody>
-            <a:bodyPr rtlCol="0" anchor="ctr"/>
-            <a:lstStyle/>
-            <a:p>
-              <a:pPr algn="ctr"/>
-              <a:r>
-                <a:rPr lang="en-US" dirty="0"/>
-                <a:t>DB</a:t>
-              </a:r>
-            </a:p>
-          </p:txBody>
-        </p:sp>
-        <p:sp>
-          <p:nvSpPr>
-            <p:cNvPr id="35" name="Rectangle 34"/>
-            <p:cNvSpPr/>
-            <p:nvPr/>
-          </p:nvSpPr>
-          <p:spPr>
-            <a:xfrm>
-              <a:off x="1546334" y="2774731"/>
-              <a:ext cx="2316218" cy="649565"/>
-            </a:xfrm>
-            <a:prstGeom prst="rect">
-              <a:avLst/>
-            </a:prstGeom>
-            <a:solidFill>
-              <a:schemeClr val="accent6">
-                <a:lumMod val="20000"/>
-                <a:lumOff val="80000"/>
-              </a:schemeClr>
-            </a:solidFill>
-          </p:spPr>
-          <p:style>
-            <a:lnRef idx="2">
-              <a:schemeClr val="accent1">
-                <a:shade val="50000"/>
-              </a:schemeClr>
-            </a:lnRef>
-            <a:fillRef idx="1">
-              <a:schemeClr val="accent1"/>
-            </a:fillRef>
-            <a:effectRef idx="0">
-              <a:schemeClr val="accent1"/>
-            </a:effectRef>
-            <a:fontRef idx="minor">
-              <a:schemeClr val="lt1"/>
-            </a:fontRef>
-          </p:style>
-          <p:txBody>
-            <a:bodyPr rtlCol="0" anchor="ctr"/>
-            <a:lstStyle/>
-            <a:p>
-              <a:pPr algn="ctr"/>
-              <a:r>
-                <a:rPr lang="en-US" dirty="0">
-                  <a:solidFill>
-                    <a:schemeClr val="tx1"/>
-                  </a:solidFill>
-                </a:rPr>
-                <a:t>User Interface</a:t>
-              </a:r>
-            </a:p>
-          </p:txBody>
-        </p:sp>
-        <p:sp>
-          <p:nvSpPr>
-            <p:cNvPr id="36" name="Rectangle 35"/>
-            <p:cNvSpPr/>
-            <p:nvPr/>
-          </p:nvSpPr>
-          <p:spPr>
-            <a:xfrm>
-              <a:off x="1546334" y="3527699"/>
-              <a:ext cx="2316218" cy="650165"/>
-            </a:xfrm>
-            <a:prstGeom prst="rect">
-              <a:avLst/>
-            </a:prstGeom>
-            <a:solidFill>
-              <a:schemeClr val="bg2">
-                <a:lumMod val="90000"/>
-              </a:schemeClr>
-            </a:solidFill>
-          </p:spPr>
-          <p:style>
-            <a:lnRef idx="2">
-              <a:schemeClr val="accent1">
-                <a:shade val="50000"/>
-              </a:schemeClr>
-            </a:lnRef>
-            <a:fillRef idx="1">
-              <a:schemeClr val="accent1"/>
-            </a:fillRef>
-            <a:effectRef idx="0">
-              <a:schemeClr val="accent1"/>
-            </a:effectRef>
-            <a:fontRef idx="minor">
-              <a:schemeClr val="lt1"/>
-            </a:fontRef>
-          </p:style>
-          <p:txBody>
-            <a:bodyPr rtlCol="0" anchor="ctr"/>
-            <a:lstStyle/>
-            <a:p>
-              <a:pPr algn="ctr"/>
-              <a:r>
-                <a:rPr lang="en-US" dirty="0">
-                  <a:solidFill>
-                    <a:schemeClr val="tx1"/>
-                  </a:solidFill>
-                </a:rPr>
-                <a:t>Business-Logic</a:t>
-              </a:r>
-            </a:p>
-          </p:txBody>
-        </p:sp>
-        <p:sp>
-          <p:nvSpPr>
-            <p:cNvPr id="37" name="Rectangle 36"/>
-            <p:cNvSpPr/>
-            <p:nvPr/>
-          </p:nvSpPr>
-          <p:spPr>
-            <a:xfrm>
-              <a:off x="1546334" y="4281267"/>
-              <a:ext cx="2316218" cy="681092"/>
-            </a:xfrm>
-            <a:prstGeom prst="rect">
-              <a:avLst/>
-            </a:prstGeom>
-            <a:solidFill>
-              <a:schemeClr val="accent4">
-                <a:lumMod val="40000"/>
-                <a:lumOff val="60000"/>
-              </a:schemeClr>
-            </a:solidFill>
-          </p:spPr>
-          <p:style>
-            <a:lnRef idx="2">
-              <a:schemeClr val="accent1">
-                <a:shade val="50000"/>
-              </a:schemeClr>
-            </a:lnRef>
-            <a:fillRef idx="1">
-              <a:schemeClr val="accent1"/>
-            </a:fillRef>
-            <a:effectRef idx="0">
-              <a:schemeClr val="accent1"/>
-            </a:effectRef>
-            <a:fontRef idx="minor">
-              <a:schemeClr val="lt1"/>
-            </a:fontRef>
-          </p:style>
-          <p:txBody>
-            <a:bodyPr rtlCol="0" anchor="ctr"/>
-            <a:lstStyle/>
-            <a:p>
-              <a:pPr algn="ctr"/>
-              <a:r>
-                <a:rPr lang="en-US" dirty="0">
-                  <a:solidFill>
-                    <a:schemeClr val="tx1"/>
-                  </a:solidFill>
-                </a:rPr>
-                <a:t>Data Layer</a:t>
-              </a:r>
-            </a:p>
-          </p:txBody>
-        </p:sp>
-      </p:grpSp>
-      <p:cxnSp>
-        <p:nvCxnSpPr>
-          <p:cNvPr id="51" name="Elbow Connector 50"/>
-          <p:cNvCxnSpPr>
-            <a:cxnSpLocks/>
-            <a:endCxn id="34" idx="1"/>
-          </p:cNvCxnSpPr>
-          <p:nvPr/>
-        </p:nvCxnSpPr>
-        <p:spPr>
-          <a:xfrm rot="5400000">
-            <a:off x="8706154" y="4598835"/>
-            <a:ext cx="1059931" cy="818416"/>
-          </a:xfrm>
-          <a:prstGeom prst="bentConnector3">
-            <a:avLst>
-              <a:gd name="adj1" fmla="val 50000"/>
-            </a:avLst>
-          </a:prstGeom>
-          <a:ln>
-            <a:solidFill>
-              <a:schemeClr val="tx1"/>
-            </a:solidFill>
-            <a:tailEnd type="triangle"/>
-          </a:ln>
-        </p:spPr>
-        <p:style>
-          <a:lnRef idx="1">
-            <a:schemeClr val="accent1"/>
-          </a:lnRef>
-          <a:fillRef idx="0">
-            <a:schemeClr val="accent1"/>
-          </a:fillRef>
-          <a:effectRef idx="0">
-            <a:schemeClr val="accent1"/>
-          </a:effectRef>
-          <a:fontRef idx="minor">
-            <a:schemeClr val="tx1"/>
-          </a:fontRef>
-        </p:style>
-      </p:cxnSp>
-      <p:sp>
-        <p:nvSpPr>
-          <p:cNvPr id="4" name="TextBox 3"/>
-          <p:cNvSpPr txBox="1"/>
-          <p:nvPr/>
-        </p:nvSpPr>
-        <p:spPr>
-          <a:xfrm>
-            <a:off x="653313" y="2127546"/>
-            <a:ext cx="3124200" cy="1569660"/>
-          </a:xfrm>
-          <a:prstGeom prst="rect">
-            <a:avLst/>
-          </a:prstGeom>
-          <a:noFill/>
-        </p:spPr>
-        <p:txBody>
-          <a:bodyPr wrap="square" rtlCol="0">
-            <a:spAutoFit/>
-          </a:bodyPr>
-          <a:lstStyle/>
-          <a:p>
-            <a:r>
-              <a:rPr lang="en-US" sz="3200" dirty="0"/>
-              <a:t>What if the application keeps growing?</a:t>
-            </a:r>
-          </a:p>
-        </p:txBody>
-      </p:sp>
-    </p:spTree>
-    <p:extLst>
-      <p:ext uri="{BB962C8B-B14F-4D97-AF65-F5344CB8AC3E}">
-        <p14:creationId xmlns:p14="http://schemas.microsoft.com/office/powerpoint/2010/main" val="1735345479"/>
-      </p:ext>
-    </p:extLst>
-  </p:cSld>
-  <p:clrMapOvr>
-    <a:masterClrMapping/>
-  </p:clrMapOvr>
-</p:sld>
-</file>
-
-<file path=ppt/slides/slide40.xml><?xml version="1.0" encoding="utf-8"?>
+<file path=ppt/slides/slide39.xml><?xml version="1.0" encoding="utf-8"?>
 <p:sld xmlns:a="http://schemas.openxmlformats.org/drawingml/2006/main" xmlns:r="http://schemas.openxmlformats.org/officeDocument/2006/relationships" xmlns:p="http://schemas.openxmlformats.org/presentationml/2006/main">
   <p:cSld>
     <p:spTree>
@@ -43210,7 +41514,386 @@
 </p:sld>
 </file>
 
-<file path=ppt/slides/slide41.xml><?xml version="1.0" encoding="utf-8"?>
+<file path=ppt/slides/slide4.xml><?xml version="1.0" encoding="utf-8"?>
+<p:sld xmlns:a="http://schemas.openxmlformats.org/drawingml/2006/main" xmlns:r="http://schemas.openxmlformats.org/officeDocument/2006/relationships" xmlns:p="http://schemas.openxmlformats.org/presentationml/2006/main">
+  <p:cSld>
+    <p:spTree>
+      <p:nvGrpSpPr>
+        <p:cNvPr id="1" name=""/>
+        <p:cNvGrpSpPr/>
+        <p:nvPr/>
+      </p:nvGrpSpPr>
+      <p:grpSpPr>
+        <a:xfrm>
+          <a:off x="0" y="0"/>
+          <a:ext cx="0" cy="0"/>
+          <a:chOff x="0" y="0"/>
+          <a:chExt cx="0" cy="0"/>
+        </a:xfrm>
+      </p:grpSpPr>
+      <p:sp>
+        <p:nvSpPr>
+          <p:cNvPr id="2" name="Title 1"/>
+          <p:cNvSpPr>
+            <a:spLocks noGrp="1"/>
+          </p:cNvSpPr>
+          <p:nvPr>
+            <p:ph type="title"/>
+          </p:nvPr>
+        </p:nvSpPr>
+        <p:spPr/>
+        <p:txBody>
+          <a:bodyPr/>
+          <a:lstStyle/>
+          <a:p>
+            <a:r>
+              <a:rPr lang="en-US" b="1" dirty="0"/>
+              <a:t>Typical MVC Application </a:t>
+            </a:r>
+            <a:endParaRPr lang="en-US" dirty="0"/>
+          </a:p>
+        </p:txBody>
+      </p:sp>
+      <p:grpSp>
+        <p:nvGrpSpPr>
+          <p:cNvPr id="32" name="Group 31"/>
+          <p:cNvGrpSpPr/>
+          <p:nvPr/>
+        </p:nvGrpSpPr>
+        <p:grpSpPr>
+          <a:xfrm>
+            <a:off x="4556542" y="1578279"/>
+            <a:ext cx="7141972" cy="5043238"/>
+            <a:chOff x="1308538" y="2585545"/>
+            <a:chExt cx="2743200" cy="4035972"/>
+          </a:xfrm>
+        </p:grpSpPr>
+        <p:sp>
+          <p:nvSpPr>
+            <p:cNvPr id="33" name="Rounded Rectangle 32"/>
+            <p:cNvSpPr/>
+            <p:nvPr/>
+          </p:nvSpPr>
+          <p:spPr>
+            <a:xfrm>
+              <a:off x="1308538" y="2585545"/>
+              <a:ext cx="2743200" cy="2601310"/>
+            </a:xfrm>
+            <a:prstGeom prst="roundRect">
+              <a:avLst/>
+            </a:prstGeom>
+          </p:spPr>
+          <p:style>
+            <a:lnRef idx="2">
+              <a:schemeClr val="accent1">
+                <a:shade val="50000"/>
+              </a:schemeClr>
+            </a:lnRef>
+            <a:fillRef idx="1">
+              <a:schemeClr val="accent1"/>
+            </a:fillRef>
+            <a:effectRef idx="0">
+              <a:schemeClr val="accent1"/>
+            </a:effectRef>
+            <a:fontRef idx="minor">
+              <a:schemeClr val="lt1"/>
+            </a:fontRef>
+          </p:style>
+          <p:txBody>
+            <a:bodyPr rtlCol="0" anchor="ctr"/>
+            <a:lstStyle/>
+            <a:p>
+              <a:pPr algn="ctr"/>
+              <a:endParaRPr lang="en-US"/>
+            </a:p>
+          </p:txBody>
+        </p:sp>
+        <p:sp>
+          <p:nvSpPr>
+            <p:cNvPr id="34" name="Flowchart: Magnetic Disk 33"/>
+            <p:cNvSpPr/>
+            <p:nvPr/>
+          </p:nvSpPr>
+          <p:spPr>
+            <a:xfrm>
+              <a:off x="2618308" y="5754414"/>
+              <a:ext cx="660920" cy="867103"/>
+            </a:xfrm>
+            <a:prstGeom prst="flowChartMagneticDisk">
+              <a:avLst/>
+            </a:prstGeom>
+          </p:spPr>
+          <p:style>
+            <a:lnRef idx="2">
+              <a:schemeClr val="accent1">
+                <a:shade val="50000"/>
+              </a:schemeClr>
+            </a:lnRef>
+            <a:fillRef idx="1">
+              <a:schemeClr val="accent1"/>
+            </a:fillRef>
+            <a:effectRef idx="0">
+              <a:schemeClr val="accent1"/>
+            </a:effectRef>
+            <a:fontRef idx="minor">
+              <a:schemeClr val="lt1"/>
+            </a:fontRef>
+          </p:style>
+          <p:txBody>
+            <a:bodyPr rtlCol="0" anchor="ctr"/>
+            <a:lstStyle/>
+            <a:p>
+              <a:pPr algn="ctr"/>
+              <a:r>
+                <a:rPr lang="en-US" dirty="0"/>
+                <a:t>DB</a:t>
+              </a:r>
+            </a:p>
+          </p:txBody>
+        </p:sp>
+        <p:sp>
+          <p:nvSpPr>
+            <p:cNvPr id="35" name="Rectangle 34"/>
+            <p:cNvSpPr/>
+            <p:nvPr/>
+          </p:nvSpPr>
+          <p:spPr>
+            <a:xfrm>
+              <a:off x="1546334" y="2774731"/>
+              <a:ext cx="2316218" cy="649565"/>
+            </a:xfrm>
+            <a:prstGeom prst="rect">
+              <a:avLst/>
+            </a:prstGeom>
+            <a:solidFill>
+              <a:schemeClr val="accent6">
+                <a:lumMod val="20000"/>
+                <a:lumOff val="80000"/>
+              </a:schemeClr>
+            </a:solidFill>
+          </p:spPr>
+          <p:style>
+            <a:lnRef idx="2">
+              <a:schemeClr val="accent1">
+                <a:shade val="50000"/>
+              </a:schemeClr>
+            </a:lnRef>
+            <a:fillRef idx="1">
+              <a:schemeClr val="accent1"/>
+            </a:fillRef>
+            <a:effectRef idx="0">
+              <a:schemeClr val="accent1"/>
+            </a:effectRef>
+            <a:fontRef idx="minor">
+              <a:schemeClr val="lt1"/>
+            </a:fontRef>
+          </p:style>
+          <p:txBody>
+            <a:bodyPr rtlCol="0" anchor="ctr"/>
+            <a:lstStyle/>
+            <a:p>
+              <a:pPr algn="ctr"/>
+              <a:r>
+                <a:rPr lang="en-US" dirty="0">
+                  <a:solidFill>
+                    <a:schemeClr val="tx1"/>
+                  </a:solidFill>
+                </a:rPr>
+                <a:t>User Interface</a:t>
+              </a:r>
+            </a:p>
+          </p:txBody>
+        </p:sp>
+        <p:sp>
+          <p:nvSpPr>
+            <p:cNvPr id="36" name="Rectangle 35"/>
+            <p:cNvSpPr/>
+            <p:nvPr/>
+          </p:nvSpPr>
+          <p:spPr>
+            <a:xfrm>
+              <a:off x="1546334" y="3527699"/>
+              <a:ext cx="2316218" cy="650165"/>
+            </a:xfrm>
+            <a:prstGeom prst="rect">
+              <a:avLst/>
+            </a:prstGeom>
+            <a:solidFill>
+              <a:schemeClr val="bg2">
+                <a:lumMod val="90000"/>
+              </a:schemeClr>
+            </a:solidFill>
+          </p:spPr>
+          <p:style>
+            <a:lnRef idx="2">
+              <a:schemeClr val="accent1">
+                <a:shade val="50000"/>
+              </a:schemeClr>
+            </a:lnRef>
+            <a:fillRef idx="1">
+              <a:schemeClr val="accent1"/>
+            </a:fillRef>
+            <a:effectRef idx="0">
+              <a:schemeClr val="accent1"/>
+            </a:effectRef>
+            <a:fontRef idx="minor">
+              <a:schemeClr val="lt1"/>
+            </a:fontRef>
+          </p:style>
+          <p:txBody>
+            <a:bodyPr rtlCol="0" anchor="ctr"/>
+            <a:lstStyle/>
+            <a:p>
+              <a:pPr algn="ctr"/>
+              <a:r>
+                <a:rPr lang="en-US" dirty="0">
+                  <a:solidFill>
+                    <a:schemeClr val="tx1"/>
+                  </a:solidFill>
+                </a:rPr>
+                <a:t>Business-Logic</a:t>
+              </a:r>
+            </a:p>
+          </p:txBody>
+        </p:sp>
+        <p:sp>
+          <p:nvSpPr>
+            <p:cNvPr id="37" name="Rectangle 36"/>
+            <p:cNvSpPr/>
+            <p:nvPr/>
+          </p:nvSpPr>
+          <p:spPr>
+            <a:xfrm>
+              <a:off x="1546334" y="4281267"/>
+              <a:ext cx="2316218" cy="681092"/>
+            </a:xfrm>
+            <a:prstGeom prst="rect">
+              <a:avLst/>
+            </a:prstGeom>
+            <a:solidFill>
+              <a:schemeClr val="accent4">
+                <a:lumMod val="40000"/>
+                <a:lumOff val="60000"/>
+              </a:schemeClr>
+            </a:solidFill>
+          </p:spPr>
+          <p:style>
+            <a:lnRef idx="2">
+              <a:schemeClr val="accent1">
+                <a:shade val="50000"/>
+              </a:schemeClr>
+            </a:lnRef>
+            <a:fillRef idx="1">
+              <a:schemeClr val="accent1"/>
+            </a:fillRef>
+            <a:effectRef idx="0">
+              <a:schemeClr val="accent1"/>
+            </a:effectRef>
+            <a:fontRef idx="minor">
+              <a:schemeClr val="lt1"/>
+            </a:fontRef>
+          </p:style>
+          <p:txBody>
+            <a:bodyPr rtlCol="0" anchor="ctr"/>
+            <a:lstStyle/>
+            <a:p>
+              <a:pPr algn="ctr"/>
+              <a:r>
+                <a:rPr lang="en-US" dirty="0">
+                  <a:solidFill>
+                    <a:schemeClr val="tx1"/>
+                  </a:solidFill>
+                </a:rPr>
+                <a:t>Data Layer</a:t>
+              </a:r>
+            </a:p>
+          </p:txBody>
+        </p:sp>
+      </p:grpSp>
+      <p:cxnSp>
+        <p:nvCxnSpPr>
+          <p:cNvPr id="51" name="Elbow Connector 50"/>
+          <p:cNvCxnSpPr>
+            <a:cxnSpLocks/>
+            <a:endCxn id="34" idx="1"/>
+          </p:cNvCxnSpPr>
+          <p:nvPr/>
+        </p:nvCxnSpPr>
+        <p:spPr>
+          <a:xfrm rot="5400000">
+            <a:off x="8706154" y="4598835"/>
+            <a:ext cx="1059931" cy="818416"/>
+          </a:xfrm>
+          <a:prstGeom prst="bentConnector3">
+            <a:avLst>
+              <a:gd name="adj1" fmla="val 50000"/>
+            </a:avLst>
+          </a:prstGeom>
+          <a:ln>
+            <a:solidFill>
+              <a:schemeClr val="tx1"/>
+            </a:solidFill>
+            <a:tailEnd type="triangle"/>
+          </a:ln>
+        </p:spPr>
+        <p:style>
+          <a:lnRef idx="1">
+            <a:schemeClr val="accent1"/>
+          </a:lnRef>
+          <a:fillRef idx="0">
+            <a:schemeClr val="accent1"/>
+          </a:fillRef>
+          <a:effectRef idx="0">
+            <a:schemeClr val="accent1"/>
+          </a:effectRef>
+          <a:fontRef idx="minor">
+            <a:schemeClr val="tx1"/>
+          </a:fontRef>
+        </p:style>
+      </p:cxnSp>
+      <p:sp>
+        <p:nvSpPr>
+          <p:cNvPr id="4" name="TextBox 3"/>
+          <p:cNvSpPr txBox="1"/>
+          <p:nvPr/>
+        </p:nvSpPr>
+        <p:spPr>
+          <a:xfrm>
+            <a:off x="653313" y="2127546"/>
+            <a:ext cx="3124200" cy="1569660"/>
+          </a:xfrm>
+          <a:prstGeom prst="rect">
+            <a:avLst/>
+          </a:prstGeom>
+          <a:noFill/>
+        </p:spPr>
+        <p:txBody>
+          <a:bodyPr wrap="square" rtlCol="0">
+            <a:spAutoFit/>
+          </a:bodyPr>
+          <a:lstStyle/>
+          <a:p>
+            <a:r>
+              <a:rPr lang="en-US" sz="3200" dirty="0"/>
+              <a:t>What if the application keeps growing?</a:t>
+            </a:r>
+          </a:p>
+        </p:txBody>
+      </p:sp>
+    </p:spTree>
+    <p:extLst>
+      <p:ext uri="{BB962C8B-B14F-4D97-AF65-F5344CB8AC3E}">
+        <p14:creationId xmlns:p14="http://schemas.microsoft.com/office/powerpoint/2010/main" val="1735345479"/>
+      </p:ext>
+    </p:extLst>
+  </p:cSld>
+  <p:clrMapOvr>
+    <a:masterClrMapping/>
+  </p:clrMapOvr>
+</p:sld>
+</file>
+
+<file path=ppt/slides/slide40.xml><?xml version="1.0" encoding="utf-8"?>
 <p:sld xmlns:a="http://schemas.openxmlformats.org/drawingml/2006/main" xmlns:r="http://schemas.openxmlformats.org/officeDocument/2006/relationships" xmlns:p="http://schemas.openxmlformats.org/presentationml/2006/main">
   <p:cSld>
     <p:spTree>
@@ -45482,7 +44165,7 @@
 </p:sld>
 </file>
 
-<file path=ppt/slides/slide42.xml><?xml version="1.0" encoding="utf-8"?>
+<file path=ppt/slides/slide41.xml><?xml version="1.0" encoding="utf-8"?>
 <p:sld xmlns:a="http://schemas.openxmlformats.org/drawingml/2006/main" xmlns:r="http://schemas.openxmlformats.org/officeDocument/2006/relationships" xmlns:p="http://schemas.openxmlformats.org/presentationml/2006/main">
   <p:cSld>
     <p:spTree>
@@ -45601,7 +44284,7 @@
 </p:sld>
 </file>
 
-<file path=ppt/slides/slide43.xml><?xml version="1.0" encoding="utf-8"?>
+<file path=ppt/slides/slide42.xml><?xml version="1.0" encoding="utf-8"?>
 <p:sld xmlns:a="http://schemas.openxmlformats.org/drawingml/2006/main" xmlns:r="http://schemas.openxmlformats.org/officeDocument/2006/relationships" xmlns:p="http://schemas.openxmlformats.org/presentationml/2006/main">
   <p:cSld>
     <p:spTree>
@@ -46063,7 +44746,7 @@
 </p:sld>
 </file>
 
-<file path=ppt/slides/slide44.xml><?xml version="1.0" encoding="utf-8"?>
+<file path=ppt/slides/slide43.xml><?xml version="1.0" encoding="utf-8"?>
 <p:sld xmlns:a="http://schemas.openxmlformats.org/drawingml/2006/main" xmlns:r="http://schemas.openxmlformats.org/officeDocument/2006/relationships" xmlns:p="http://schemas.openxmlformats.org/presentationml/2006/main">
   <p:cSld>
     <p:spTree>
@@ -54177,39 +52860,378 @@
           <a:chExt cx="0" cy="0"/>
         </a:xfrm>
       </p:grpSpPr>
-      <p:pic>
-        <p:nvPicPr>
-          <p:cNvPr id="4" name="Content Placeholder 3"/>
-          <p:cNvPicPr>
-            <a:picLocks noGrp="1" noChangeAspect="1"/>
-          </p:cNvPicPr>
+      <p:sp>
+        <p:nvSpPr>
+          <p:cNvPr id="5" name="Rounded Rectangle 4"/>
+          <p:cNvSpPr/>
+          <p:nvPr/>
+        </p:nvSpPr>
+        <p:spPr>
+          <a:xfrm>
+            <a:off x="2491111" y="2044452"/>
+            <a:ext cx="7141972" cy="3250524"/>
+          </a:xfrm>
+          <a:prstGeom prst="roundRect">
+            <a:avLst/>
+          </a:prstGeom>
+        </p:spPr>
+        <p:style>
+          <a:lnRef idx="2">
+            <a:schemeClr val="accent1">
+              <a:shade val="50000"/>
+            </a:schemeClr>
+          </a:lnRef>
+          <a:fillRef idx="1">
+            <a:schemeClr val="accent1"/>
+          </a:fillRef>
+          <a:effectRef idx="0">
+            <a:schemeClr val="accent1"/>
+          </a:effectRef>
+          <a:fontRef idx="minor">
+            <a:schemeClr val="lt1"/>
+          </a:fontRef>
+        </p:style>
+        <p:txBody>
+          <a:bodyPr rtlCol="0" anchor="ctr"/>
+          <a:lstStyle/>
+          <a:p>
+            <a:pPr algn="ctr"/>
+            <a:endParaRPr lang="en-US"/>
+          </a:p>
+        </p:txBody>
+      </p:sp>
+      <p:sp>
+        <p:nvSpPr>
+          <p:cNvPr id="6" name="Flowchart: Magnetic Disk 5"/>
+          <p:cNvSpPr/>
+          <p:nvPr/>
+        </p:nvSpPr>
+        <p:spPr>
+          <a:xfrm>
+            <a:off x="5201738" y="5531378"/>
+            <a:ext cx="1720717" cy="1083508"/>
+          </a:xfrm>
+          <a:prstGeom prst="flowChartMagneticDisk">
+            <a:avLst/>
+          </a:prstGeom>
+        </p:spPr>
+        <p:style>
+          <a:lnRef idx="2">
+            <a:schemeClr val="accent1">
+              <a:shade val="50000"/>
+            </a:schemeClr>
+          </a:lnRef>
+          <a:fillRef idx="1">
+            <a:schemeClr val="accent1"/>
+          </a:fillRef>
+          <a:effectRef idx="0">
+            <a:schemeClr val="accent1"/>
+          </a:effectRef>
+          <a:fontRef idx="minor">
+            <a:schemeClr val="lt1"/>
+          </a:fontRef>
+        </p:style>
+        <p:txBody>
+          <a:bodyPr rtlCol="0" anchor="ctr"/>
+          <a:lstStyle/>
+          <a:p>
+            <a:pPr algn="ctr"/>
+            <a:r>
+              <a:rPr lang="en-US" dirty="0"/>
+              <a:t>DB</a:t>
+            </a:r>
+          </a:p>
+        </p:txBody>
+      </p:sp>
+      <p:sp>
+        <p:nvSpPr>
+          <p:cNvPr id="7" name="Rectangle 6"/>
+          <p:cNvSpPr/>
+          <p:nvPr/>
+        </p:nvSpPr>
+        <p:spPr>
+          <a:xfrm>
+            <a:off x="3110217" y="2280854"/>
+            <a:ext cx="6030316" cy="811678"/>
+          </a:xfrm>
+          <a:prstGeom prst="rect">
+            <a:avLst/>
+          </a:prstGeom>
+          <a:solidFill>
+            <a:schemeClr val="accent6">
+              <a:lumMod val="20000"/>
+              <a:lumOff val="80000"/>
+            </a:schemeClr>
+          </a:solidFill>
+        </p:spPr>
+        <p:style>
+          <a:lnRef idx="2">
+            <a:schemeClr val="accent1">
+              <a:shade val="50000"/>
+            </a:schemeClr>
+          </a:lnRef>
+          <a:fillRef idx="1">
+            <a:schemeClr val="accent1"/>
+          </a:fillRef>
+          <a:effectRef idx="0">
+            <a:schemeClr val="accent1"/>
+          </a:effectRef>
+          <a:fontRef idx="minor">
+            <a:schemeClr val="lt1"/>
+          </a:fontRef>
+        </p:style>
+        <p:txBody>
+          <a:bodyPr rtlCol="0" anchor="ctr"/>
+          <a:lstStyle/>
+          <a:p>
+            <a:pPr algn="ctr"/>
+            <a:r>
+              <a:rPr lang="en-US" dirty="0">
+                <a:solidFill>
+                  <a:schemeClr val="tx1"/>
+                </a:solidFill>
+              </a:rPr>
+              <a:t>User Interface</a:t>
+            </a:r>
+          </a:p>
+        </p:txBody>
+      </p:sp>
+      <p:sp>
+        <p:nvSpPr>
+          <p:cNvPr id="8" name="Rectangle 7"/>
+          <p:cNvSpPr/>
+          <p:nvPr/>
+        </p:nvSpPr>
+        <p:spPr>
+          <a:xfrm>
+            <a:off x="3110217" y="3221741"/>
+            <a:ext cx="6030316" cy="812428"/>
+          </a:xfrm>
+          <a:prstGeom prst="rect">
+            <a:avLst/>
+          </a:prstGeom>
+          <a:solidFill>
+            <a:schemeClr val="bg2">
+              <a:lumMod val="90000"/>
+            </a:schemeClr>
+          </a:solidFill>
+        </p:spPr>
+        <p:style>
+          <a:lnRef idx="2">
+            <a:schemeClr val="accent1">
+              <a:shade val="50000"/>
+            </a:schemeClr>
+          </a:lnRef>
+          <a:fillRef idx="1">
+            <a:schemeClr val="accent1"/>
+          </a:fillRef>
+          <a:effectRef idx="0">
+            <a:schemeClr val="accent1"/>
+          </a:effectRef>
+          <a:fontRef idx="minor">
+            <a:schemeClr val="lt1"/>
+          </a:fontRef>
+        </p:style>
+        <p:txBody>
+          <a:bodyPr rtlCol="0" anchor="ctr"/>
+          <a:lstStyle/>
+          <a:p>
+            <a:pPr algn="ctr"/>
+            <a:r>
+              <a:rPr lang="en-US" dirty="0">
+                <a:solidFill>
+                  <a:schemeClr val="tx1"/>
+                </a:solidFill>
+              </a:rPr>
+              <a:t>Business-Logic</a:t>
+            </a:r>
+          </a:p>
+        </p:txBody>
+      </p:sp>
+      <p:sp>
+        <p:nvSpPr>
+          <p:cNvPr id="9" name="Rectangle 8"/>
+          <p:cNvSpPr/>
+          <p:nvPr/>
+        </p:nvSpPr>
+        <p:spPr>
+          <a:xfrm>
+            <a:off x="3110217" y="4163379"/>
+            <a:ext cx="6030316" cy="851074"/>
+          </a:xfrm>
+          <a:prstGeom prst="rect">
+            <a:avLst/>
+          </a:prstGeom>
+          <a:solidFill>
+            <a:schemeClr val="accent4">
+              <a:lumMod val="40000"/>
+              <a:lumOff val="60000"/>
+            </a:schemeClr>
+          </a:solidFill>
+        </p:spPr>
+        <p:style>
+          <a:lnRef idx="2">
+            <a:schemeClr val="accent1">
+              <a:shade val="50000"/>
+            </a:schemeClr>
+          </a:lnRef>
+          <a:fillRef idx="1">
+            <a:schemeClr val="accent1"/>
+          </a:fillRef>
+          <a:effectRef idx="0">
+            <a:schemeClr val="accent1"/>
+          </a:effectRef>
+          <a:fontRef idx="minor">
+            <a:schemeClr val="lt1"/>
+          </a:fontRef>
+        </p:style>
+        <p:txBody>
+          <a:bodyPr rtlCol="0" anchor="ctr"/>
+          <a:lstStyle/>
+          <a:p>
+            <a:pPr algn="ctr"/>
+            <a:r>
+              <a:rPr lang="en-US" dirty="0">
+                <a:solidFill>
+                  <a:schemeClr val="tx1"/>
+                </a:solidFill>
+              </a:rPr>
+              <a:t>Data Layer</a:t>
+            </a:r>
+          </a:p>
+        </p:txBody>
+      </p:sp>
+      <p:sp>
+        <p:nvSpPr>
+          <p:cNvPr id="10" name="Flowchart: Magnetic Disk 9"/>
+          <p:cNvSpPr/>
+          <p:nvPr/>
+        </p:nvSpPr>
+        <p:spPr>
+          <a:xfrm>
+            <a:off x="2997509" y="5784633"/>
+            <a:ext cx="740979" cy="576998"/>
+          </a:xfrm>
+          <a:prstGeom prst="flowChartMagneticDisk">
+            <a:avLst/>
+          </a:prstGeom>
+          <a:solidFill>
+            <a:schemeClr val="accent3">
+              <a:lumMod val="60000"/>
+              <a:lumOff val="40000"/>
+            </a:schemeClr>
+          </a:solidFill>
+        </p:spPr>
+        <p:style>
+          <a:lnRef idx="2">
+            <a:schemeClr val="accent1">
+              <a:shade val="50000"/>
+            </a:schemeClr>
+          </a:lnRef>
+          <a:fillRef idx="1">
+            <a:schemeClr val="accent1"/>
+          </a:fillRef>
+          <a:effectRef idx="0">
+            <a:schemeClr val="accent1"/>
+          </a:effectRef>
+          <a:fontRef idx="minor">
+            <a:schemeClr val="lt1"/>
+          </a:fontRef>
+        </p:style>
+        <p:txBody>
+          <a:bodyPr rtlCol="0" anchor="ctr"/>
+          <a:lstStyle/>
+          <a:p>
+            <a:pPr algn="ctr"/>
+            <a:r>
+              <a:rPr lang="en-US" dirty="0"/>
+              <a:t>FS</a:t>
+            </a:r>
+          </a:p>
+        </p:txBody>
+      </p:sp>
+      <p:sp>
+        <p:nvSpPr>
+          <p:cNvPr id="11" name="Flowchart: Direct Access Storage 10"/>
+          <p:cNvSpPr/>
+          <p:nvPr/>
+        </p:nvSpPr>
+        <p:spPr>
+          <a:xfrm>
+            <a:off x="3902554" y="5877551"/>
+            <a:ext cx="1135117" cy="454021"/>
+          </a:xfrm>
+          <a:prstGeom prst="flowChartMagneticDrum">
+            <a:avLst/>
+          </a:prstGeom>
+          <a:solidFill>
+            <a:schemeClr val="accent6">
+              <a:lumMod val="60000"/>
+              <a:lumOff val="40000"/>
+            </a:schemeClr>
+          </a:solidFill>
+        </p:spPr>
+        <p:style>
+          <a:lnRef idx="2">
+            <a:schemeClr val="accent1">
+              <a:shade val="50000"/>
+            </a:schemeClr>
+          </a:lnRef>
+          <a:fillRef idx="1">
+            <a:schemeClr val="accent1"/>
+          </a:fillRef>
+          <a:effectRef idx="0">
+            <a:schemeClr val="accent1"/>
+          </a:effectRef>
+          <a:fontRef idx="minor">
+            <a:schemeClr val="lt1"/>
+          </a:fontRef>
+        </p:style>
+        <p:txBody>
+          <a:bodyPr rtlCol="0" anchor="ctr"/>
+          <a:lstStyle/>
+          <a:p>
+            <a:pPr algn="ctr"/>
+            <a:endParaRPr lang="en-US"/>
+          </a:p>
+        </p:txBody>
+      </p:sp>
+      <p:sp>
+        <p:nvSpPr>
+          <p:cNvPr id="13" name="Content Placeholder 2"/>
+          <p:cNvSpPr>
+            <a:spLocks noGrp="1"/>
+          </p:cNvSpPr>
           <p:nvPr>
             <p:ph idx="1"/>
           </p:nvPr>
-        </p:nvPicPr>
-        <p:blipFill>
-          <a:blip r:embed="rId2">
-            <a:extLst>
-              <a:ext uri="{28A0092B-C50C-407E-A947-70E740481C1C}">
-                <a14:useLocalDpi xmlns:a14="http://schemas.microsoft.com/office/drawing/2010/main" val="0"/>
-              </a:ext>
-            </a:extLst>
-          </a:blip>
-          <a:stretch>
-            <a:fillRect/>
-          </a:stretch>
-        </p:blipFill>
-        <p:spPr>
-          <a:xfrm>
-            <a:off x="839450" y="-243756"/>
-            <a:ext cx="10283252" cy="7720498"/>
-          </a:xfrm>
-        </p:spPr>
-      </p:pic>
+        </p:nvSpPr>
+        <p:spPr>
+          <a:xfrm>
+            <a:off x="487360" y="185927"/>
+            <a:ext cx="4326694" cy="1253170"/>
+          </a:xfrm>
+        </p:spPr>
+        <p:txBody>
+          <a:bodyPr>
+            <a:noAutofit/>
+          </a:bodyPr>
+          <a:lstStyle/>
+          <a:p>
+            <a:pPr marL="0" indent="0">
+              <a:buNone/>
+            </a:pPr>
+            <a:r>
+              <a:rPr lang="en-US" sz="4000" dirty="0"/>
+              <a:t>Split the application into smaller chunks</a:t>
+            </a:r>
+          </a:p>
+        </p:txBody>
+      </p:sp>
     </p:spTree>
     <p:extLst>
       <p:ext uri="{BB962C8B-B14F-4D97-AF65-F5344CB8AC3E}">
-        <p14:creationId xmlns:p14="http://schemas.microsoft.com/office/powerpoint/2010/main" val="513403999"/>
+        <p14:creationId xmlns:p14="http://schemas.microsoft.com/office/powerpoint/2010/main" val="3395122644"/>
       </p:ext>
     </p:extLst>
   </p:cSld>
@@ -54238,14 +53260,14 @@
       </p:grpSpPr>
       <p:sp>
         <p:nvSpPr>
-          <p:cNvPr id="5" name="Rounded Rectangle 4"/>
+          <p:cNvPr id="37" name="Rounded Rectangle 36"/>
           <p:cNvSpPr/>
           <p:nvPr/>
         </p:nvSpPr>
         <p:spPr>
           <a:xfrm>
-            <a:off x="2491111" y="2044452"/>
-            <a:ext cx="7141972" cy="3250524"/>
+            <a:off x="4997319" y="4152484"/>
+            <a:ext cx="2106708" cy="941294"/>
           </a:xfrm>
           <a:prstGeom prst="roundRect">
             <a:avLst/>
@@ -54278,16 +53300,16 @@
       </p:sp>
       <p:sp>
         <p:nvSpPr>
-          <p:cNvPr id="6" name="Flowchart: Magnetic Disk 5"/>
+          <p:cNvPr id="7" name="Rounded Rectangle 6"/>
           <p:cNvSpPr/>
           <p:nvPr/>
         </p:nvSpPr>
         <p:spPr>
           <a:xfrm>
-            <a:off x="5201738" y="5531378"/>
-            <a:ext cx="1720717" cy="1083508"/>
-          </a:xfrm>
-          <a:prstGeom prst="flowChartMagneticDisk">
+            <a:off x="7274860" y="2111188"/>
+            <a:ext cx="2106708" cy="941294"/>
+          </a:xfrm>
+          <a:prstGeom prst="roundRect">
             <a:avLst/>
           </a:prstGeom>
         </p:spPr>
@@ -54312,33 +53334,24 @@
           <a:lstStyle/>
           <a:p>
             <a:pPr algn="ctr"/>
-            <a:r>
-              <a:rPr lang="en-US" dirty="0"/>
-              <a:t>DB</a:t>
-            </a:r>
-          </a:p>
-        </p:txBody>
-      </p:sp>
-      <p:sp>
-        <p:nvSpPr>
-          <p:cNvPr id="7" name="Rectangle 6"/>
+            <a:endParaRPr lang="en-US"/>
+          </a:p>
+        </p:txBody>
+      </p:sp>
+      <p:sp>
+        <p:nvSpPr>
+          <p:cNvPr id="22" name="Flowchart: Magnetic Disk 21"/>
           <p:cNvSpPr/>
           <p:nvPr/>
         </p:nvSpPr>
         <p:spPr>
           <a:xfrm>
-            <a:off x="3110217" y="2280854"/>
-            <a:ext cx="6030316" cy="811678"/>
-          </a:xfrm>
-          <a:prstGeom prst="rect">
-            <a:avLst/>
-          </a:prstGeom>
-          <a:solidFill>
-            <a:schemeClr val="accent6">
-              <a:lumMod val="20000"/>
-              <a:lumOff val="80000"/>
-            </a:schemeClr>
-          </a:solidFill>
+            <a:off x="3154820" y="5477590"/>
+            <a:ext cx="1121345" cy="708057"/>
+          </a:xfrm>
+          <a:prstGeom prst="flowChartMagneticDisk">
+            <a:avLst/>
+          </a:prstGeom>
         </p:spPr>
         <p:style>
           <a:lnRef idx="2">
@@ -54362,35 +53375,26 @@
           <a:p>
             <a:pPr algn="ctr"/>
             <a:r>
-              <a:rPr lang="en-US" dirty="0">
-                <a:solidFill>
-                  <a:schemeClr val="tx1"/>
-                </a:solidFill>
-              </a:rPr>
-              <a:t>User Interface</a:t>
+              <a:rPr lang="en-US" dirty="0"/>
+              <a:t>DB</a:t>
             </a:r>
           </a:p>
         </p:txBody>
       </p:sp>
       <p:sp>
         <p:nvSpPr>
-          <p:cNvPr id="8" name="Rectangle 7"/>
+          <p:cNvPr id="24" name="Flowchart: Magnetic Disk 23"/>
           <p:cNvSpPr/>
           <p:nvPr/>
         </p:nvSpPr>
         <p:spPr>
           <a:xfrm>
-            <a:off x="3110217" y="3221741"/>
-            <a:ext cx="6030316" cy="812428"/>
-          </a:xfrm>
-          <a:prstGeom prst="rect">
-            <a:avLst/>
-          </a:prstGeom>
-          <a:solidFill>
-            <a:schemeClr val="bg2">
-              <a:lumMod val="90000"/>
-            </a:schemeClr>
-          </a:solidFill>
+            <a:off x="5489999" y="5425570"/>
+            <a:ext cx="1121345" cy="708057"/>
+          </a:xfrm>
+          <a:prstGeom prst="flowChartMagneticDisk">
+            <a:avLst/>
+          </a:prstGeom>
         </p:spPr>
         <p:style>
           <a:lnRef idx="2">
@@ -54414,36 +53418,26 @@
           <a:p>
             <a:pPr algn="ctr"/>
             <a:r>
-              <a:rPr lang="en-US" dirty="0">
-                <a:solidFill>
-                  <a:schemeClr val="tx1"/>
-                </a:solidFill>
-              </a:rPr>
-              <a:t>Business-Logic</a:t>
+              <a:rPr lang="en-US" dirty="0"/>
+              <a:t>DB</a:t>
             </a:r>
           </a:p>
         </p:txBody>
       </p:sp>
       <p:sp>
         <p:nvSpPr>
-          <p:cNvPr id="9" name="Rectangle 8"/>
+          <p:cNvPr id="25" name="Flowchart: Magnetic Disk 24"/>
           <p:cNvSpPr/>
           <p:nvPr/>
         </p:nvSpPr>
         <p:spPr>
           <a:xfrm>
-            <a:off x="3110217" y="4163379"/>
-            <a:ext cx="6030316" cy="851074"/>
-          </a:xfrm>
-          <a:prstGeom prst="rect">
-            <a:avLst/>
-          </a:prstGeom>
-          <a:solidFill>
-            <a:schemeClr val="accent4">
-              <a:lumMod val="40000"/>
-              <a:lumOff val="60000"/>
-            </a:schemeClr>
-          </a:solidFill>
+            <a:off x="7767539" y="5425570"/>
+            <a:ext cx="1121345" cy="708057"/>
+          </a:xfrm>
+          <a:prstGeom prst="flowChartMagneticDisk">
+            <a:avLst/>
+          </a:prstGeom>
         </p:spPr>
         <p:style>
           <a:lnRef idx="2">
@@ -54467,32 +53461,28 @@
           <a:p>
             <a:pPr algn="ctr"/>
             <a:r>
-              <a:rPr lang="en-US" dirty="0">
-                <a:solidFill>
-                  <a:schemeClr val="tx1"/>
-                </a:solidFill>
-              </a:rPr>
-              <a:t>Data Layer</a:t>
+              <a:rPr lang="en-US" dirty="0"/>
+              <a:t>DB</a:t>
             </a:r>
           </a:p>
         </p:txBody>
       </p:sp>
       <p:sp>
         <p:nvSpPr>
-          <p:cNvPr id="10" name="Flowchart: Magnetic Disk 9"/>
+          <p:cNvPr id="27" name="Flowchart: Direct Access Storage 26"/>
           <p:cNvSpPr/>
           <p:nvPr/>
         </p:nvSpPr>
         <p:spPr>
           <a:xfrm>
-            <a:off x="2997509" y="5784633"/>
-            <a:ext cx="740979" cy="576998"/>
-          </a:xfrm>
-          <a:prstGeom prst="flowChartMagneticDisk">
+            <a:off x="1846350" y="5604607"/>
+            <a:ext cx="1135117" cy="454021"/>
+          </a:xfrm>
+          <a:prstGeom prst="flowChartMagneticDrum">
             <a:avLst/>
           </a:prstGeom>
           <a:solidFill>
-            <a:schemeClr val="accent3">
+            <a:schemeClr val="accent6">
               <a:lumMod val="60000"/>
               <a:lumOff val="40000"/>
             </a:schemeClr>
@@ -54519,29 +53509,26 @@
           <a:lstStyle/>
           <a:p>
             <a:pPr algn="ctr"/>
-            <a:r>
-              <a:rPr lang="en-US" dirty="0"/>
-              <a:t>FS</a:t>
-            </a:r>
-          </a:p>
-        </p:txBody>
-      </p:sp>
-      <p:sp>
-        <p:nvSpPr>
-          <p:cNvPr id="11" name="Flowchart: Direct Access Storage 10"/>
+            <a:endParaRPr lang="en-US"/>
+          </a:p>
+        </p:txBody>
+      </p:sp>
+      <p:sp>
+        <p:nvSpPr>
+          <p:cNvPr id="28" name="Flowchart: Magnetic Disk 27"/>
           <p:cNvSpPr/>
           <p:nvPr/>
         </p:nvSpPr>
         <p:spPr>
           <a:xfrm>
-            <a:off x="3902554" y="5877551"/>
-            <a:ext cx="1135117" cy="454021"/>
-          </a:xfrm>
-          <a:prstGeom prst="flowChartMagneticDrum">
+            <a:off x="784789" y="5556629"/>
+            <a:ext cx="740979" cy="576998"/>
+          </a:xfrm>
+          <a:prstGeom prst="flowChartMagneticDisk">
             <a:avLst/>
           </a:prstGeom>
           <a:solidFill>
-            <a:schemeClr val="accent6">
+            <a:schemeClr val="accent3">
               <a:lumMod val="60000"/>
               <a:lumOff val="40000"/>
             </a:schemeClr>
@@ -54568,13 +53555,885 @@
           <a:lstStyle/>
           <a:p>
             <a:pPr algn="ctr"/>
+            <a:r>
+              <a:rPr lang="en-US" dirty="0"/>
+              <a:t>FS</a:t>
+            </a:r>
+          </a:p>
+        </p:txBody>
+      </p:sp>
+      <p:grpSp>
+        <p:nvGrpSpPr>
+          <p:cNvPr id="32" name="Group 31"/>
+          <p:cNvGrpSpPr/>
+          <p:nvPr/>
+        </p:nvGrpSpPr>
+        <p:grpSpPr>
+          <a:xfrm>
+            <a:off x="4997319" y="2111188"/>
+            <a:ext cx="2106708" cy="941294"/>
+            <a:chOff x="4997319" y="2111188"/>
+            <a:chExt cx="2106708" cy="941294"/>
+          </a:xfrm>
+        </p:grpSpPr>
+        <p:sp>
+          <p:nvSpPr>
+            <p:cNvPr id="14" name="Rounded Rectangle 13"/>
+            <p:cNvSpPr/>
+            <p:nvPr/>
+          </p:nvSpPr>
+          <p:spPr>
+            <a:xfrm>
+              <a:off x="4997319" y="2111188"/>
+              <a:ext cx="2106708" cy="941294"/>
+            </a:xfrm>
+            <a:prstGeom prst="roundRect">
+              <a:avLst/>
+            </a:prstGeom>
+          </p:spPr>
+          <p:style>
+            <a:lnRef idx="2">
+              <a:schemeClr val="accent1">
+                <a:shade val="50000"/>
+              </a:schemeClr>
+            </a:lnRef>
+            <a:fillRef idx="1">
+              <a:schemeClr val="accent1"/>
+            </a:fillRef>
+            <a:effectRef idx="0">
+              <a:schemeClr val="accent1"/>
+            </a:effectRef>
+            <a:fontRef idx="minor">
+              <a:schemeClr val="lt1"/>
+            </a:fontRef>
+          </p:style>
+          <p:txBody>
+            <a:bodyPr rtlCol="0" anchor="ctr"/>
+            <a:lstStyle/>
+            <a:p>
+              <a:pPr algn="ctr"/>
+              <a:endParaRPr lang="en-US"/>
+            </a:p>
+          </p:txBody>
+        </p:sp>
+        <p:sp>
+          <p:nvSpPr>
+            <p:cNvPr id="29" name="Rectangle 28"/>
+            <p:cNvSpPr/>
+            <p:nvPr/>
+          </p:nvSpPr>
+          <p:spPr>
+            <a:xfrm>
+              <a:off x="5192538" y="2304021"/>
+              <a:ext cx="1716269" cy="645167"/>
+            </a:xfrm>
+            <a:prstGeom prst="rect">
+              <a:avLst/>
+            </a:prstGeom>
+            <a:solidFill>
+              <a:schemeClr val="accent6">
+                <a:lumMod val="20000"/>
+                <a:lumOff val="80000"/>
+              </a:schemeClr>
+            </a:solidFill>
+          </p:spPr>
+          <p:style>
+            <a:lnRef idx="2">
+              <a:schemeClr val="accent1">
+                <a:shade val="50000"/>
+              </a:schemeClr>
+            </a:lnRef>
+            <a:fillRef idx="1">
+              <a:schemeClr val="accent1"/>
+            </a:fillRef>
+            <a:effectRef idx="0">
+              <a:schemeClr val="accent1"/>
+            </a:effectRef>
+            <a:fontRef idx="minor">
+              <a:schemeClr val="lt1"/>
+            </a:fontRef>
+          </p:style>
+          <p:txBody>
+            <a:bodyPr rtlCol="0" anchor="ctr"/>
+            <a:lstStyle/>
+            <a:p>
+              <a:pPr algn="ctr"/>
+              <a:r>
+                <a:rPr lang="en-US" dirty="0">
+                  <a:solidFill>
+                    <a:schemeClr val="tx1"/>
+                  </a:solidFill>
+                </a:rPr>
+                <a:t>User Interface</a:t>
+              </a:r>
+            </a:p>
+          </p:txBody>
+        </p:sp>
+      </p:grpSp>
+      <p:grpSp>
+        <p:nvGrpSpPr>
+          <p:cNvPr id="42" name="Group 41"/>
+          <p:cNvGrpSpPr/>
+          <p:nvPr/>
+        </p:nvGrpSpPr>
+        <p:grpSpPr>
+          <a:xfrm>
+            <a:off x="4997319" y="3132665"/>
+            <a:ext cx="2106708" cy="941294"/>
+            <a:chOff x="4997319" y="3132665"/>
+            <a:chExt cx="2106708" cy="941294"/>
+          </a:xfrm>
+        </p:grpSpPr>
+        <p:sp>
+          <p:nvSpPr>
+            <p:cNvPr id="17" name="Rounded Rectangle 16"/>
+            <p:cNvSpPr/>
+            <p:nvPr/>
+          </p:nvSpPr>
+          <p:spPr>
+            <a:xfrm>
+              <a:off x="4997319" y="3132665"/>
+              <a:ext cx="2106708" cy="941294"/>
+            </a:xfrm>
+            <a:prstGeom prst="roundRect">
+              <a:avLst/>
+            </a:prstGeom>
+            <a:solidFill>
+              <a:srgbClr val="5B9BD5"/>
+            </a:solidFill>
+          </p:spPr>
+          <p:style>
+            <a:lnRef idx="2">
+              <a:schemeClr val="accent1">
+                <a:shade val="50000"/>
+              </a:schemeClr>
+            </a:lnRef>
+            <a:fillRef idx="1">
+              <a:schemeClr val="accent1"/>
+            </a:fillRef>
+            <a:effectRef idx="0">
+              <a:schemeClr val="accent1"/>
+            </a:effectRef>
+            <a:fontRef idx="minor">
+              <a:schemeClr val="lt1"/>
+            </a:fontRef>
+          </p:style>
+          <p:txBody>
+            <a:bodyPr rtlCol="0" anchor="ctr"/>
+            <a:lstStyle/>
+            <a:p>
+              <a:pPr algn="ctr"/>
+              <a:endParaRPr lang="en-US">
+                <a:solidFill>
+                  <a:schemeClr val="tx1"/>
+                </a:solidFill>
+              </a:endParaRPr>
+            </a:p>
+          </p:txBody>
+        </p:sp>
+        <p:sp>
+          <p:nvSpPr>
+            <p:cNvPr id="33" name="Rectangle 32"/>
+            <p:cNvSpPr/>
+            <p:nvPr/>
+          </p:nvSpPr>
+          <p:spPr>
+            <a:xfrm>
+              <a:off x="5192538" y="3297286"/>
+              <a:ext cx="1716269" cy="645167"/>
+            </a:xfrm>
+            <a:prstGeom prst="rect">
+              <a:avLst/>
+            </a:prstGeom>
+            <a:solidFill>
+              <a:schemeClr val="bg2">
+                <a:lumMod val="90000"/>
+              </a:schemeClr>
+            </a:solidFill>
+          </p:spPr>
+          <p:style>
+            <a:lnRef idx="2">
+              <a:schemeClr val="accent1">
+                <a:shade val="50000"/>
+              </a:schemeClr>
+            </a:lnRef>
+            <a:fillRef idx="1">
+              <a:schemeClr val="accent1"/>
+            </a:fillRef>
+            <a:effectRef idx="0">
+              <a:schemeClr val="accent1"/>
+            </a:effectRef>
+            <a:fontRef idx="minor">
+              <a:schemeClr val="lt1"/>
+            </a:fontRef>
+          </p:style>
+          <p:txBody>
+            <a:bodyPr rtlCol="0" anchor="ctr"/>
+            <a:lstStyle/>
+            <a:p>
+              <a:pPr algn="ctr"/>
+              <a:r>
+                <a:rPr lang="en-US" dirty="0">
+                  <a:solidFill>
+                    <a:schemeClr val="tx1"/>
+                  </a:solidFill>
+                </a:rPr>
+                <a:t>Account-Service</a:t>
+              </a:r>
+            </a:p>
+          </p:txBody>
+        </p:sp>
+      </p:grpSp>
+      <p:grpSp>
+        <p:nvGrpSpPr>
+          <p:cNvPr id="35" name="Group 34"/>
+          <p:cNvGrpSpPr/>
+          <p:nvPr/>
+        </p:nvGrpSpPr>
+        <p:grpSpPr>
+          <a:xfrm>
+            <a:off x="7274860" y="3132665"/>
+            <a:ext cx="2106708" cy="941294"/>
+            <a:chOff x="7274860" y="3132665"/>
+            <a:chExt cx="2106708" cy="941294"/>
+          </a:xfrm>
+        </p:grpSpPr>
+        <p:sp>
+          <p:nvSpPr>
+            <p:cNvPr id="16" name="Rounded Rectangle 15"/>
+            <p:cNvSpPr/>
+            <p:nvPr/>
+          </p:nvSpPr>
+          <p:spPr>
+            <a:xfrm>
+              <a:off x="7274860" y="3132665"/>
+              <a:ext cx="2106708" cy="941294"/>
+            </a:xfrm>
+            <a:prstGeom prst="roundRect">
+              <a:avLst/>
+            </a:prstGeom>
+            <a:solidFill>
+              <a:srgbClr val="5B9BD5"/>
+            </a:solidFill>
+          </p:spPr>
+          <p:style>
+            <a:lnRef idx="2">
+              <a:schemeClr val="accent1">
+                <a:shade val="50000"/>
+              </a:schemeClr>
+            </a:lnRef>
+            <a:fillRef idx="1">
+              <a:schemeClr val="accent1"/>
+            </a:fillRef>
+            <a:effectRef idx="0">
+              <a:schemeClr val="accent1"/>
+            </a:effectRef>
+            <a:fontRef idx="minor">
+              <a:schemeClr val="lt1"/>
+            </a:fontRef>
+          </p:style>
+          <p:txBody>
+            <a:bodyPr rtlCol="0" anchor="ctr"/>
+            <a:lstStyle/>
+            <a:p>
+              <a:pPr algn="ctr"/>
+              <a:endParaRPr lang="en-US">
+                <a:solidFill>
+                  <a:schemeClr val="tx1"/>
+                </a:solidFill>
+              </a:endParaRPr>
+            </a:p>
+          </p:txBody>
+        </p:sp>
+        <p:sp>
+          <p:nvSpPr>
+            <p:cNvPr id="34" name="Rectangle 33"/>
+            <p:cNvSpPr/>
+            <p:nvPr/>
+          </p:nvSpPr>
+          <p:spPr>
+            <a:xfrm>
+              <a:off x="7470078" y="3297286"/>
+              <a:ext cx="1716269" cy="645167"/>
+            </a:xfrm>
+            <a:prstGeom prst="rect">
+              <a:avLst/>
+            </a:prstGeom>
+            <a:solidFill>
+              <a:schemeClr val="bg2">
+                <a:lumMod val="90000"/>
+              </a:schemeClr>
+            </a:solidFill>
+          </p:spPr>
+          <p:style>
+            <a:lnRef idx="2">
+              <a:schemeClr val="accent1">
+                <a:shade val="50000"/>
+              </a:schemeClr>
+            </a:lnRef>
+            <a:fillRef idx="1">
+              <a:schemeClr val="accent1"/>
+            </a:fillRef>
+            <a:effectRef idx="0">
+              <a:schemeClr val="accent1"/>
+            </a:effectRef>
+            <a:fontRef idx="minor">
+              <a:schemeClr val="lt1"/>
+            </a:fontRef>
+          </p:style>
+          <p:txBody>
+            <a:bodyPr rtlCol="0" anchor="ctr"/>
+            <a:lstStyle/>
+            <a:p>
+              <a:pPr algn="ctr"/>
+              <a:r>
+                <a:rPr lang="en-US" dirty="0" err="1">
+                  <a:solidFill>
+                    <a:schemeClr val="tx1"/>
+                  </a:solidFill>
+                </a:rPr>
+                <a:t>Auth</a:t>
+              </a:r>
+              <a:endParaRPr lang="en-US" dirty="0">
+                <a:solidFill>
+                  <a:schemeClr val="tx1"/>
+                </a:solidFill>
+              </a:endParaRPr>
+            </a:p>
+          </p:txBody>
+        </p:sp>
+      </p:grpSp>
+      <p:sp>
+        <p:nvSpPr>
+          <p:cNvPr id="36" name="Rectangle 35"/>
+          <p:cNvSpPr/>
+          <p:nvPr/>
+        </p:nvSpPr>
+        <p:spPr>
+          <a:xfrm>
+            <a:off x="7470078" y="2304021"/>
+            <a:ext cx="1716269" cy="645167"/>
+          </a:xfrm>
+          <a:prstGeom prst="rect">
+            <a:avLst/>
+          </a:prstGeom>
+          <a:solidFill>
+            <a:schemeClr val="bg2">
+              <a:lumMod val="90000"/>
+            </a:schemeClr>
+          </a:solidFill>
+        </p:spPr>
+        <p:style>
+          <a:lnRef idx="2">
+            <a:schemeClr val="accent1">
+              <a:shade val="50000"/>
+            </a:schemeClr>
+          </a:lnRef>
+          <a:fillRef idx="1">
+            <a:schemeClr val="accent1"/>
+          </a:fillRef>
+          <a:effectRef idx="0">
+            <a:schemeClr val="accent1"/>
+          </a:effectRef>
+          <a:fontRef idx="minor">
+            <a:schemeClr val="lt1"/>
+          </a:fontRef>
+        </p:style>
+        <p:txBody>
+          <a:bodyPr rtlCol="0" anchor="ctr"/>
+          <a:lstStyle/>
+          <a:p>
+            <a:pPr algn="ctr"/>
+            <a:r>
+              <a:rPr lang="en-US" dirty="0" err="1">
+                <a:solidFill>
+                  <a:schemeClr val="tx1"/>
+                </a:solidFill>
+              </a:rPr>
+              <a:t>Mgmt</a:t>
+            </a:r>
+            <a:endParaRPr lang="en-US" dirty="0">
+              <a:solidFill>
+                <a:schemeClr val="tx1"/>
+              </a:solidFill>
+            </a:endParaRPr>
+          </a:p>
+        </p:txBody>
+      </p:sp>
+      <p:sp>
+        <p:nvSpPr>
+          <p:cNvPr id="38" name="Rounded Rectangle 37"/>
+          <p:cNvSpPr/>
+          <p:nvPr/>
+        </p:nvSpPr>
+        <p:spPr>
+          <a:xfrm>
+            <a:off x="7274857" y="4152484"/>
+            <a:ext cx="2106708" cy="941294"/>
+          </a:xfrm>
+          <a:prstGeom prst="roundRect">
+            <a:avLst/>
+          </a:prstGeom>
+        </p:spPr>
+        <p:style>
+          <a:lnRef idx="2">
+            <a:schemeClr val="accent1">
+              <a:shade val="50000"/>
+            </a:schemeClr>
+          </a:lnRef>
+          <a:fillRef idx="1">
+            <a:schemeClr val="accent1"/>
+          </a:fillRef>
+          <a:effectRef idx="0">
+            <a:schemeClr val="accent1"/>
+          </a:effectRef>
+          <a:fontRef idx="minor">
+            <a:schemeClr val="lt1"/>
+          </a:fontRef>
+        </p:style>
+        <p:txBody>
+          <a:bodyPr rtlCol="0" anchor="ctr"/>
+          <a:lstStyle/>
+          <a:p>
+            <a:pPr algn="ctr"/>
             <a:endParaRPr lang="en-US"/>
           </a:p>
         </p:txBody>
       </p:sp>
-      <p:sp>
-        <p:nvSpPr>
-          <p:cNvPr id="13" name="Content Placeholder 2"/>
+      <p:grpSp>
+        <p:nvGrpSpPr>
+          <p:cNvPr id="40" name="Group 39"/>
+          <p:cNvGrpSpPr/>
+          <p:nvPr/>
+        </p:nvGrpSpPr>
+        <p:grpSpPr>
+          <a:xfrm>
+            <a:off x="2719778" y="2111188"/>
+            <a:ext cx="2106708" cy="941294"/>
+            <a:chOff x="2719778" y="2111188"/>
+            <a:chExt cx="2106708" cy="941294"/>
+          </a:xfrm>
+        </p:grpSpPr>
+        <p:sp>
+          <p:nvSpPr>
+            <p:cNvPr id="15" name="Rounded Rectangle 14"/>
+            <p:cNvSpPr/>
+            <p:nvPr/>
+          </p:nvSpPr>
+          <p:spPr>
+            <a:xfrm>
+              <a:off x="2719778" y="2111188"/>
+              <a:ext cx="2106708" cy="941294"/>
+            </a:xfrm>
+            <a:prstGeom prst="roundRect">
+              <a:avLst/>
+            </a:prstGeom>
+          </p:spPr>
+          <p:style>
+            <a:lnRef idx="2">
+              <a:schemeClr val="accent1">
+                <a:shade val="50000"/>
+              </a:schemeClr>
+            </a:lnRef>
+            <a:fillRef idx="1">
+              <a:schemeClr val="accent1"/>
+            </a:fillRef>
+            <a:effectRef idx="0">
+              <a:schemeClr val="accent1"/>
+            </a:effectRef>
+            <a:fontRef idx="minor">
+              <a:schemeClr val="lt1"/>
+            </a:fontRef>
+          </p:style>
+          <p:txBody>
+            <a:bodyPr rtlCol="0" anchor="ctr"/>
+            <a:lstStyle/>
+            <a:p>
+              <a:pPr algn="ctr"/>
+              <a:endParaRPr lang="en-US"/>
+            </a:p>
+          </p:txBody>
+        </p:sp>
+        <p:sp>
+          <p:nvSpPr>
+            <p:cNvPr id="39" name="Rectangle 38"/>
+            <p:cNvSpPr/>
+            <p:nvPr/>
+          </p:nvSpPr>
+          <p:spPr>
+            <a:xfrm>
+              <a:off x="2981467" y="2259251"/>
+              <a:ext cx="1716269" cy="645167"/>
+            </a:xfrm>
+            <a:prstGeom prst="rect">
+              <a:avLst/>
+            </a:prstGeom>
+            <a:solidFill>
+              <a:schemeClr val="bg2">
+                <a:lumMod val="90000"/>
+              </a:schemeClr>
+            </a:solidFill>
+          </p:spPr>
+          <p:style>
+            <a:lnRef idx="2">
+              <a:schemeClr val="accent1">
+                <a:shade val="50000"/>
+              </a:schemeClr>
+            </a:lnRef>
+            <a:fillRef idx="1">
+              <a:schemeClr val="accent1"/>
+            </a:fillRef>
+            <a:effectRef idx="0">
+              <a:schemeClr val="accent1"/>
+            </a:effectRef>
+            <a:fontRef idx="minor">
+              <a:schemeClr val="lt1"/>
+            </a:fontRef>
+          </p:style>
+          <p:txBody>
+            <a:bodyPr rtlCol="0" anchor="ctr"/>
+            <a:lstStyle/>
+            <a:p>
+              <a:pPr algn="ctr"/>
+              <a:r>
+                <a:rPr lang="en-US" dirty="0">
+                  <a:solidFill>
+                    <a:schemeClr val="tx1"/>
+                  </a:solidFill>
+                </a:rPr>
+                <a:t>File-Service</a:t>
+              </a:r>
+            </a:p>
+          </p:txBody>
+        </p:sp>
+      </p:grpSp>
+      <p:grpSp>
+        <p:nvGrpSpPr>
+          <p:cNvPr id="43" name="Group 42"/>
+          <p:cNvGrpSpPr/>
+          <p:nvPr/>
+        </p:nvGrpSpPr>
+        <p:grpSpPr>
+          <a:xfrm>
+            <a:off x="2719778" y="3132665"/>
+            <a:ext cx="2106708" cy="941294"/>
+            <a:chOff x="2719778" y="3132665"/>
+            <a:chExt cx="2106708" cy="941294"/>
+          </a:xfrm>
+        </p:grpSpPr>
+        <p:sp>
+          <p:nvSpPr>
+            <p:cNvPr id="18" name="Rounded Rectangle 17"/>
+            <p:cNvSpPr/>
+            <p:nvPr/>
+          </p:nvSpPr>
+          <p:spPr>
+            <a:xfrm>
+              <a:off x="2719778" y="3132665"/>
+              <a:ext cx="2106708" cy="941294"/>
+            </a:xfrm>
+            <a:prstGeom prst="roundRect">
+              <a:avLst/>
+            </a:prstGeom>
+            <a:solidFill>
+              <a:srgbClr val="5B9BD5"/>
+            </a:solidFill>
+          </p:spPr>
+          <p:style>
+            <a:lnRef idx="2">
+              <a:schemeClr val="accent1">
+                <a:shade val="50000"/>
+              </a:schemeClr>
+            </a:lnRef>
+            <a:fillRef idx="1">
+              <a:schemeClr val="accent1"/>
+            </a:fillRef>
+            <a:effectRef idx="0">
+              <a:schemeClr val="accent1"/>
+            </a:effectRef>
+            <a:fontRef idx="minor">
+              <a:schemeClr val="lt1"/>
+            </a:fontRef>
+          </p:style>
+          <p:txBody>
+            <a:bodyPr rtlCol="0" anchor="ctr"/>
+            <a:lstStyle/>
+            <a:p>
+              <a:pPr algn="ctr"/>
+              <a:endParaRPr lang="en-US">
+                <a:solidFill>
+                  <a:schemeClr val="tx1"/>
+                </a:solidFill>
+              </a:endParaRPr>
+            </a:p>
+          </p:txBody>
+        </p:sp>
+        <p:sp>
+          <p:nvSpPr>
+            <p:cNvPr id="41" name="Rectangle 40"/>
+            <p:cNvSpPr/>
+            <p:nvPr/>
+          </p:nvSpPr>
+          <p:spPr>
+            <a:xfrm>
+              <a:off x="2981466" y="3286572"/>
+              <a:ext cx="1716269" cy="645167"/>
+            </a:xfrm>
+            <a:prstGeom prst="rect">
+              <a:avLst/>
+            </a:prstGeom>
+            <a:solidFill>
+              <a:schemeClr val="bg2">
+                <a:lumMod val="90000"/>
+              </a:schemeClr>
+            </a:solidFill>
+          </p:spPr>
+          <p:style>
+            <a:lnRef idx="2">
+              <a:schemeClr val="accent1">
+                <a:shade val="50000"/>
+              </a:schemeClr>
+            </a:lnRef>
+            <a:fillRef idx="1">
+              <a:schemeClr val="accent1"/>
+            </a:fillRef>
+            <a:effectRef idx="0">
+              <a:schemeClr val="accent1"/>
+            </a:effectRef>
+            <a:fontRef idx="minor">
+              <a:schemeClr val="lt1"/>
+            </a:fontRef>
+          </p:style>
+          <p:txBody>
+            <a:bodyPr rtlCol="0" anchor="ctr"/>
+            <a:lstStyle/>
+            <a:p>
+              <a:pPr algn="ctr"/>
+              <a:r>
+                <a:rPr lang="en-US" dirty="0">
+                  <a:solidFill>
+                    <a:schemeClr val="tx1"/>
+                  </a:solidFill>
+                </a:rPr>
+                <a:t>Orders-Service</a:t>
+              </a:r>
+            </a:p>
+          </p:txBody>
+        </p:sp>
+      </p:grpSp>
+      <p:sp>
+        <p:nvSpPr>
+          <p:cNvPr id="44" name="Flowchart: Magnetic Disk 43"/>
+          <p:cNvSpPr/>
+          <p:nvPr/>
+        </p:nvSpPr>
+        <p:spPr>
+          <a:xfrm>
+            <a:off x="10325001" y="5425569"/>
+            <a:ext cx="1121345" cy="708057"/>
+          </a:xfrm>
+          <a:prstGeom prst="flowChartMagneticDisk">
+            <a:avLst/>
+          </a:prstGeom>
+        </p:spPr>
+        <p:style>
+          <a:lnRef idx="2">
+            <a:schemeClr val="accent1">
+              <a:shade val="50000"/>
+            </a:schemeClr>
+          </a:lnRef>
+          <a:fillRef idx="1">
+            <a:schemeClr val="accent1"/>
+          </a:fillRef>
+          <a:effectRef idx="0">
+            <a:schemeClr val="accent1"/>
+          </a:effectRef>
+          <a:fontRef idx="minor">
+            <a:schemeClr val="lt1"/>
+          </a:fontRef>
+        </p:style>
+        <p:txBody>
+          <a:bodyPr rtlCol="0" anchor="ctr"/>
+          <a:lstStyle/>
+          <a:p>
+            <a:pPr algn="ctr"/>
+            <a:r>
+              <a:rPr lang="en-US" dirty="0"/>
+              <a:t>DB</a:t>
+            </a:r>
+          </a:p>
+        </p:txBody>
+      </p:sp>
+      <p:grpSp>
+        <p:nvGrpSpPr>
+          <p:cNvPr id="46" name="Group 45"/>
+          <p:cNvGrpSpPr/>
+          <p:nvPr/>
+        </p:nvGrpSpPr>
+        <p:grpSpPr>
+          <a:xfrm>
+            <a:off x="2719778" y="4154142"/>
+            <a:ext cx="2106708" cy="941294"/>
+            <a:chOff x="2719778" y="4154142"/>
+            <a:chExt cx="2106708" cy="941294"/>
+          </a:xfrm>
+        </p:grpSpPr>
+        <p:sp>
+          <p:nvSpPr>
+            <p:cNvPr id="21" name="Rounded Rectangle 20"/>
+            <p:cNvSpPr/>
+            <p:nvPr/>
+          </p:nvSpPr>
+          <p:spPr>
+            <a:xfrm>
+              <a:off x="2719778" y="4154142"/>
+              <a:ext cx="2106708" cy="941294"/>
+            </a:xfrm>
+            <a:prstGeom prst="roundRect">
+              <a:avLst/>
+            </a:prstGeom>
+          </p:spPr>
+          <p:style>
+            <a:lnRef idx="2">
+              <a:schemeClr val="accent1">
+                <a:shade val="50000"/>
+              </a:schemeClr>
+            </a:lnRef>
+            <a:fillRef idx="1">
+              <a:schemeClr val="accent1"/>
+            </a:fillRef>
+            <a:effectRef idx="0">
+              <a:schemeClr val="accent1"/>
+            </a:effectRef>
+            <a:fontRef idx="minor">
+              <a:schemeClr val="lt1"/>
+            </a:fontRef>
+          </p:style>
+          <p:txBody>
+            <a:bodyPr rtlCol="0" anchor="ctr"/>
+            <a:lstStyle/>
+            <a:p>
+              <a:pPr algn="ctr"/>
+              <a:endParaRPr lang="en-US"/>
+            </a:p>
+          </p:txBody>
+        </p:sp>
+        <p:sp>
+          <p:nvSpPr>
+            <p:cNvPr id="45" name="Rectangle 44"/>
+            <p:cNvSpPr/>
+            <p:nvPr/>
+          </p:nvSpPr>
+          <p:spPr>
+            <a:xfrm>
+              <a:off x="2968019" y="4313893"/>
+              <a:ext cx="1716269" cy="645167"/>
+            </a:xfrm>
+            <a:prstGeom prst="rect">
+              <a:avLst/>
+            </a:prstGeom>
+            <a:solidFill>
+              <a:schemeClr val="bg2">
+                <a:lumMod val="90000"/>
+              </a:schemeClr>
+            </a:solidFill>
+          </p:spPr>
+          <p:style>
+            <a:lnRef idx="2">
+              <a:schemeClr val="accent1">
+                <a:shade val="50000"/>
+              </a:schemeClr>
+            </a:lnRef>
+            <a:fillRef idx="1">
+              <a:schemeClr val="accent1"/>
+            </a:fillRef>
+            <a:effectRef idx="0">
+              <a:schemeClr val="accent1"/>
+            </a:effectRef>
+            <a:fontRef idx="minor">
+              <a:schemeClr val="lt1"/>
+            </a:fontRef>
+          </p:style>
+          <p:txBody>
+            <a:bodyPr rtlCol="0" anchor="ctr"/>
+            <a:lstStyle/>
+            <a:p>
+              <a:pPr algn="ctr"/>
+              <a:r>
+                <a:rPr lang="en-US" dirty="0" err="1">
+                  <a:solidFill>
+                    <a:schemeClr val="tx1"/>
+                  </a:solidFill>
+                </a:rPr>
+                <a:t>Notofication</a:t>
+              </a:r>
+              <a:r>
+                <a:rPr lang="en-US" dirty="0">
+                  <a:solidFill>
+                    <a:schemeClr val="tx1"/>
+                  </a:solidFill>
+                </a:rPr>
+                <a:t>-Service</a:t>
+              </a:r>
+            </a:p>
+          </p:txBody>
+        </p:sp>
+      </p:grpSp>
+      <p:sp>
+        <p:nvSpPr>
+          <p:cNvPr id="47" name="Rectangle 46"/>
+          <p:cNvSpPr/>
+          <p:nvPr/>
+        </p:nvSpPr>
+        <p:spPr>
+          <a:xfrm>
+            <a:off x="7470078" y="4318817"/>
+            <a:ext cx="1716269" cy="645167"/>
+          </a:xfrm>
+          <a:prstGeom prst="rect">
+            <a:avLst/>
+          </a:prstGeom>
+          <a:solidFill>
+            <a:schemeClr val="bg2">
+              <a:lumMod val="90000"/>
+            </a:schemeClr>
+          </a:solidFill>
+        </p:spPr>
+        <p:style>
+          <a:lnRef idx="2">
+            <a:schemeClr val="accent1">
+              <a:shade val="50000"/>
+            </a:schemeClr>
+          </a:lnRef>
+          <a:fillRef idx="1">
+            <a:schemeClr val="accent1"/>
+          </a:fillRef>
+          <a:effectRef idx="0">
+            <a:schemeClr val="accent1"/>
+          </a:effectRef>
+          <a:fontRef idx="minor">
+            <a:schemeClr val="lt1"/>
+          </a:fontRef>
+        </p:style>
+        <p:txBody>
+          <a:bodyPr rtlCol="0" anchor="ctr"/>
+          <a:lstStyle/>
+          <a:p>
+            <a:pPr algn="ctr"/>
+            <a:r>
+              <a:rPr lang="en-US" dirty="0">
+                <a:solidFill>
+                  <a:schemeClr val="tx1"/>
+                </a:solidFill>
+              </a:rPr>
+              <a:t>Payment-Service</a:t>
+            </a:r>
+          </a:p>
+        </p:txBody>
+      </p:sp>
+      <p:sp>
+        <p:nvSpPr>
+          <p:cNvPr id="48" name="Content Placeholder 2"/>
           <p:cNvSpPr>
             <a:spLocks noGrp="1"/>
           </p:cNvSpPr>
@@ -54607,13 +54466,200 @@
     </p:spTree>
     <p:extLst>
       <p:ext uri="{BB962C8B-B14F-4D97-AF65-F5344CB8AC3E}">
-        <p14:creationId xmlns:p14="http://schemas.microsoft.com/office/powerpoint/2010/main" val="3395122644"/>
+        <p14:creationId xmlns:p14="http://schemas.microsoft.com/office/powerpoint/2010/main" val="1028228804"/>
       </p:ext>
     </p:extLst>
   </p:cSld>
   <p:clrMapOvr>
     <a:masterClrMapping/>
   </p:clrMapOvr>
+  <p:timing>
+    <p:tnLst>
+      <p:par>
+        <p:cTn id="1" dur="indefinite" restart="never" nodeType="tmRoot">
+          <p:childTnLst>
+            <p:seq concurrent="1" nextAc="seek">
+              <p:cTn id="2" dur="indefinite" nodeType="mainSeq">
+                <p:childTnLst>
+                  <p:par>
+                    <p:cTn id="3" fill="hold">
+                      <p:stCondLst>
+                        <p:cond delay="indefinite"/>
+                      </p:stCondLst>
+                      <p:childTnLst>
+                        <p:par>
+                          <p:cTn id="4" fill="hold">
+                            <p:stCondLst>
+                              <p:cond delay="0"/>
+                            </p:stCondLst>
+                            <p:childTnLst>
+                              <p:par>
+                                <p:cTn id="5" presetID="64" presetClass="path" presetSubtype="0" accel="50000" decel="50000" fill="hold" nodeType="clickEffect">
+                                  <p:stCondLst>
+                                    <p:cond delay="0"/>
+                                  </p:stCondLst>
+                                  <p:childTnLst>
+                                    <p:animMotion origin="layout" path="M 0 0 L 0 -0.25 E" pathEditMode="relative" ptsTypes="">
+                                      <p:cBhvr>
+                                        <p:cTn id="6" dur="500" fill="hold"/>
+                                        <p:tgtEl>
+                                          <p:spTgt spid="32"/>
+                                        </p:tgtEl>
+                                        <p:attrNameLst>
+                                          <p:attrName>ppt_x</p:attrName>
+                                          <p:attrName>ppt_y</p:attrName>
+                                        </p:attrNameLst>
+                                      </p:cBhvr>
+                                    </p:animMotion>
+                                  </p:childTnLst>
+                                </p:cTn>
+                              </p:par>
+                              <p:par>
+                                <p:cTn id="7" presetID="63" presetClass="path" presetSubtype="0" accel="50000" decel="50000" fill="hold" nodeType="withEffect">
+                                  <p:stCondLst>
+                                    <p:cond delay="0"/>
+                                  </p:stCondLst>
+                                  <p:childTnLst>
+                                    <p:animMotion origin="layout" path="M -2.91667E-6 -1.48148E-6 L 0.20925 -0.00162 " pathEditMode="relative" rAng="0" ptsTypes="AA">
+                                      <p:cBhvr>
+                                        <p:cTn id="8" dur="500" fill="hold"/>
+                                        <p:tgtEl>
+                                          <p:spTgt spid="35"/>
+                                        </p:tgtEl>
+                                        <p:attrNameLst>
+                                          <p:attrName>ppt_x</p:attrName>
+                                          <p:attrName>ppt_y</p:attrName>
+                                        </p:attrNameLst>
+                                      </p:cBhvr>
+                                      <p:rCtr x="10456" y="-93"/>
+                                    </p:animMotion>
+                                  </p:childTnLst>
+                                </p:cTn>
+                              </p:par>
+                              <p:par>
+                                <p:cTn id="9" presetID="1" presetClass="entr" presetSubtype="0" fill="hold" grpId="0" nodeType="withEffect">
+                                  <p:stCondLst>
+                                    <p:cond delay="0"/>
+                                  </p:stCondLst>
+                                  <p:childTnLst>
+                                    <p:set>
+                                      <p:cBhvr>
+                                        <p:cTn id="10" dur="1" fill="hold">
+                                          <p:stCondLst>
+                                            <p:cond delay="0"/>
+                                          </p:stCondLst>
+                                        </p:cTn>
+                                        <p:tgtEl>
+                                          <p:spTgt spid="44"/>
+                                        </p:tgtEl>
+                                        <p:attrNameLst>
+                                          <p:attrName>style.visibility</p:attrName>
+                                        </p:attrNameLst>
+                                      </p:cBhvr>
+                                      <p:to>
+                                        <p:strVal val="visible"/>
+                                      </p:to>
+                                    </p:set>
+                                  </p:childTnLst>
+                                </p:cTn>
+                              </p:par>
+                              <p:par>
+                                <p:cTn id="11" presetID="35" presetClass="path" presetSubtype="0" accel="50000" decel="50000" fill="hold" nodeType="withEffect">
+                                  <p:stCondLst>
+                                    <p:cond delay="0"/>
+                                  </p:stCondLst>
+                                  <p:childTnLst>
+                                    <p:animMotion origin="layout" path="M 5E-6 1.11111E-6 L -0.21016 -0.00787 " pathEditMode="relative" rAng="0" ptsTypes="AA">
+                                      <p:cBhvr>
+                                        <p:cTn id="12" dur="500" fill="hold"/>
+                                        <p:tgtEl>
+                                          <p:spTgt spid="40"/>
+                                        </p:tgtEl>
+                                        <p:attrNameLst>
+                                          <p:attrName>ppt_x</p:attrName>
+                                          <p:attrName>ppt_y</p:attrName>
+                                        </p:attrNameLst>
+                                      </p:cBhvr>
+                                      <p:rCtr x="-10508" y="-394"/>
+                                    </p:animMotion>
+                                  </p:childTnLst>
+                                </p:cTn>
+                              </p:par>
+                              <p:par>
+                                <p:cTn id="13" presetID="42" presetClass="path" presetSubtype="0" accel="50000" decel="50000" fill="hold" nodeType="withEffect">
+                                  <p:stCondLst>
+                                    <p:cond delay="0"/>
+                                  </p:stCondLst>
+                                  <p:childTnLst>
+                                    <p:animMotion origin="layout" path="M -3.95833E-6 -1.48148E-6 L 0.00013 0.14931 " pathEditMode="relative" rAng="0" ptsTypes="AA">
+                                      <p:cBhvr>
+                                        <p:cTn id="14" dur="500" fill="hold"/>
+                                        <p:tgtEl>
+                                          <p:spTgt spid="42"/>
+                                        </p:tgtEl>
+                                        <p:attrNameLst>
+                                          <p:attrName>ppt_x</p:attrName>
+                                          <p:attrName>ppt_y</p:attrName>
+                                        </p:attrNameLst>
+                                      </p:cBhvr>
+                                      <p:rCtr x="0" y="7454"/>
+                                    </p:animMotion>
+                                  </p:childTnLst>
+                                </p:cTn>
+                              </p:par>
+                              <p:par>
+                                <p:cTn id="15" presetID="35" presetClass="path" presetSubtype="0" accel="50000" decel="50000" fill="hold" nodeType="withEffect">
+                                  <p:stCondLst>
+                                    <p:cond delay="0"/>
+                                  </p:stCondLst>
+                                  <p:childTnLst>
+                                    <p:animMotion origin="layout" path="M 5E-6 4.44444E-6 L -0.10235 -0.00602 " pathEditMode="relative" rAng="0" ptsTypes="AA">
+                                      <p:cBhvr>
+                                        <p:cTn id="16" dur="500" fill="hold"/>
+                                        <p:tgtEl>
+                                          <p:spTgt spid="46"/>
+                                        </p:tgtEl>
+                                        <p:attrNameLst>
+                                          <p:attrName>ppt_x</p:attrName>
+                                          <p:attrName>ppt_y</p:attrName>
+                                        </p:attrNameLst>
+                                      </p:cBhvr>
+                                      <p:rCtr x="-5117" y="-301"/>
+                                    </p:animMotion>
+                                  </p:childTnLst>
+                                </p:cTn>
+                              </p:par>
+                            </p:childTnLst>
+                          </p:cTn>
+                        </p:par>
+                      </p:childTnLst>
+                    </p:cTn>
+                  </p:par>
+                </p:childTnLst>
+              </p:cTn>
+              <p:prevCondLst>
+                <p:cond evt="onPrev" delay="0">
+                  <p:tgtEl>
+                    <p:sldTgt/>
+                  </p:tgtEl>
+                </p:cond>
+              </p:prevCondLst>
+              <p:nextCondLst>
+                <p:cond evt="onNext" delay="0">
+                  <p:tgtEl>
+                    <p:sldTgt/>
+                  </p:tgtEl>
+                </p:cond>
+              </p:nextCondLst>
+            </p:seq>
+          </p:childTnLst>
+        </p:cTn>
+      </p:par>
+    </p:tnLst>
+    <p:bldLst>
+      <p:bldP spid="44" grpId="0" animBg="1"/>
+    </p:bldLst>
+  </p:timing>
 </p:sld>
 </file>
 

--- a/day-1/Using Kubernetes Day 1.pptx
+++ b/day-1/Using Kubernetes Day 1.pptx
@@ -283,7 +283,7 @@
           <a:p>
             <a:fld id="{4F1F2598-CD9E-4308-8C1F-F0CAB254D96E}" type="datetimeFigureOut">
               <a:rPr lang="en-US" smtClean="0"/>
-              <a:t>2/8/22</a:t>
+              <a:t>2/22/22</a:t>
             </a:fld>
             <a:endParaRPr lang="en-US"/>
           </a:p>
@@ -451,7 +451,7 @@
           <a:p>
             <a:fld id="{4F1F2598-CD9E-4308-8C1F-F0CAB254D96E}" type="datetimeFigureOut">
               <a:rPr lang="en-US" smtClean="0"/>
-              <a:t>2/8/22</a:t>
+              <a:t>2/22/22</a:t>
             </a:fld>
             <a:endParaRPr lang="en-US"/>
           </a:p>
@@ -629,7 +629,7 @@
           <a:p>
             <a:fld id="{4F1F2598-CD9E-4308-8C1F-F0CAB254D96E}" type="datetimeFigureOut">
               <a:rPr lang="en-US" smtClean="0"/>
-              <a:t>2/8/22</a:t>
+              <a:t>2/22/22</a:t>
             </a:fld>
             <a:endParaRPr lang="en-US"/>
           </a:p>
@@ -797,7 +797,7 @@
           <a:p>
             <a:fld id="{4F1F2598-CD9E-4308-8C1F-F0CAB254D96E}" type="datetimeFigureOut">
               <a:rPr lang="en-US" smtClean="0"/>
-              <a:t>2/8/22</a:t>
+              <a:t>2/22/22</a:t>
             </a:fld>
             <a:endParaRPr lang="en-US"/>
           </a:p>
@@ -1042,7 +1042,7 @@
           <a:p>
             <a:fld id="{4F1F2598-CD9E-4308-8C1F-F0CAB254D96E}" type="datetimeFigureOut">
               <a:rPr lang="en-US" smtClean="0"/>
-              <a:t>2/8/22</a:t>
+              <a:t>2/22/22</a:t>
             </a:fld>
             <a:endParaRPr lang="en-US"/>
           </a:p>
@@ -1271,7 +1271,7 @@
           <a:p>
             <a:fld id="{4F1F2598-CD9E-4308-8C1F-F0CAB254D96E}" type="datetimeFigureOut">
               <a:rPr lang="en-US" smtClean="0"/>
-              <a:t>2/8/22</a:t>
+              <a:t>2/22/22</a:t>
             </a:fld>
             <a:endParaRPr lang="en-US"/>
           </a:p>
@@ -1635,7 +1635,7 @@
           <a:p>
             <a:fld id="{4F1F2598-CD9E-4308-8C1F-F0CAB254D96E}" type="datetimeFigureOut">
               <a:rPr lang="en-US" smtClean="0"/>
-              <a:t>2/8/22</a:t>
+              <a:t>2/22/22</a:t>
             </a:fld>
             <a:endParaRPr lang="en-US"/>
           </a:p>
@@ -1752,7 +1752,7 @@
           <a:p>
             <a:fld id="{4F1F2598-CD9E-4308-8C1F-F0CAB254D96E}" type="datetimeFigureOut">
               <a:rPr lang="en-US" smtClean="0"/>
-              <a:t>2/8/22</a:t>
+              <a:t>2/22/22</a:t>
             </a:fld>
             <a:endParaRPr lang="en-US"/>
           </a:p>
@@ -1847,7 +1847,7 @@
           <a:p>
             <a:fld id="{4F1F2598-CD9E-4308-8C1F-F0CAB254D96E}" type="datetimeFigureOut">
               <a:rPr lang="en-US" smtClean="0"/>
-              <a:t>2/8/22</a:t>
+              <a:t>2/22/22</a:t>
             </a:fld>
             <a:endParaRPr lang="en-US"/>
           </a:p>
@@ -2122,7 +2122,7 @@
           <a:p>
             <a:fld id="{4F1F2598-CD9E-4308-8C1F-F0CAB254D96E}" type="datetimeFigureOut">
               <a:rPr lang="en-US" smtClean="0"/>
-              <a:t>2/8/22</a:t>
+              <a:t>2/22/22</a:t>
             </a:fld>
             <a:endParaRPr lang="en-US"/>
           </a:p>
@@ -2374,7 +2374,7 @@
           <a:p>
             <a:fld id="{4F1F2598-CD9E-4308-8C1F-F0CAB254D96E}" type="datetimeFigureOut">
               <a:rPr lang="en-US" smtClean="0"/>
-              <a:t>2/8/22</a:t>
+              <a:t>2/22/22</a:t>
             </a:fld>
             <a:endParaRPr lang="en-US"/>
           </a:p>
@@ -2585,7 +2585,7 @@
           <a:p>
             <a:fld id="{4F1F2598-CD9E-4308-8C1F-F0CAB254D96E}" type="datetimeFigureOut">
               <a:rPr lang="en-US" smtClean="0"/>
-              <a:t>2/8/22</a:t>
+              <a:t>2/22/22</a:t>
             </a:fld>
             <a:endParaRPr lang="en-US"/>
           </a:p>
@@ -43530,7 +43530,7 @@
         </p:nvSpPr>
         <p:spPr>
           <a:xfrm>
-            <a:off x="6416772" y="3527110"/>
+            <a:off x="6383170" y="3509919"/>
             <a:ext cx="1611853" cy="276999"/>
           </a:xfrm>
           <a:prstGeom prst="rect">

--- a/day-1/Using Kubernetes Day 1.pptx
+++ b/day-1/Using Kubernetes Day 1.pptx
@@ -283,7 +283,7 @@
           <a:p>
             <a:fld id="{4F1F2598-CD9E-4308-8C1F-F0CAB254D96E}" type="datetimeFigureOut">
               <a:rPr lang="en-US" smtClean="0"/>
-              <a:t>2/22/22</a:t>
+              <a:t>2/23/22</a:t>
             </a:fld>
             <a:endParaRPr lang="en-US"/>
           </a:p>
@@ -451,7 +451,7 @@
           <a:p>
             <a:fld id="{4F1F2598-CD9E-4308-8C1F-F0CAB254D96E}" type="datetimeFigureOut">
               <a:rPr lang="en-US" smtClean="0"/>
-              <a:t>2/22/22</a:t>
+              <a:t>2/23/22</a:t>
             </a:fld>
             <a:endParaRPr lang="en-US"/>
           </a:p>
@@ -629,7 +629,7 @@
           <a:p>
             <a:fld id="{4F1F2598-CD9E-4308-8C1F-F0CAB254D96E}" type="datetimeFigureOut">
               <a:rPr lang="en-US" smtClean="0"/>
-              <a:t>2/22/22</a:t>
+              <a:t>2/23/22</a:t>
             </a:fld>
             <a:endParaRPr lang="en-US"/>
           </a:p>
@@ -797,7 +797,7 @@
           <a:p>
             <a:fld id="{4F1F2598-CD9E-4308-8C1F-F0CAB254D96E}" type="datetimeFigureOut">
               <a:rPr lang="en-US" smtClean="0"/>
-              <a:t>2/22/22</a:t>
+              <a:t>2/23/22</a:t>
             </a:fld>
             <a:endParaRPr lang="en-US"/>
           </a:p>
@@ -1042,7 +1042,7 @@
           <a:p>
             <a:fld id="{4F1F2598-CD9E-4308-8C1F-F0CAB254D96E}" type="datetimeFigureOut">
               <a:rPr lang="en-US" smtClean="0"/>
-              <a:t>2/22/22</a:t>
+              <a:t>2/23/22</a:t>
             </a:fld>
             <a:endParaRPr lang="en-US"/>
           </a:p>
@@ -1271,7 +1271,7 @@
           <a:p>
             <a:fld id="{4F1F2598-CD9E-4308-8C1F-F0CAB254D96E}" type="datetimeFigureOut">
               <a:rPr lang="en-US" smtClean="0"/>
-              <a:t>2/22/22</a:t>
+              <a:t>2/23/22</a:t>
             </a:fld>
             <a:endParaRPr lang="en-US"/>
           </a:p>
@@ -1635,7 +1635,7 @@
           <a:p>
             <a:fld id="{4F1F2598-CD9E-4308-8C1F-F0CAB254D96E}" type="datetimeFigureOut">
               <a:rPr lang="en-US" smtClean="0"/>
-              <a:t>2/22/22</a:t>
+              <a:t>2/23/22</a:t>
             </a:fld>
             <a:endParaRPr lang="en-US"/>
           </a:p>
@@ -1752,7 +1752,7 @@
           <a:p>
             <a:fld id="{4F1F2598-CD9E-4308-8C1F-F0CAB254D96E}" type="datetimeFigureOut">
               <a:rPr lang="en-US" smtClean="0"/>
-              <a:t>2/22/22</a:t>
+              <a:t>2/23/22</a:t>
             </a:fld>
             <a:endParaRPr lang="en-US"/>
           </a:p>
@@ -1847,7 +1847,7 @@
           <a:p>
             <a:fld id="{4F1F2598-CD9E-4308-8C1F-F0CAB254D96E}" type="datetimeFigureOut">
               <a:rPr lang="en-US" smtClean="0"/>
-              <a:t>2/22/22</a:t>
+              <a:t>2/23/22</a:t>
             </a:fld>
             <a:endParaRPr lang="en-US"/>
           </a:p>
@@ -2122,7 +2122,7 @@
           <a:p>
             <a:fld id="{4F1F2598-CD9E-4308-8C1F-F0CAB254D96E}" type="datetimeFigureOut">
               <a:rPr lang="en-US" smtClean="0"/>
-              <a:t>2/22/22</a:t>
+              <a:t>2/23/22</a:t>
             </a:fld>
             <a:endParaRPr lang="en-US"/>
           </a:p>
@@ -2374,7 +2374,7 @@
           <a:p>
             <a:fld id="{4F1F2598-CD9E-4308-8C1F-F0CAB254D96E}" type="datetimeFigureOut">
               <a:rPr lang="en-US" smtClean="0"/>
-              <a:t>2/22/22</a:t>
+              <a:t>2/23/22</a:t>
             </a:fld>
             <a:endParaRPr lang="en-US"/>
           </a:p>
@@ -2585,7 +2585,7 @@
           <a:p>
             <a:fld id="{4F1F2598-CD9E-4308-8C1F-F0CAB254D96E}" type="datetimeFigureOut">
               <a:rPr lang="en-US" smtClean="0"/>
-              <a:t>2/22/22</a:t>
+              <a:t>2/23/22</a:t>
             </a:fld>
             <a:endParaRPr lang="en-US"/>
           </a:p>
@@ -42929,7 +42929,7 @@
         </p:nvSpPr>
         <p:spPr>
           <a:xfrm>
-            <a:off x="6570480" y="3760260"/>
+            <a:off x="6415119" y="3299531"/>
             <a:ext cx="949360" cy="593822"/>
           </a:xfrm>
           <a:prstGeom prst="cloudCallout">
@@ -43530,7 +43530,7 @@
         </p:nvSpPr>
         <p:spPr>
           <a:xfrm>
-            <a:off x="6383170" y="3509919"/>
+            <a:off x="6168841" y="3736878"/>
             <a:ext cx="1611853" cy="276999"/>
           </a:xfrm>
           <a:prstGeom prst="rect">
@@ -43562,8 +43562,8 @@
         </p:nvCxnSpPr>
         <p:spPr>
           <a:xfrm flipV="1">
-            <a:off x="7045160" y="2224636"/>
-            <a:ext cx="1953603" cy="1569576"/>
+            <a:off x="6889799" y="2224636"/>
+            <a:ext cx="2108964" cy="1108847"/>
           </a:xfrm>
           <a:prstGeom prst="straightConnector1">
             <a:avLst/>
@@ -43598,8 +43598,8 @@
         </p:nvCxnSpPr>
         <p:spPr>
           <a:xfrm>
-            <a:off x="6663299" y="4174587"/>
-            <a:ext cx="136925" cy="909470"/>
+            <a:off x="6507938" y="3713858"/>
+            <a:ext cx="292286" cy="1370199"/>
           </a:xfrm>
           <a:prstGeom prst="straightConnector1">
             <a:avLst/>

--- a/day-1/Using Kubernetes Day 1.pptx
+++ b/day-1/Using Kubernetes Day 1.pptx
@@ -17,37 +17,40 @@
     <p:sldId id="318" r:id="rId11"/>
     <p:sldId id="319" r:id="rId12"/>
     <p:sldId id="266" r:id="rId13"/>
-    <p:sldId id="258" r:id="rId14"/>
-    <p:sldId id="271" r:id="rId15"/>
-    <p:sldId id="262" r:id="rId16"/>
-    <p:sldId id="273" r:id="rId17"/>
-    <p:sldId id="320" r:id="rId18"/>
-    <p:sldId id="275" r:id="rId19"/>
-    <p:sldId id="276" r:id="rId20"/>
-    <p:sldId id="277" r:id="rId21"/>
-    <p:sldId id="283" r:id="rId22"/>
-    <p:sldId id="278" r:id="rId23"/>
-    <p:sldId id="280" r:id="rId24"/>
-    <p:sldId id="279" r:id="rId25"/>
-    <p:sldId id="281" r:id="rId26"/>
-    <p:sldId id="289" r:id="rId27"/>
-    <p:sldId id="282" r:id="rId28"/>
-    <p:sldId id="288" r:id="rId29"/>
-    <p:sldId id="290" r:id="rId30"/>
-    <p:sldId id="292" r:id="rId31"/>
-    <p:sldId id="291" r:id="rId32"/>
-    <p:sldId id="321" r:id="rId33"/>
-    <p:sldId id="263" r:id="rId34"/>
-    <p:sldId id="325" r:id="rId35"/>
-    <p:sldId id="294" r:id="rId36"/>
-    <p:sldId id="322" r:id="rId37"/>
-    <p:sldId id="296" r:id="rId38"/>
-    <p:sldId id="295" r:id="rId39"/>
-    <p:sldId id="297" r:id="rId40"/>
-    <p:sldId id="300" r:id="rId41"/>
-    <p:sldId id="301" r:id="rId42"/>
-    <p:sldId id="306" r:id="rId43"/>
-    <p:sldId id="305" r:id="rId44"/>
+    <p:sldId id="326" r:id="rId14"/>
+    <p:sldId id="327" r:id="rId15"/>
+    <p:sldId id="328" r:id="rId16"/>
+    <p:sldId id="258" r:id="rId17"/>
+    <p:sldId id="262" r:id="rId18"/>
+    <p:sldId id="273" r:id="rId19"/>
+    <p:sldId id="320" r:id="rId20"/>
+    <p:sldId id="275" r:id="rId21"/>
+    <p:sldId id="276" r:id="rId22"/>
+    <p:sldId id="277" r:id="rId23"/>
+    <p:sldId id="283" r:id="rId24"/>
+    <p:sldId id="278" r:id="rId25"/>
+    <p:sldId id="280" r:id="rId26"/>
+    <p:sldId id="279" r:id="rId27"/>
+    <p:sldId id="281" r:id="rId28"/>
+    <p:sldId id="289" r:id="rId29"/>
+    <p:sldId id="288" r:id="rId30"/>
+    <p:sldId id="290" r:id="rId31"/>
+    <p:sldId id="292" r:id="rId32"/>
+    <p:sldId id="291" r:id="rId33"/>
+    <p:sldId id="321" r:id="rId34"/>
+    <p:sldId id="263" r:id="rId35"/>
+    <p:sldId id="325" r:id="rId36"/>
+    <p:sldId id="329" r:id="rId37"/>
+    <p:sldId id="330" r:id="rId38"/>
+    <p:sldId id="294" r:id="rId39"/>
+    <p:sldId id="322" r:id="rId40"/>
+    <p:sldId id="296" r:id="rId41"/>
+    <p:sldId id="295" r:id="rId42"/>
+    <p:sldId id="297" r:id="rId43"/>
+    <p:sldId id="300" r:id="rId44"/>
+    <p:sldId id="301" r:id="rId45"/>
+    <p:sldId id="306" r:id="rId46"/>
+    <p:sldId id="305" r:id="rId47"/>
   </p:sldIdLst>
   <p:sldSz cx="12192000" cy="6858000"/>
   <p:notesSz cx="6858000" cy="9144000"/>
@@ -283,7 +286,7 @@
           <a:p>
             <a:fld id="{4F1F2598-CD9E-4308-8C1F-F0CAB254D96E}" type="datetimeFigureOut">
               <a:rPr lang="en-US" smtClean="0"/>
-              <a:t>2/23/22</a:t>
+              <a:t>5/21/2023</a:t>
             </a:fld>
             <a:endParaRPr lang="en-US"/>
           </a:p>
@@ -451,7 +454,7 @@
           <a:p>
             <a:fld id="{4F1F2598-CD9E-4308-8C1F-F0CAB254D96E}" type="datetimeFigureOut">
               <a:rPr lang="en-US" smtClean="0"/>
-              <a:t>2/23/22</a:t>
+              <a:t>5/21/2023</a:t>
             </a:fld>
             <a:endParaRPr lang="en-US"/>
           </a:p>
@@ -629,7 +632,7 @@
           <a:p>
             <a:fld id="{4F1F2598-CD9E-4308-8C1F-F0CAB254D96E}" type="datetimeFigureOut">
               <a:rPr lang="en-US" smtClean="0"/>
-              <a:t>2/23/22</a:t>
+              <a:t>5/21/2023</a:t>
             </a:fld>
             <a:endParaRPr lang="en-US"/>
           </a:p>
@@ -797,7 +800,7 @@
           <a:p>
             <a:fld id="{4F1F2598-CD9E-4308-8C1F-F0CAB254D96E}" type="datetimeFigureOut">
               <a:rPr lang="en-US" smtClean="0"/>
-              <a:t>2/23/22</a:t>
+              <a:t>5/21/2023</a:t>
             </a:fld>
             <a:endParaRPr lang="en-US"/>
           </a:p>
@@ -1042,7 +1045,7 @@
           <a:p>
             <a:fld id="{4F1F2598-CD9E-4308-8C1F-F0CAB254D96E}" type="datetimeFigureOut">
               <a:rPr lang="en-US" smtClean="0"/>
-              <a:t>2/23/22</a:t>
+              <a:t>5/21/2023</a:t>
             </a:fld>
             <a:endParaRPr lang="en-US"/>
           </a:p>
@@ -1271,7 +1274,7 @@
           <a:p>
             <a:fld id="{4F1F2598-CD9E-4308-8C1F-F0CAB254D96E}" type="datetimeFigureOut">
               <a:rPr lang="en-US" smtClean="0"/>
-              <a:t>2/23/22</a:t>
+              <a:t>5/21/2023</a:t>
             </a:fld>
             <a:endParaRPr lang="en-US"/>
           </a:p>
@@ -1635,7 +1638,7 @@
           <a:p>
             <a:fld id="{4F1F2598-CD9E-4308-8C1F-F0CAB254D96E}" type="datetimeFigureOut">
               <a:rPr lang="en-US" smtClean="0"/>
-              <a:t>2/23/22</a:t>
+              <a:t>5/21/2023</a:t>
             </a:fld>
             <a:endParaRPr lang="en-US"/>
           </a:p>
@@ -1752,7 +1755,7 @@
           <a:p>
             <a:fld id="{4F1F2598-CD9E-4308-8C1F-F0CAB254D96E}" type="datetimeFigureOut">
               <a:rPr lang="en-US" smtClean="0"/>
-              <a:t>2/23/22</a:t>
+              <a:t>5/21/2023</a:t>
             </a:fld>
             <a:endParaRPr lang="en-US"/>
           </a:p>
@@ -1847,7 +1850,7 @@
           <a:p>
             <a:fld id="{4F1F2598-CD9E-4308-8C1F-F0CAB254D96E}" type="datetimeFigureOut">
               <a:rPr lang="en-US" smtClean="0"/>
-              <a:t>2/23/22</a:t>
+              <a:t>5/21/2023</a:t>
             </a:fld>
             <a:endParaRPr lang="en-US"/>
           </a:p>
@@ -2122,7 +2125,7 @@
           <a:p>
             <a:fld id="{4F1F2598-CD9E-4308-8C1F-F0CAB254D96E}" type="datetimeFigureOut">
               <a:rPr lang="en-US" smtClean="0"/>
-              <a:t>2/23/22</a:t>
+              <a:t>5/21/2023</a:t>
             </a:fld>
             <a:endParaRPr lang="en-US"/>
           </a:p>
@@ -2374,7 +2377,7 @@
           <a:p>
             <a:fld id="{4F1F2598-CD9E-4308-8C1F-F0CAB254D96E}" type="datetimeFigureOut">
               <a:rPr lang="en-US" smtClean="0"/>
-              <a:t>2/23/22</a:t>
+              <a:t>5/21/2023</a:t>
             </a:fld>
             <a:endParaRPr lang="en-US"/>
           </a:p>
@@ -2585,7 +2588,7 @@
           <a:p>
             <a:fld id="{4F1F2598-CD9E-4308-8C1F-F0CAB254D96E}" type="datetimeFigureOut">
               <a:rPr lang="en-US" smtClean="0"/>
-              <a:t>2/23/22</a:t>
+              <a:t>5/21/2023</a:t>
             </a:fld>
             <a:endParaRPr lang="en-US"/>
           </a:p>
@@ -9764,7 +9767,7 @@
           <p:nvPr/>
         </p:nvPicPr>
         <p:blipFill>
-          <a:blip r:embed="rId2">
+          <a:blip r:embed="rId2" cstate="print">
             <a:duotone>
               <a:prstClr val="black"/>
               <a:schemeClr val="accent4">
@@ -10942,7 +10945,7 @@
           <p:nvPr/>
         </p:nvPicPr>
         <p:blipFill>
-          <a:blip r:embed="rId4">
+          <a:blip r:embed="rId4" cstate="print">
             <a:extLst>
               <a:ext uri="{28A0092B-C50C-407E-A947-70E740481C1C}">
                 <a14:useLocalDpi xmlns:a14="http://schemas.microsoft.com/office/drawing/2010/main" val="0"/>
@@ -11129,7 +11132,13 @@
       </p:grpSpPr>
       <p:sp>
         <p:nvSpPr>
-          <p:cNvPr id="2" name="Title 1"/>
+          <p:cNvPr id="2" name="Title 1">
+            <a:extLst>
+              <a:ext uri="{FF2B5EF4-FFF2-40B4-BE49-F238E27FC236}">
+                <a16:creationId xmlns:a16="http://schemas.microsoft.com/office/drawing/2014/main" id="{C432A62A-8CA3-D368-C67D-AB1B7E88605F}"/>
+              </a:ext>
+            </a:extLst>
+          </p:cNvPr>
           <p:cNvSpPr>
             <a:spLocks noGrp="1"/>
           </p:cNvSpPr>
@@ -11142,16 +11151,30 @@
           <a:bodyPr/>
           <a:lstStyle/>
           <a:p>
+            <a:pPr algn="ctr"/>
             <a:r>
-              <a:rPr lang="en-US" b="1" dirty="0"/>
-              <a:t>Containers Benefits </a:t>
+              <a:rPr lang="en-US" b="1" i="0" dirty="0">
+                <a:solidFill>
+                  <a:srgbClr val="333333"/>
+                </a:solidFill>
+                <a:effectLst/>
+                <a:latin typeface="var(--r-heading-font)"/>
+              </a:rPr>
+              <a:t>Docker</a:t>
             </a:r>
-          </a:p>
-        </p:txBody>
-      </p:sp>
-      <p:sp>
-        <p:nvSpPr>
-          <p:cNvPr id="3" name="Content Placeholder 2"/>
+            <a:endParaRPr lang="en-US" dirty="0"/>
+          </a:p>
+        </p:txBody>
+      </p:sp>
+      <p:sp>
+        <p:nvSpPr>
+          <p:cNvPr id="3" name="Content Placeholder 2">
+            <a:extLst>
+              <a:ext uri="{FF2B5EF4-FFF2-40B4-BE49-F238E27FC236}">
+                <a16:creationId xmlns:a16="http://schemas.microsoft.com/office/drawing/2014/main" id="{C937C093-0264-C11E-EBC6-C35C790EF7DC}"/>
+              </a:ext>
+            </a:extLst>
+          </p:cNvPr>
           <p:cNvSpPr>
             <a:spLocks noGrp="1"/>
           </p:cNvSpPr>
@@ -11166,42 +11189,33 @@
           <a:p>
             <a:r>
               <a:rPr lang="en-US" dirty="0"/>
-              <a:t>Loosely coupled, distributed, elastic, liberated micro-services</a:t>
+              <a:t>Docker is a container OS-level virtualization</a:t>
             </a:r>
           </a:p>
           <a:p>
             <a:r>
               <a:rPr lang="en-US" dirty="0"/>
-              <a:t>Application-centric management</a:t>
+              <a:t>Container use multiple isolated user space instances</a:t>
             </a:r>
           </a:p>
           <a:p>
             <a:r>
               <a:rPr lang="en-US" dirty="0"/>
-              <a:t>Environmental consistency across development, testing, and production</a:t>
+              <a:t>In this way we can run multiple applications on same OS, while each application can only see the container's contents and devices</a:t>
             </a:r>
           </a:p>
           <a:p>
             <a:r>
               <a:rPr lang="en-US" dirty="0"/>
-              <a:t>Continuous development, integration, and deployment</a:t>
+              <a:t>Docker images become container when they run on docker engine</a:t>
             </a:r>
-          </a:p>
-          <a:p>
-            <a:r>
-              <a:rPr lang="en-US" dirty="0"/>
-              <a:t>Resource isolation</a:t>
-            </a:r>
-          </a:p>
-          <a:p>
-            <a:endParaRPr lang="en-US" dirty="0"/>
           </a:p>
         </p:txBody>
       </p:sp>
     </p:spTree>
     <p:extLst>
       <p:ext uri="{BB962C8B-B14F-4D97-AF65-F5344CB8AC3E}">
-        <p14:creationId xmlns:p14="http://schemas.microsoft.com/office/powerpoint/2010/main" val="1635870719"/>
+        <p14:creationId xmlns:p14="http://schemas.microsoft.com/office/powerpoint/2010/main" val="1712282421"/>
       </p:ext>
     </p:extLst>
   </p:cSld>
@@ -11230,7 +11244,13 @@
       </p:grpSpPr>
       <p:sp>
         <p:nvSpPr>
-          <p:cNvPr id="2" name="Title 1"/>
+          <p:cNvPr id="2" name="Title 1">
+            <a:extLst>
+              <a:ext uri="{FF2B5EF4-FFF2-40B4-BE49-F238E27FC236}">
+                <a16:creationId xmlns:a16="http://schemas.microsoft.com/office/drawing/2014/main" id="{DE4099A7-5053-D806-DD12-FB351C968543}"/>
+              </a:ext>
+            </a:extLst>
+          </p:cNvPr>
           <p:cNvSpPr>
             <a:spLocks noGrp="1"/>
           </p:cNvSpPr>
@@ -11238,26 +11258,35 @@
             <p:ph type="title"/>
           </p:nvPr>
         </p:nvSpPr>
-        <p:spPr/>
-        <p:txBody>
-          <a:bodyPr/>
-          <a:lstStyle/>
-          <a:p>
+        <p:spPr>
+          <a:xfrm>
+            <a:off x="838200" y="365125"/>
+            <a:ext cx="10515600" cy="668545"/>
+          </a:xfrm>
+        </p:spPr>
+        <p:txBody>
+          <a:bodyPr>
+            <a:normAutofit fontScale="90000"/>
+          </a:bodyPr>
+          <a:lstStyle/>
+          <a:p>
+            <a:pPr algn="ctr"/>
             <a:r>
               <a:rPr lang="en-US" dirty="0"/>
-              <a:t>Monolithic – Service Oriented - </a:t>
+              <a:t>VM vs Docker</a:t>
             </a:r>
-            <a:r>
-              <a:rPr lang="en-US" dirty="0" err="1"/>
-              <a:t>Microservices</a:t>
-            </a:r>
-            <a:endParaRPr lang="en-US" dirty="0"/>
           </a:p>
         </p:txBody>
       </p:sp>
       <p:pic>
         <p:nvPicPr>
-          <p:cNvPr id="4" name="Content Placeholder 3"/>
+          <p:cNvPr id="5" name="Content Placeholder 4" descr="A screenshot of a computer application&#10;&#10;Description automatically generated with low confidence">
+            <a:extLst>
+              <a:ext uri="{FF2B5EF4-FFF2-40B4-BE49-F238E27FC236}">
+                <a16:creationId xmlns:a16="http://schemas.microsoft.com/office/drawing/2014/main" id="{78432420-D6A0-D078-DB7D-3A81D87104D7}"/>
+              </a:ext>
+            </a:extLst>
+          </p:cNvPr>
           <p:cNvPicPr>
             <a:picLocks noGrp="1" noChangeAspect="1"/>
           </p:cNvPicPr>
@@ -11279,15 +11308,15 @@
         </p:blipFill>
         <p:spPr>
           <a:xfrm>
-            <a:off x="788704" y="1690688"/>
-            <a:ext cx="10888633" cy="4740519"/>
+            <a:off x="1717154" y="1130185"/>
+            <a:ext cx="9019361" cy="5073391"/>
           </a:xfrm>
         </p:spPr>
       </p:pic>
     </p:spTree>
     <p:extLst>
       <p:ext uri="{BB962C8B-B14F-4D97-AF65-F5344CB8AC3E}">
-        <p14:creationId xmlns:p14="http://schemas.microsoft.com/office/powerpoint/2010/main" val="2488530448"/>
+        <p14:creationId xmlns:p14="http://schemas.microsoft.com/office/powerpoint/2010/main" val="3389437613"/>
       </p:ext>
     </p:extLst>
   </p:cSld>
@@ -11298,6 +11327,281 @@
 </file>
 
 <file path=ppt/slides/slide15.xml><?xml version="1.0" encoding="utf-8"?>
+<p:sld xmlns:a="http://schemas.openxmlformats.org/drawingml/2006/main" xmlns:r="http://schemas.openxmlformats.org/officeDocument/2006/relationships" xmlns:p="http://schemas.openxmlformats.org/presentationml/2006/main">
+  <p:cSld>
+    <p:bg>
+      <p:bgPr>
+        <a:solidFill>
+          <a:schemeClr val="bg1"/>
+        </a:solidFill>
+        <a:effectLst/>
+      </p:bgPr>
+    </p:bg>
+    <p:spTree>
+      <p:nvGrpSpPr>
+        <p:cNvPr id="1" name=""/>
+        <p:cNvGrpSpPr/>
+        <p:nvPr/>
+      </p:nvGrpSpPr>
+      <p:grpSpPr>
+        <a:xfrm>
+          <a:off x="0" y="0"/>
+          <a:ext cx="0" cy="0"/>
+          <a:chOff x="0" y="0"/>
+          <a:chExt cx="0" cy="0"/>
+        </a:xfrm>
+      </p:grpSpPr>
+      <p:sp>
+        <p:nvSpPr>
+          <p:cNvPr id="12" name="Rectangle 11">
+            <a:extLst>
+              <a:ext uri="{FF2B5EF4-FFF2-40B4-BE49-F238E27FC236}">
+                <a16:creationId xmlns:a16="http://schemas.microsoft.com/office/drawing/2014/main" id="{A4AC5506-6312-4701-8D3C-40187889A947}"/>
+              </a:ext>
+              <a:ext uri="{C183D7F6-B498-43B3-948B-1728B52AA6E4}">
+                <adec:decorative xmlns:adec="http://schemas.microsoft.com/office/drawing/2017/decorative" val="1"/>
+              </a:ext>
+            </a:extLst>
+          </p:cNvPr>
+          <p:cNvSpPr>
+            <a:spLocks noGrp="1" noRot="1" noChangeAspect="1" noMove="1" noResize="1" noEditPoints="1" noAdjustHandles="1" noChangeArrowheads="1" noChangeShapeType="1" noTextEdit="1"/>
+          </p:cNvSpPr>
+          <p:nvPr>
+            <p:extLst>
+              <p:ext uri="{386F3935-93C4-4BCD-93E2-E3B085C9AB24}">
+                <p16:designElem xmlns:p16="http://schemas.microsoft.com/office/powerpoint/2015/main" val="1"/>
+              </p:ext>
+            </p:extLst>
+          </p:nvPr>
+        </p:nvSpPr>
+        <p:spPr>
+          <a:xfrm>
+            <a:off x="0" y="651752"/>
+            <a:ext cx="12192000" cy="736551"/>
+          </a:xfrm>
+          <a:prstGeom prst="rect">
+            <a:avLst/>
+          </a:prstGeom>
+          <a:solidFill>
+            <a:schemeClr val="tx1"/>
+          </a:solidFill>
+          <a:ln>
+            <a:noFill/>
+          </a:ln>
+        </p:spPr>
+        <p:style>
+          <a:lnRef idx="2">
+            <a:schemeClr val="accent1">
+              <a:shade val="50000"/>
+            </a:schemeClr>
+          </a:lnRef>
+          <a:fillRef idx="1">
+            <a:schemeClr val="accent1"/>
+          </a:fillRef>
+          <a:effectRef idx="0">
+            <a:schemeClr val="accent1"/>
+          </a:effectRef>
+          <a:fontRef idx="minor">
+            <a:schemeClr val="lt1"/>
+          </a:fontRef>
+        </p:style>
+        <p:txBody>
+          <a:bodyPr rtlCol="0" anchor="ctr"/>
+          <a:lstStyle/>
+          <a:p>
+            <a:pPr algn="ctr"/>
+            <a:endParaRPr lang="en-US"/>
+          </a:p>
+        </p:txBody>
+      </p:sp>
+      <p:sp>
+        <p:nvSpPr>
+          <p:cNvPr id="2" name="Title 1">
+            <a:extLst>
+              <a:ext uri="{FF2B5EF4-FFF2-40B4-BE49-F238E27FC236}">
+                <a16:creationId xmlns:a16="http://schemas.microsoft.com/office/drawing/2014/main" id="{A37CCDDF-935A-D58C-AC66-A4187882DE18}"/>
+              </a:ext>
+            </a:extLst>
+          </p:cNvPr>
+          <p:cNvSpPr>
+            <a:spLocks noGrp="1"/>
+          </p:cNvSpPr>
+          <p:nvPr>
+            <p:ph type="title"/>
+          </p:nvPr>
+        </p:nvSpPr>
+        <p:spPr>
+          <a:xfrm>
+            <a:off x="556532" y="643467"/>
+            <a:ext cx="11210925" cy="744836"/>
+          </a:xfrm>
+        </p:spPr>
+        <p:txBody>
+          <a:bodyPr vert="horz" lIns="91440" tIns="45720" rIns="91440" bIns="45720" rtlCol="0" anchor="ctr">
+            <a:normAutofit/>
+          </a:bodyPr>
+          <a:lstStyle/>
+          <a:p>
+            <a:pPr algn="ctr"/>
+            <a:r>
+              <a:rPr lang="en-US" sz="3200" kern="1200">
+                <a:solidFill>
+                  <a:schemeClr val="bg1"/>
+                </a:solidFill>
+                <a:latin typeface="+mj-lt"/>
+                <a:ea typeface="+mj-ea"/>
+                <a:cs typeface="+mj-cs"/>
+              </a:rPr>
+              <a:t>Dockerfile</a:t>
+            </a:r>
+          </a:p>
+        </p:txBody>
+      </p:sp>
+      <p:pic>
+        <p:nvPicPr>
+          <p:cNvPr id="7" name="Picture 6">
+            <a:extLst>
+              <a:ext uri="{FF2B5EF4-FFF2-40B4-BE49-F238E27FC236}">
+                <a16:creationId xmlns:a16="http://schemas.microsoft.com/office/drawing/2014/main" id="{C01DB1ED-0E5D-1243-EC69-A9E8D8D5BD17}"/>
+              </a:ext>
+            </a:extLst>
+          </p:cNvPr>
+          <p:cNvPicPr>
+            <a:picLocks noChangeAspect="1"/>
+          </p:cNvPicPr>
+          <p:nvPr/>
+        </p:nvPicPr>
+        <p:blipFill>
+          <a:blip r:embed="rId2"/>
+          <a:stretch>
+            <a:fillRect/>
+          </a:stretch>
+        </p:blipFill>
+        <p:spPr>
+          <a:xfrm>
+            <a:off x="643467" y="1759470"/>
+            <a:ext cx="10905066" cy="4225712"/>
+          </a:xfrm>
+          <a:prstGeom prst="rect">
+            <a:avLst/>
+          </a:prstGeom>
+        </p:spPr>
+      </p:pic>
+    </p:spTree>
+    <p:extLst>
+      <p:ext uri="{BB962C8B-B14F-4D97-AF65-F5344CB8AC3E}">
+        <p14:creationId xmlns:p14="http://schemas.microsoft.com/office/powerpoint/2010/main" val="317422797"/>
+      </p:ext>
+    </p:extLst>
+  </p:cSld>
+  <p:clrMapOvr>
+    <a:masterClrMapping/>
+  </p:clrMapOvr>
+</p:sld>
+</file>
+
+<file path=ppt/slides/slide16.xml><?xml version="1.0" encoding="utf-8"?>
+<p:sld xmlns:a="http://schemas.openxmlformats.org/drawingml/2006/main" xmlns:r="http://schemas.openxmlformats.org/officeDocument/2006/relationships" xmlns:p="http://schemas.openxmlformats.org/presentationml/2006/main">
+  <p:cSld>
+    <p:spTree>
+      <p:nvGrpSpPr>
+        <p:cNvPr id="1" name=""/>
+        <p:cNvGrpSpPr/>
+        <p:nvPr/>
+      </p:nvGrpSpPr>
+      <p:grpSpPr>
+        <a:xfrm>
+          <a:off x="0" y="0"/>
+          <a:ext cx="0" cy="0"/>
+          <a:chOff x="0" y="0"/>
+          <a:chExt cx="0" cy="0"/>
+        </a:xfrm>
+      </p:grpSpPr>
+      <p:sp>
+        <p:nvSpPr>
+          <p:cNvPr id="2" name="Title 1"/>
+          <p:cNvSpPr>
+            <a:spLocks noGrp="1"/>
+          </p:cNvSpPr>
+          <p:nvPr>
+            <p:ph type="title"/>
+          </p:nvPr>
+        </p:nvSpPr>
+        <p:spPr/>
+        <p:txBody>
+          <a:bodyPr/>
+          <a:lstStyle/>
+          <a:p>
+            <a:r>
+              <a:rPr lang="en-US" b="1" dirty="0"/>
+              <a:t>Containers Benefits </a:t>
+            </a:r>
+          </a:p>
+        </p:txBody>
+      </p:sp>
+      <p:sp>
+        <p:nvSpPr>
+          <p:cNvPr id="3" name="Content Placeholder 2"/>
+          <p:cNvSpPr>
+            <a:spLocks noGrp="1"/>
+          </p:cNvSpPr>
+          <p:nvPr>
+            <p:ph idx="1"/>
+          </p:nvPr>
+        </p:nvSpPr>
+        <p:spPr/>
+        <p:txBody>
+          <a:bodyPr/>
+          <a:lstStyle/>
+          <a:p>
+            <a:r>
+              <a:rPr lang="en-US" dirty="0"/>
+              <a:t>Loosely coupled, distributed, elastic, liberated micro-services</a:t>
+            </a:r>
+          </a:p>
+          <a:p>
+            <a:r>
+              <a:rPr lang="en-US" dirty="0"/>
+              <a:t>Application-centric management</a:t>
+            </a:r>
+          </a:p>
+          <a:p>
+            <a:r>
+              <a:rPr lang="en-US" dirty="0"/>
+              <a:t>Environmental consistency across development, testing, and production</a:t>
+            </a:r>
+          </a:p>
+          <a:p>
+            <a:r>
+              <a:rPr lang="en-US" dirty="0"/>
+              <a:t>Continuous development, integration, and deployment</a:t>
+            </a:r>
+          </a:p>
+          <a:p>
+            <a:r>
+              <a:rPr lang="en-US" dirty="0"/>
+              <a:t>Resource isolation</a:t>
+            </a:r>
+          </a:p>
+          <a:p>
+            <a:endParaRPr lang="en-US" dirty="0"/>
+          </a:p>
+        </p:txBody>
+      </p:sp>
+    </p:spTree>
+    <p:extLst>
+      <p:ext uri="{BB962C8B-B14F-4D97-AF65-F5344CB8AC3E}">
+        <p14:creationId xmlns:p14="http://schemas.microsoft.com/office/powerpoint/2010/main" val="1635870719"/>
+      </p:ext>
+    </p:extLst>
+  </p:cSld>
+  <p:clrMapOvr>
+    <a:masterClrMapping/>
+  </p:clrMapOvr>
+</p:sld>
+</file>
+
+<file path=ppt/slides/slide17.xml><?xml version="1.0" encoding="utf-8"?>
 <p:sld xmlns:a="http://schemas.openxmlformats.org/drawingml/2006/main" xmlns:r="http://schemas.openxmlformats.org/officeDocument/2006/relationships" xmlns:p="http://schemas.openxmlformats.org/presentationml/2006/main">
   <p:cSld>
     <p:spTree>
@@ -11795,7 +12099,7 @@
 </p:sld>
 </file>
 
-<file path=ppt/slides/slide16.xml><?xml version="1.0" encoding="utf-8"?>
+<file path=ppt/slides/slide18.xml><?xml version="1.0" encoding="utf-8"?>
 <p:sld xmlns:a="http://schemas.openxmlformats.org/drawingml/2006/main" xmlns:r="http://schemas.openxmlformats.org/officeDocument/2006/relationships" xmlns:p="http://schemas.openxmlformats.org/presentationml/2006/main">
   <p:cSld>
     <p:spTree>
@@ -12126,7 +12430,7 @@
 </p:sld>
 </file>
 
-<file path=ppt/slides/slide17.xml><?xml version="1.0" encoding="utf-8"?>
+<file path=ppt/slides/slide19.xml><?xml version="1.0" encoding="utf-8"?>
 <p:sld xmlns:a="http://schemas.openxmlformats.org/drawingml/2006/main" xmlns:r="http://schemas.openxmlformats.org/officeDocument/2006/relationships" xmlns:p="http://schemas.openxmlformats.org/presentationml/2006/main">
   <p:cSld>
     <p:spTree>
@@ -13348,7 +13652,340 @@
 </p:sld>
 </file>
 
-<file path=ppt/slides/slide18.xml><?xml version="1.0" encoding="utf-8"?>
+<file path=ppt/slides/slide2.xml><?xml version="1.0" encoding="utf-8"?>
+<p:sld xmlns:a="http://schemas.openxmlformats.org/drawingml/2006/main" xmlns:r="http://schemas.openxmlformats.org/officeDocument/2006/relationships" xmlns:p="http://schemas.openxmlformats.org/presentationml/2006/main">
+  <p:cSld>
+    <p:spTree>
+      <p:nvGrpSpPr>
+        <p:cNvPr id="1" name=""/>
+        <p:cNvGrpSpPr/>
+        <p:nvPr/>
+      </p:nvGrpSpPr>
+      <p:grpSpPr>
+        <a:xfrm>
+          <a:off x="0" y="0"/>
+          <a:ext cx="0" cy="0"/>
+          <a:chOff x="0" y="0"/>
+          <a:chExt cx="0" cy="0"/>
+        </a:xfrm>
+      </p:grpSpPr>
+      <p:sp>
+        <p:nvSpPr>
+          <p:cNvPr id="2" name="Title 1"/>
+          <p:cNvSpPr>
+            <a:spLocks noGrp="1"/>
+          </p:cNvSpPr>
+          <p:nvPr>
+            <p:ph type="title"/>
+          </p:nvPr>
+        </p:nvSpPr>
+        <p:spPr/>
+        <p:txBody>
+          <a:bodyPr/>
+          <a:lstStyle/>
+          <a:p>
+            <a:r>
+              <a:rPr lang="en-US" dirty="0"/>
+              <a:t>Agenda</a:t>
+            </a:r>
+          </a:p>
+        </p:txBody>
+      </p:sp>
+      <p:sp>
+        <p:nvSpPr>
+          <p:cNvPr id="5" name="Rectangle 4"/>
+          <p:cNvSpPr/>
+          <p:nvPr/>
+        </p:nvSpPr>
+        <p:spPr>
+          <a:xfrm>
+            <a:off x="838200" y="1690687"/>
+            <a:ext cx="5171090" cy="957919"/>
+          </a:xfrm>
+          <a:prstGeom prst="rect">
+            <a:avLst/>
+          </a:prstGeom>
+        </p:spPr>
+        <p:style>
+          <a:lnRef idx="2">
+            <a:schemeClr val="accent1">
+              <a:shade val="50000"/>
+            </a:schemeClr>
+          </a:lnRef>
+          <a:fillRef idx="1">
+            <a:schemeClr val="accent1"/>
+          </a:fillRef>
+          <a:effectRef idx="0">
+            <a:schemeClr val="accent1"/>
+          </a:effectRef>
+          <a:fontRef idx="minor">
+            <a:schemeClr val="lt1"/>
+          </a:fontRef>
+        </p:style>
+        <p:txBody>
+          <a:bodyPr rtlCol="0" anchor="ctr"/>
+          <a:lstStyle/>
+          <a:p>
+            <a:pPr marL="457200" indent="-457200">
+              <a:buFont typeface="Arial" panose="020B0604020202020204" pitchFamily="34" charset="0"/>
+              <a:buChar char="•"/>
+            </a:pPr>
+            <a:r>
+              <a:rPr lang="en-US" sz="2800" dirty="0" err="1"/>
+              <a:t>Microservices</a:t>
+            </a:r>
+            <a:r>
+              <a:rPr lang="en-US" sz="2800" dirty="0"/>
+              <a:t> Architecture</a:t>
+            </a:r>
+          </a:p>
+        </p:txBody>
+      </p:sp>
+      <p:sp>
+        <p:nvSpPr>
+          <p:cNvPr id="7" name="Rectangle 6"/>
+          <p:cNvSpPr/>
+          <p:nvPr/>
+        </p:nvSpPr>
+        <p:spPr>
+          <a:xfrm>
+            <a:off x="838200" y="2953187"/>
+            <a:ext cx="5171090" cy="1051252"/>
+          </a:xfrm>
+          <a:prstGeom prst="rect">
+            <a:avLst/>
+          </a:prstGeom>
+        </p:spPr>
+        <p:style>
+          <a:lnRef idx="2">
+            <a:schemeClr val="accent1">
+              <a:shade val="50000"/>
+            </a:schemeClr>
+          </a:lnRef>
+          <a:fillRef idx="1">
+            <a:schemeClr val="accent1"/>
+          </a:fillRef>
+          <a:effectRef idx="0">
+            <a:schemeClr val="accent1"/>
+          </a:effectRef>
+          <a:fontRef idx="minor">
+            <a:schemeClr val="lt1"/>
+          </a:fontRef>
+        </p:style>
+        <p:txBody>
+          <a:bodyPr rtlCol="0" anchor="ctr"/>
+          <a:lstStyle/>
+          <a:p>
+            <a:pPr marL="457200" indent="-457200">
+              <a:buFont typeface="Arial" panose="020B0604020202020204" pitchFamily="34" charset="0"/>
+              <a:buChar char="•"/>
+            </a:pPr>
+            <a:r>
+              <a:rPr lang="en-US" sz="2800" dirty="0"/>
+              <a:t>What is Kubernetes?</a:t>
+            </a:r>
+          </a:p>
+        </p:txBody>
+      </p:sp>
+      <p:sp>
+        <p:nvSpPr>
+          <p:cNvPr id="8" name="Rectangle 7"/>
+          <p:cNvSpPr/>
+          <p:nvPr/>
+        </p:nvSpPr>
+        <p:spPr>
+          <a:xfrm>
+            <a:off x="838200" y="1690687"/>
+            <a:ext cx="5171090" cy="957919"/>
+          </a:xfrm>
+          <a:prstGeom prst="rect">
+            <a:avLst/>
+          </a:prstGeom>
+          <a:solidFill>
+            <a:schemeClr val="accent4">
+              <a:lumMod val="60000"/>
+              <a:lumOff val="40000"/>
+            </a:schemeClr>
+          </a:solidFill>
+          <a:ln>
+            <a:solidFill>
+              <a:srgbClr val="FF0000"/>
+            </a:solidFill>
+          </a:ln>
+        </p:spPr>
+        <p:style>
+          <a:lnRef idx="2">
+            <a:schemeClr val="accent1">
+              <a:shade val="50000"/>
+            </a:schemeClr>
+          </a:lnRef>
+          <a:fillRef idx="1">
+            <a:schemeClr val="accent1"/>
+          </a:fillRef>
+          <a:effectRef idx="0">
+            <a:schemeClr val="accent1"/>
+          </a:effectRef>
+          <a:fontRef idx="minor">
+            <a:schemeClr val="lt1"/>
+          </a:fontRef>
+        </p:style>
+        <p:txBody>
+          <a:bodyPr rtlCol="0" anchor="ctr"/>
+          <a:lstStyle/>
+          <a:p>
+            <a:pPr marL="457200" indent="-457200">
+              <a:buFont typeface="Arial" panose="020B0604020202020204" pitchFamily="34" charset="0"/>
+              <a:buChar char="•"/>
+            </a:pPr>
+            <a:r>
+              <a:rPr lang="en-US" sz="2800" dirty="0" err="1"/>
+              <a:t>Microservices</a:t>
+            </a:r>
+            <a:r>
+              <a:rPr lang="en-US" sz="2800" dirty="0"/>
+              <a:t> Architecture</a:t>
+            </a:r>
+          </a:p>
+        </p:txBody>
+      </p:sp>
+      <p:sp>
+        <p:nvSpPr>
+          <p:cNvPr id="6" name="Rectangle 5"/>
+          <p:cNvSpPr/>
+          <p:nvPr/>
+        </p:nvSpPr>
+        <p:spPr>
+          <a:xfrm>
+            <a:off x="838200" y="4240704"/>
+            <a:ext cx="5171090" cy="930383"/>
+          </a:xfrm>
+          <a:prstGeom prst="rect">
+            <a:avLst/>
+          </a:prstGeom>
+        </p:spPr>
+        <p:style>
+          <a:lnRef idx="2">
+            <a:schemeClr val="accent1">
+              <a:shade val="50000"/>
+            </a:schemeClr>
+          </a:lnRef>
+          <a:fillRef idx="1">
+            <a:schemeClr val="accent1"/>
+          </a:fillRef>
+          <a:effectRef idx="0">
+            <a:schemeClr val="accent1"/>
+          </a:effectRef>
+          <a:fontRef idx="minor">
+            <a:schemeClr val="lt1"/>
+          </a:fontRef>
+        </p:style>
+        <p:txBody>
+          <a:bodyPr rtlCol="0" anchor="ctr"/>
+          <a:lstStyle/>
+          <a:p>
+            <a:pPr marL="457200" indent="-457200">
+              <a:buFont typeface="Arial" panose="020B0604020202020204" pitchFamily="34" charset="0"/>
+              <a:buChar char="•"/>
+            </a:pPr>
+            <a:r>
+              <a:rPr lang="en-US" sz="2800" dirty="0"/>
+              <a:t>Kubernetes Basics</a:t>
+            </a:r>
+          </a:p>
+        </p:txBody>
+      </p:sp>
+    </p:spTree>
+    <p:extLst>
+      <p:ext uri="{BB962C8B-B14F-4D97-AF65-F5344CB8AC3E}">
+        <p14:creationId xmlns:p14="http://schemas.microsoft.com/office/powerpoint/2010/main" val="2753488275"/>
+      </p:ext>
+    </p:extLst>
+  </p:cSld>
+  <p:clrMapOvr>
+    <a:masterClrMapping/>
+  </p:clrMapOvr>
+  <p:timing>
+    <p:tnLst>
+      <p:par>
+        <p:cTn id="1" dur="indefinite" restart="never" nodeType="tmRoot">
+          <p:childTnLst>
+            <p:seq concurrent="1" nextAc="seek">
+              <p:cTn id="2" dur="indefinite" nodeType="mainSeq">
+                <p:childTnLst>
+                  <p:par>
+                    <p:cTn id="3" fill="hold">
+                      <p:stCondLst>
+                        <p:cond delay="indefinite"/>
+                      </p:stCondLst>
+                      <p:childTnLst>
+                        <p:par>
+                          <p:cTn id="4" fill="hold">
+                            <p:stCondLst>
+                              <p:cond delay="0"/>
+                            </p:stCondLst>
+                            <p:childTnLst>
+                              <p:par>
+                                <p:cTn id="5" presetID="1" presetClass="entr" presetSubtype="0" fill="hold" grpId="0" nodeType="clickEffect">
+                                  <p:stCondLst>
+                                    <p:cond delay="0"/>
+                                  </p:stCondLst>
+                                  <p:childTnLst>
+                                    <p:set>
+                                      <p:cBhvr>
+                                        <p:cTn id="6" dur="1" fill="hold">
+                                          <p:stCondLst>
+                                            <p:cond delay="0"/>
+                                          </p:stCondLst>
+                                        </p:cTn>
+                                        <p:tgtEl>
+                                          <p:spTgt spid="8"/>
+                                        </p:tgtEl>
+                                        <p:attrNameLst>
+                                          <p:attrName>style.visibility</p:attrName>
+                                        </p:attrNameLst>
+                                      </p:cBhvr>
+                                      <p:to>
+                                        <p:strVal val="visible"/>
+                                      </p:to>
+                                    </p:set>
+                                  </p:childTnLst>
+                                </p:cTn>
+                              </p:par>
+                            </p:childTnLst>
+                          </p:cTn>
+                        </p:par>
+                      </p:childTnLst>
+                    </p:cTn>
+                  </p:par>
+                </p:childTnLst>
+              </p:cTn>
+              <p:prevCondLst>
+                <p:cond evt="onPrev" delay="0">
+                  <p:tgtEl>
+                    <p:sldTgt/>
+                  </p:tgtEl>
+                </p:cond>
+              </p:prevCondLst>
+              <p:nextCondLst>
+                <p:cond evt="onNext" delay="0">
+                  <p:tgtEl>
+                    <p:sldTgt/>
+                  </p:tgtEl>
+                </p:cond>
+              </p:nextCondLst>
+            </p:seq>
+          </p:childTnLst>
+        </p:cTn>
+      </p:par>
+    </p:tnLst>
+    <p:bldLst>
+      <p:bldP spid="8" grpId="0" animBg="1"/>
+    </p:bldLst>
+  </p:timing>
+</p:sld>
+</file>
+
+<file path=ppt/slides/slide20.xml><?xml version="1.0" encoding="utf-8"?>
 <p:sld xmlns:a="http://schemas.openxmlformats.org/drawingml/2006/main" xmlns:r="http://schemas.openxmlformats.org/officeDocument/2006/relationships" xmlns:p="http://schemas.openxmlformats.org/presentationml/2006/main">
   <p:cSld>
     <p:spTree>
@@ -15013,7 +15650,7 @@
 </p:sld>
 </file>
 
-<file path=ppt/slides/slide19.xml><?xml version="1.0" encoding="utf-8"?>
+<file path=ppt/slides/slide21.xml><?xml version="1.0" encoding="utf-8"?>
 <p:sld xmlns:a="http://schemas.openxmlformats.org/drawingml/2006/main" xmlns:r="http://schemas.openxmlformats.org/officeDocument/2006/relationships" xmlns:p="http://schemas.openxmlformats.org/presentationml/2006/main">
   <p:cSld>
     <p:spTree>
@@ -18002,340 +18639,7 @@
 </p:sld>
 </file>
 
-<file path=ppt/slides/slide2.xml><?xml version="1.0" encoding="utf-8"?>
-<p:sld xmlns:a="http://schemas.openxmlformats.org/drawingml/2006/main" xmlns:r="http://schemas.openxmlformats.org/officeDocument/2006/relationships" xmlns:p="http://schemas.openxmlformats.org/presentationml/2006/main">
-  <p:cSld>
-    <p:spTree>
-      <p:nvGrpSpPr>
-        <p:cNvPr id="1" name=""/>
-        <p:cNvGrpSpPr/>
-        <p:nvPr/>
-      </p:nvGrpSpPr>
-      <p:grpSpPr>
-        <a:xfrm>
-          <a:off x="0" y="0"/>
-          <a:ext cx="0" cy="0"/>
-          <a:chOff x="0" y="0"/>
-          <a:chExt cx="0" cy="0"/>
-        </a:xfrm>
-      </p:grpSpPr>
-      <p:sp>
-        <p:nvSpPr>
-          <p:cNvPr id="2" name="Title 1"/>
-          <p:cNvSpPr>
-            <a:spLocks noGrp="1"/>
-          </p:cNvSpPr>
-          <p:nvPr>
-            <p:ph type="title"/>
-          </p:nvPr>
-        </p:nvSpPr>
-        <p:spPr/>
-        <p:txBody>
-          <a:bodyPr/>
-          <a:lstStyle/>
-          <a:p>
-            <a:r>
-              <a:rPr lang="en-US" dirty="0"/>
-              <a:t>Agenda</a:t>
-            </a:r>
-          </a:p>
-        </p:txBody>
-      </p:sp>
-      <p:sp>
-        <p:nvSpPr>
-          <p:cNvPr id="5" name="Rectangle 4"/>
-          <p:cNvSpPr/>
-          <p:nvPr/>
-        </p:nvSpPr>
-        <p:spPr>
-          <a:xfrm>
-            <a:off x="838200" y="1690687"/>
-            <a:ext cx="5171090" cy="957919"/>
-          </a:xfrm>
-          <a:prstGeom prst="rect">
-            <a:avLst/>
-          </a:prstGeom>
-        </p:spPr>
-        <p:style>
-          <a:lnRef idx="2">
-            <a:schemeClr val="accent1">
-              <a:shade val="50000"/>
-            </a:schemeClr>
-          </a:lnRef>
-          <a:fillRef idx="1">
-            <a:schemeClr val="accent1"/>
-          </a:fillRef>
-          <a:effectRef idx="0">
-            <a:schemeClr val="accent1"/>
-          </a:effectRef>
-          <a:fontRef idx="minor">
-            <a:schemeClr val="lt1"/>
-          </a:fontRef>
-        </p:style>
-        <p:txBody>
-          <a:bodyPr rtlCol="0" anchor="ctr"/>
-          <a:lstStyle/>
-          <a:p>
-            <a:pPr marL="457200" indent="-457200">
-              <a:buFont typeface="Arial" panose="020B0604020202020204" pitchFamily="34" charset="0"/>
-              <a:buChar char="•"/>
-            </a:pPr>
-            <a:r>
-              <a:rPr lang="en-US" sz="2800" dirty="0" err="1"/>
-              <a:t>Microservices</a:t>
-            </a:r>
-            <a:r>
-              <a:rPr lang="en-US" sz="2800" dirty="0"/>
-              <a:t> Architecture</a:t>
-            </a:r>
-          </a:p>
-        </p:txBody>
-      </p:sp>
-      <p:sp>
-        <p:nvSpPr>
-          <p:cNvPr id="7" name="Rectangle 6"/>
-          <p:cNvSpPr/>
-          <p:nvPr/>
-        </p:nvSpPr>
-        <p:spPr>
-          <a:xfrm>
-            <a:off x="838200" y="2953187"/>
-            <a:ext cx="5171090" cy="1051252"/>
-          </a:xfrm>
-          <a:prstGeom prst="rect">
-            <a:avLst/>
-          </a:prstGeom>
-        </p:spPr>
-        <p:style>
-          <a:lnRef idx="2">
-            <a:schemeClr val="accent1">
-              <a:shade val="50000"/>
-            </a:schemeClr>
-          </a:lnRef>
-          <a:fillRef idx="1">
-            <a:schemeClr val="accent1"/>
-          </a:fillRef>
-          <a:effectRef idx="0">
-            <a:schemeClr val="accent1"/>
-          </a:effectRef>
-          <a:fontRef idx="minor">
-            <a:schemeClr val="lt1"/>
-          </a:fontRef>
-        </p:style>
-        <p:txBody>
-          <a:bodyPr rtlCol="0" anchor="ctr"/>
-          <a:lstStyle/>
-          <a:p>
-            <a:pPr marL="457200" indent="-457200">
-              <a:buFont typeface="Arial" panose="020B0604020202020204" pitchFamily="34" charset="0"/>
-              <a:buChar char="•"/>
-            </a:pPr>
-            <a:r>
-              <a:rPr lang="en-US" sz="2800" dirty="0"/>
-              <a:t>What is Kubernetes?</a:t>
-            </a:r>
-          </a:p>
-        </p:txBody>
-      </p:sp>
-      <p:sp>
-        <p:nvSpPr>
-          <p:cNvPr id="8" name="Rectangle 7"/>
-          <p:cNvSpPr/>
-          <p:nvPr/>
-        </p:nvSpPr>
-        <p:spPr>
-          <a:xfrm>
-            <a:off x="838200" y="1690687"/>
-            <a:ext cx="5171090" cy="957919"/>
-          </a:xfrm>
-          <a:prstGeom prst="rect">
-            <a:avLst/>
-          </a:prstGeom>
-          <a:solidFill>
-            <a:schemeClr val="accent4">
-              <a:lumMod val="60000"/>
-              <a:lumOff val="40000"/>
-            </a:schemeClr>
-          </a:solidFill>
-          <a:ln>
-            <a:solidFill>
-              <a:srgbClr val="FF0000"/>
-            </a:solidFill>
-          </a:ln>
-        </p:spPr>
-        <p:style>
-          <a:lnRef idx="2">
-            <a:schemeClr val="accent1">
-              <a:shade val="50000"/>
-            </a:schemeClr>
-          </a:lnRef>
-          <a:fillRef idx="1">
-            <a:schemeClr val="accent1"/>
-          </a:fillRef>
-          <a:effectRef idx="0">
-            <a:schemeClr val="accent1"/>
-          </a:effectRef>
-          <a:fontRef idx="minor">
-            <a:schemeClr val="lt1"/>
-          </a:fontRef>
-        </p:style>
-        <p:txBody>
-          <a:bodyPr rtlCol="0" anchor="ctr"/>
-          <a:lstStyle/>
-          <a:p>
-            <a:pPr marL="457200" indent="-457200">
-              <a:buFont typeface="Arial" panose="020B0604020202020204" pitchFamily="34" charset="0"/>
-              <a:buChar char="•"/>
-            </a:pPr>
-            <a:r>
-              <a:rPr lang="en-US" sz="2800" dirty="0" err="1"/>
-              <a:t>Microservices</a:t>
-            </a:r>
-            <a:r>
-              <a:rPr lang="en-US" sz="2800" dirty="0"/>
-              <a:t> Architecture</a:t>
-            </a:r>
-          </a:p>
-        </p:txBody>
-      </p:sp>
-      <p:sp>
-        <p:nvSpPr>
-          <p:cNvPr id="6" name="Rectangle 5"/>
-          <p:cNvSpPr/>
-          <p:nvPr/>
-        </p:nvSpPr>
-        <p:spPr>
-          <a:xfrm>
-            <a:off x="838200" y="4240704"/>
-            <a:ext cx="5171090" cy="930383"/>
-          </a:xfrm>
-          <a:prstGeom prst="rect">
-            <a:avLst/>
-          </a:prstGeom>
-        </p:spPr>
-        <p:style>
-          <a:lnRef idx="2">
-            <a:schemeClr val="accent1">
-              <a:shade val="50000"/>
-            </a:schemeClr>
-          </a:lnRef>
-          <a:fillRef idx="1">
-            <a:schemeClr val="accent1"/>
-          </a:fillRef>
-          <a:effectRef idx="0">
-            <a:schemeClr val="accent1"/>
-          </a:effectRef>
-          <a:fontRef idx="minor">
-            <a:schemeClr val="lt1"/>
-          </a:fontRef>
-        </p:style>
-        <p:txBody>
-          <a:bodyPr rtlCol="0" anchor="ctr"/>
-          <a:lstStyle/>
-          <a:p>
-            <a:pPr marL="457200" indent="-457200">
-              <a:buFont typeface="Arial" panose="020B0604020202020204" pitchFamily="34" charset="0"/>
-              <a:buChar char="•"/>
-            </a:pPr>
-            <a:r>
-              <a:rPr lang="en-US" sz="2800" dirty="0"/>
-              <a:t>Kubernetes Basics</a:t>
-            </a:r>
-          </a:p>
-        </p:txBody>
-      </p:sp>
-    </p:spTree>
-    <p:extLst>
-      <p:ext uri="{BB962C8B-B14F-4D97-AF65-F5344CB8AC3E}">
-        <p14:creationId xmlns:p14="http://schemas.microsoft.com/office/powerpoint/2010/main" val="2753488275"/>
-      </p:ext>
-    </p:extLst>
-  </p:cSld>
-  <p:clrMapOvr>
-    <a:masterClrMapping/>
-  </p:clrMapOvr>
-  <p:timing>
-    <p:tnLst>
-      <p:par>
-        <p:cTn id="1" dur="indefinite" restart="never" nodeType="tmRoot">
-          <p:childTnLst>
-            <p:seq concurrent="1" nextAc="seek">
-              <p:cTn id="2" dur="indefinite" nodeType="mainSeq">
-                <p:childTnLst>
-                  <p:par>
-                    <p:cTn id="3" fill="hold">
-                      <p:stCondLst>
-                        <p:cond delay="indefinite"/>
-                      </p:stCondLst>
-                      <p:childTnLst>
-                        <p:par>
-                          <p:cTn id="4" fill="hold">
-                            <p:stCondLst>
-                              <p:cond delay="0"/>
-                            </p:stCondLst>
-                            <p:childTnLst>
-                              <p:par>
-                                <p:cTn id="5" presetID="1" presetClass="entr" presetSubtype="0" fill="hold" grpId="0" nodeType="clickEffect">
-                                  <p:stCondLst>
-                                    <p:cond delay="0"/>
-                                  </p:stCondLst>
-                                  <p:childTnLst>
-                                    <p:set>
-                                      <p:cBhvr>
-                                        <p:cTn id="6" dur="1" fill="hold">
-                                          <p:stCondLst>
-                                            <p:cond delay="0"/>
-                                          </p:stCondLst>
-                                        </p:cTn>
-                                        <p:tgtEl>
-                                          <p:spTgt spid="8"/>
-                                        </p:tgtEl>
-                                        <p:attrNameLst>
-                                          <p:attrName>style.visibility</p:attrName>
-                                        </p:attrNameLst>
-                                      </p:cBhvr>
-                                      <p:to>
-                                        <p:strVal val="visible"/>
-                                      </p:to>
-                                    </p:set>
-                                  </p:childTnLst>
-                                </p:cTn>
-                              </p:par>
-                            </p:childTnLst>
-                          </p:cTn>
-                        </p:par>
-                      </p:childTnLst>
-                    </p:cTn>
-                  </p:par>
-                </p:childTnLst>
-              </p:cTn>
-              <p:prevCondLst>
-                <p:cond evt="onPrev" delay="0">
-                  <p:tgtEl>
-                    <p:sldTgt/>
-                  </p:tgtEl>
-                </p:cond>
-              </p:prevCondLst>
-              <p:nextCondLst>
-                <p:cond evt="onNext" delay="0">
-                  <p:tgtEl>
-                    <p:sldTgt/>
-                  </p:tgtEl>
-                </p:cond>
-              </p:nextCondLst>
-            </p:seq>
-          </p:childTnLst>
-        </p:cTn>
-      </p:par>
-    </p:tnLst>
-    <p:bldLst>
-      <p:bldP spid="8" grpId="0" animBg="1"/>
-    </p:bldLst>
-  </p:timing>
-</p:sld>
-</file>
-
-<file path=ppt/slides/slide20.xml><?xml version="1.0" encoding="utf-8"?>
+<file path=ppt/slides/slide22.xml><?xml version="1.0" encoding="utf-8"?>
 <p:sld xmlns:a="http://schemas.openxmlformats.org/drawingml/2006/main" xmlns:r="http://schemas.openxmlformats.org/officeDocument/2006/relationships" xmlns:p="http://schemas.openxmlformats.org/presentationml/2006/main">
   <p:cSld>
     <p:spTree>
@@ -20160,7 +20464,7 @@
 </p:sld>
 </file>
 
-<file path=ppt/slides/slide21.xml><?xml version="1.0" encoding="utf-8"?>
+<file path=ppt/slides/slide23.xml><?xml version="1.0" encoding="utf-8"?>
 <p:sld xmlns:a="http://schemas.openxmlformats.org/drawingml/2006/main" xmlns:r="http://schemas.openxmlformats.org/officeDocument/2006/relationships" xmlns:p="http://schemas.openxmlformats.org/presentationml/2006/main">
   <p:cSld>
     <p:spTree>
@@ -21877,7 +22181,7 @@
 </p:sld>
 </file>
 
-<file path=ppt/slides/slide22.xml><?xml version="1.0" encoding="utf-8"?>
+<file path=ppt/slides/slide24.xml><?xml version="1.0" encoding="utf-8"?>
 <p:sld xmlns:a="http://schemas.openxmlformats.org/drawingml/2006/main" xmlns:r="http://schemas.openxmlformats.org/officeDocument/2006/relationships" xmlns:p="http://schemas.openxmlformats.org/presentationml/2006/main">
   <p:cSld>
     <p:spTree>
@@ -23594,7 +23898,7 @@
 </p:sld>
 </file>
 
-<file path=ppt/slides/slide23.xml><?xml version="1.0" encoding="utf-8"?>
+<file path=ppt/slides/slide25.xml><?xml version="1.0" encoding="utf-8"?>
 <p:sld xmlns:a="http://schemas.openxmlformats.org/drawingml/2006/main" xmlns:r="http://schemas.openxmlformats.org/officeDocument/2006/relationships" xmlns:p="http://schemas.openxmlformats.org/presentationml/2006/main">
   <p:cSld>
     <p:spTree>
@@ -25312,7 +25616,7 @@
 </p:sld>
 </file>
 
-<file path=ppt/slides/slide24.xml><?xml version="1.0" encoding="utf-8"?>
+<file path=ppt/slides/slide26.xml><?xml version="1.0" encoding="utf-8"?>
 <p:sld xmlns:a="http://schemas.openxmlformats.org/drawingml/2006/main" xmlns:r="http://schemas.openxmlformats.org/officeDocument/2006/relationships" xmlns:p="http://schemas.openxmlformats.org/presentationml/2006/main">
   <p:cSld>
     <p:spTree>
@@ -27204,7 +27508,7 @@
 </p:sld>
 </file>
 
-<file path=ppt/slides/slide25.xml><?xml version="1.0" encoding="utf-8"?>
+<file path=ppt/slides/slide27.xml><?xml version="1.0" encoding="utf-8"?>
 <p:sld xmlns:a="http://schemas.openxmlformats.org/drawingml/2006/main" xmlns:r="http://schemas.openxmlformats.org/officeDocument/2006/relationships" xmlns:p="http://schemas.openxmlformats.org/presentationml/2006/main">
   <p:cSld>
     <p:spTree>
@@ -28950,7 +29254,7 @@
 </p:sld>
 </file>
 
-<file path=ppt/slides/slide26.xml><?xml version="1.0" encoding="utf-8"?>
+<file path=ppt/slides/slide28.xml><?xml version="1.0" encoding="utf-8"?>
 <p:sld xmlns:a="http://schemas.openxmlformats.org/drawingml/2006/main" xmlns:r="http://schemas.openxmlformats.org/officeDocument/2006/relationships" xmlns:p="http://schemas.openxmlformats.org/presentationml/2006/main">
   <p:cSld>
     <p:spTree>
@@ -29012,7 +29316,7 @@
 </p:sld>
 </file>
 
-<file path=ppt/slides/slide27.xml><?xml version="1.0" encoding="utf-8"?>
+<file path=ppt/slides/slide29.xml><?xml version="1.0" encoding="utf-8"?>
 <p:sld xmlns:a="http://schemas.openxmlformats.org/drawingml/2006/main" xmlns:r="http://schemas.openxmlformats.org/officeDocument/2006/relationships" xmlns:p="http://schemas.openxmlformats.org/presentationml/2006/main">
   <p:cSld>
     <p:spTree>
@@ -29045,15 +29349,19 @@
           <a:lstStyle/>
           <a:p>
             <a:r>
+              <a:rPr lang="en-US" dirty="0"/>
+              <a:t>           </a:t>
+            </a:r>
+            <a:r>
               <a:rPr lang="en-US" b="1" dirty="0"/>
-              <a:t>Containers Orchestrator</a:t>
+              <a:t>Kubernetes (aka. K8s)</a:t>
             </a:r>
           </a:p>
         </p:txBody>
       </p:sp>
       <p:pic>
         <p:nvPicPr>
-          <p:cNvPr id="4" name="Content Placeholder 3"/>
+          <p:cNvPr id="5" name="Content Placeholder 4"/>
           <p:cNvPicPr>
             <a:picLocks noGrp="1" noChangeAspect="1"/>
           </p:cNvPicPr>
@@ -29075,14 +29383,14 @@
         </p:blipFill>
         <p:spPr>
           <a:xfrm>
-            <a:off x="6905297" y="365125"/>
-            <a:ext cx="3767958" cy="3524340"/>
+            <a:off x="1011620" y="365125"/>
+            <a:ext cx="1085193" cy="1085193"/>
           </a:xfrm>
         </p:spPr>
       </p:pic>
       <p:sp>
         <p:nvSpPr>
-          <p:cNvPr id="5" name="Content Placeholder 2"/>
+          <p:cNvPr id="6" name="Content Placeholder 2"/>
           <p:cNvSpPr txBox="1">
             <a:spLocks/>
           </p:cNvSpPr>
@@ -29266,47 +29574,55 @@
             </a:lvl9pPr>
           </a:lstStyle>
           <a:p>
-            <a:pPr marL="0" indent="0">
-              <a:buNone/>
-            </a:pPr>
             <a:r>
-              <a:rPr lang="en-US" sz="3600" dirty="0"/>
-              <a:t>The main players:</a:t>
+              <a:rPr lang="en-US" b="0" i="0" dirty="0">
+                <a:solidFill>
+                  <a:srgbClr val="333333"/>
+                </a:solidFill>
+                <a:effectLst/>
+                <a:latin typeface="Open Sans" panose="020B0606030504020204" pitchFamily="34" charset="0"/>
+              </a:rPr>
+              <a:t>Kubernetes (aka K8s) is an open-source container orchestration system for automating software deployment, scaling, and management.</a:t>
             </a:r>
           </a:p>
           <a:p>
-            <a:pPr marL="892175" indent="-803275">
-              <a:buFont typeface="Wingdings" panose="05000000000000000000" pitchFamily="2" charset="2"/>
-              <a:buChar char="§"/>
-            </a:pPr>
             <a:r>
-              <a:rPr lang="en-US" sz="3600" dirty="0"/>
-              <a:t>Kubernetes</a:t>
+              <a:rPr lang="en-US" b="0" i="0" dirty="0">
+                <a:solidFill>
+                  <a:srgbClr val="333333"/>
+                </a:solidFill>
+                <a:effectLst/>
+                <a:latin typeface="Open Sans" panose="020B0606030504020204" pitchFamily="34" charset="0"/>
+              </a:rPr>
+              <a:t>Google originally designed Kubernetes, but the Cloud Native Computing Foundation now maintains the project.</a:t>
             </a:r>
           </a:p>
           <a:p>
-            <a:pPr marL="892175" indent="-803275">
-              <a:buFont typeface="Wingdings" panose="05000000000000000000" pitchFamily="2" charset="2"/>
-              <a:buChar char="§"/>
-            </a:pPr>
             <a:r>
-              <a:rPr lang="en-US" sz="3600" dirty="0"/>
-              <a:t>AWS ECS</a:t>
+              <a:rPr lang="en-US" b="0" i="0" dirty="0">
+                <a:solidFill>
+                  <a:srgbClr val="333333"/>
+                </a:solidFill>
+                <a:effectLst/>
+                <a:latin typeface="Open Sans" panose="020B0606030504020204" pitchFamily="34" charset="0"/>
+              </a:rPr>
+              <a:t>Community includes Google, Red Hat, and over 3000 contributors.</a:t>
             </a:r>
           </a:p>
           <a:p>
-            <a:pPr marL="892175" indent="-803275">
-              <a:buFont typeface="Wingdings" panose="05000000000000000000" pitchFamily="2" charset="2"/>
-              <a:buChar char="§"/>
-            </a:pPr>
             <a:r>
-              <a:rPr lang="en-US" sz="3600" dirty="0" err="1"/>
-              <a:t>Docker</a:t>
+              <a:rPr lang="en-US" b="0" i="0" dirty="0">
+                <a:solidFill>
+                  <a:srgbClr val="333333"/>
+                </a:solidFill>
+                <a:effectLst/>
+                <a:latin typeface="Open Sans" panose="020B0606030504020204" pitchFamily="34" charset="0"/>
+              </a:rPr>
+              <a:t>The name Kubernetes originates from Greek, meaning helmsman or pilot.</a:t>
             </a:r>
-            <a:r>
-              <a:rPr lang="en-US" sz="3600" dirty="0"/>
-              <a:t> Swarm</a:t>
-            </a:r>
+          </a:p>
+          <a:p>
+            <a:endParaRPr lang="en-US" sz="3600" dirty="0"/>
           </a:p>
           <a:p>
             <a:pPr marL="0" indent="0">
@@ -29314,51 +29630,32 @@
             </a:pPr>
             <a:endParaRPr lang="en-US" sz="3600" dirty="0"/>
           </a:p>
-          <a:p>
-            <a:pPr marL="0" indent="0">
-              <a:buNone/>
-            </a:pPr>
-            <a:r>
-              <a:rPr lang="en-US" sz="3600" dirty="0"/>
-              <a:t>Kubernetes has the largest community and is the most popular by a big margin</a:t>
-            </a:r>
-          </a:p>
-          <a:p>
-            <a:pPr marL="0" indent="0">
-              <a:buNone/>
-            </a:pPr>
-            <a:endParaRPr lang="en-US" sz="3600" dirty="0"/>
-          </a:p>
         </p:txBody>
       </p:sp>
     </p:spTree>
     <p:extLst>
       <p:ext uri="{BB962C8B-B14F-4D97-AF65-F5344CB8AC3E}">
-        <p14:creationId xmlns:p14="http://schemas.microsoft.com/office/powerpoint/2010/main" val="3641472065"/>
+        <p14:creationId xmlns:p14="http://schemas.microsoft.com/office/powerpoint/2010/main" val="3127927573"/>
       </p:ext>
     </p:extLst>
   </p:cSld>
   <p:clrMapOvr>
     <a:masterClrMapping/>
   </p:clrMapOvr>
-  <mc:AlternateContent xmlns:mc="http://schemas.openxmlformats.org/markup-compatibility/2006" xmlns:p14="http://schemas.microsoft.com/office/powerpoint/2010/main">
-    <mc:Choice Requires="p14">
-      <p:transition spd="slow" p14:dur="2000">
-        <p:wipe/>
-      </p:transition>
-    </mc:Choice>
-    <mc:Fallback xmlns="">
-      <p:transition spd="slow">
-        <p:wipe/>
-      </p:transition>
-    </mc:Fallback>
-  </mc:AlternateContent>
 </p:sld>
 </file>
 
-<file path=ppt/slides/slide28.xml><?xml version="1.0" encoding="utf-8"?>
+<file path=ppt/slides/slide3.xml><?xml version="1.0" encoding="utf-8"?>
 <p:sld xmlns:a="http://schemas.openxmlformats.org/drawingml/2006/main" xmlns:r="http://schemas.openxmlformats.org/officeDocument/2006/relationships" xmlns:p="http://schemas.openxmlformats.org/presentationml/2006/main">
   <p:cSld>
+    <p:bg>
+      <p:bgPr>
+        <a:solidFill>
+          <a:schemeClr val="bg1"/>
+        </a:solidFill>
+        <a:effectLst/>
+      </p:bgPr>
+    </p:bg>
     <p:spTree>
       <p:nvGrpSpPr>
         <p:cNvPr id="1" name=""/>
@@ -29389,19 +29686,18 @@
           <a:lstStyle/>
           <a:p>
             <a:r>
-              <a:rPr lang="en-US" dirty="0"/>
-              <a:t>           </a:t>
+              <a:rPr lang="en-US" b="1" dirty="0" err="1"/>
+              <a:t>Microservices</a:t>
             </a:r>
-            <a:r>
-              <a:rPr lang="en-US" b="1" dirty="0"/>
-              <a:t>Kubernetes (aka. K8s)</a:t>
-            </a:r>
+            <a:endParaRPr lang="en-US" b="1" dirty="0"/>
           </a:p>
         </p:txBody>
       </p:sp>
       <p:pic>
         <p:nvPicPr>
-          <p:cNvPr id="5" name="Content Placeholder 4"/>
+          <p:cNvPr id="4" name="Content Placeholder 3">
+            <a:hlinkClick r:id="rId2"/>
+          </p:cNvPr>
           <p:cNvPicPr>
             <a:picLocks noGrp="1" noChangeAspect="1"/>
           </p:cNvPicPr>
@@ -29410,7 +29706,7 @@
           </p:nvPr>
         </p:nvPicPr>
         <p:blipFill>
-          <a:blip r:embed="rId2">
+          <a:blip r:embed="rId3">
             <a:extLst>
               <a:ext uri="{28A0092B-C50C-407E-A947-70E740481C1C}">
                 <a14:useLocalDpi xmlns:a14="http://schemas.microsoft.com/office/drawing/2010/main" val="0"/>
@@ -29423,262 +29719,130 @@
         </p:blipFill>
         <p:spPr>
           <a:xfrm>
-            <a:off x="1011620" y="365125"/>
-            <a:ext cx="1085193" cy="1085193"/>
+            <a:off x="3673365" y="1316290"/>
+            <a:ext cx="6218961" cy="3570144"/>
           </a:xfrm>
         </p:spPr>
       </p:pic>
-      <p:sp>
-        <p:nvSpPr>
-          <p:cNvPr id="6" name="Content Placeholder 2"/>
-          <p:cNvSpPr txBox="1">
-            <a:spLocks/>
-          </p:cNvSpPr>
-          <p:nvPr/>
-        </p:nvSpPr>
-        <p:spPr>
-          <a:xfrm>
-            <a:off x="838200" y="1825625"/>
-            <a:ext cx="10515600" cy="4351338"/>
+      <p:pic>
+        <p:nvPicPr>
+          <p:cNvPr id="6" name="Content Placeholder 3"/>
+          <p:cNvPicPr>
+            <a:picLocks noChangeAspect="1"/>
+          </p:cNvPicPr>
+          <p:nvPr/>
+        </p:nvPicPr>
+        <p:blipFill>
+          <a:blip r:embed="rId4" cstate="print">
+            <a:extLst>
+              <a:ext uri="{28A0092B-C50C-407E-A947-70E740481C1C}">
+                <a14:useLocalDpi xmlns:a14="http://schemas.microsoft.com/office/drawing/2010/main" val="0"/>
+              </a:ext>
+            </a:extLst>
+          </a:blip>
+          <a:stretch>
+            <a:fillRect/>
+          </a:stretch>
+        </p:blipFill>
+        <p:spPr>
+          <a:xfrm>
+            <a:off x="2452234" y="4335516"/>
+            <a:ext cx="5868636" cy="2096815"/>
           </a:xfrm>
           <a:prstGeom prst="rect">
             <a:avLst/>
           </a:prstGeom>
         </p:spPr>
-        <p:txBody>
-          <a:bodyPr vert="horz" lIns="91440" tIns="45720" rIns="91440" bIns="45720" rtlCol="0">
-            <a:normAutofit/>
-          </a:bodyPr>
-          <a:lstStyle>
-            <a:lvl1pPr marL="228600" indent="-228600" algn="l" defTabSz="914400" rtl="0" eaLnBrk="1" latinLnBrk="0" hangingPunct="1">
-              <a:lnSpc>
-                <a:spcPct val="90000"/>
-              </a:lnSpc>
-              <a:spcBef>
-                <a:spcPts val="1000"/>
-              </a:spcBef>
-              <a:buFont typeface="Arial" panose="020B0604020202020204" pitchFamily="34" charset="0"/>
-              <a:buChar char="•"/>
-              <a:defRPr sz="2800" kern="1200">
-                <a:solidFill>
-                  <a:schemeClr val="tx1"/>
-                </a:solidFill>
-                <a:latin typeface="+mn-lt"/>
-                <a:ea typeface="+mn-ea"/>
-                <a:cs typeface="+mn-cs"/>
-              </a:defRPr>
-            </a:lvl1pPr>
-            <a:lvl2pPr marL="685800" indent="-228600" algn="l" defTabSz="914400" rtl="0" eaLnBrk="1" latinLnBrk="0" hangingPunct="1">
-              <a:lnSpc>
-                <a:spcPct val="90000"/>
-              </a:lnSpc>
-              <a:spcBef>
-                <a:spcPts val="500"/>
-              </a:spcBef>
-              <a:buFont typeface="Arial" panose="020B0604020202020204" pitchFamily="34" charset="0"/>
-              <a:buChar char="•"/>
-              <a:defRPr sz="2400" kern="1200">
-                <a:solidFill>
-                  <a:schemeClr val="tx1"/>
-                </a:solidFill>
-                <a:latin typeface="+mn-lt"/>
-                <a:ea typeface="+mn-ea"/>
-                <a:cs typeface="+mn-cs"/>
-              </a:defRPr>
-            </a:lvl2pPr>
-            <a:lvl3pPr marL="1143000" indent="-228600" algn="l" defTabSz="914400" rtl="0" eaLnBrk="1" latinLnBrk="0" hangingPunct="1">
-              <a:lnSpc>
-                <a:spcPct val="90000"/>
-              </a:lnSpc>
-              <a:spcBef>
-                <a:spcPts val="500"/>
-              </a:spcBef>
-              <a:buFont typeface="Arial" panose="020B0604020202020204" pitchFamily="34" charset="0"/>
-              <a:buChar char="•"/>
-              <a:defRPr sz="2000" kern="1200">
-                <a:solidFill>
-                  <a:schemeClr val="tx1"/>
-                </a:solidFill>
-                <a:latin typeface="+mn-lt"/>
-                <a:ea typeface="+mn-ea"/>
-                <a:cs typeface="+mn-cs"/>
-              </a:defRPr>
-            </a:lvl3pPr>
-            <a:lvl4pPr marL="1600200" indent="-228600" algn="l" defTabSz="914400" rtl="0" eaLnBrk="1" latinLnBrk="0" hangingPunct="1">
-              <a:lnSpc>
-                <a:spcPct val="90000"/>
-              </a:lnSpc>
-              <a:spcBef>
-                <a:spcPts val="500"/>
-              </a:spcBef>
-              <a:buFont typeface="Arial" panose="020B0604020202020204" pitchFamily="34" charset="0"/>
-              <a:buChar char="•"/>
-              <a:defRPr sz="1800" kern="1200">
-                <a:solidFill>
-                  <a:schemeClr val="tx1"/>
-                </a:solidFill>
-                <a:latin typeface="+mn-lt"/>
-                <a:ea typeface="+mn-ea"/>
-                <a:cs typeface="+mn-cs"/>
-              </a:defRPr>
-            </a:lvl4pPr>
-            <a:lvl5pPr marL="2057400" indent="-228600" algn="l" defTabSz="914400" rtl="0" eaLnBrk="1" latinLnBrk="0" hangingPunct="1">
-              <a:lnSpc>
-                <a:spcPct val="90000"/>
-              </a:lnSpc>
-              <a:spcBef>
-                <a:spcPts val="500"/>
-              </a:spcBef>
-              <a:buFont typeface="Arial" panose="020B0604020202020204" pitchFamily="34" charset="0"/>
-              <a:buChar char="•"/>
-              <a:defRPr sz="1800" kern="1200">
-                <a:solidFill>
-                  <a:schemeClr val="tx1"/>
-                </a:solidFill>
-                <a:latin typeface="+mn-lt"/>
-                <a:ea typeface="+mn-ea"/>
-                <a:cs typeface="+mn-cs"/>
-              </a:defRPr>
-            </a:lvl5pPr>
-            <a:lvl6pPr marL="2514600" indent="-228600" algn="l" defTabSz="914400" rtl="0" eaLnBrk="1" latinLnBrk="0" hangingPunct="1">
-              <a:lnSpc>
-                <a:spcPct val="90000"/>
-              </a:lnSpc>
-              <a:spcBef>
-                <a:spcPts val="500"/>
-              </a:spcBef>
-              <a:buFont typeface="Arial" panose="020B0604020202020204" pitchFamily="34" charset="0"/>
-              <a:buChar char="•"/>
-              <a:defRPr sz="1800" kern="1200">
-                <a:solidFill>
-                  <a:schemeClr val="tx1"/>
-                </a:solidFill>
-                <a:latin typeface="+mn-lt"/>
-                <a:ea typeface="+mn-ea"/>
-                <a:cs typeface="+mn-cs"/>
-              </a:defRPr>
-            </a:lvl6pPr>
-            <a:lvl7pPr marL="2971800" indent="-228600" algn="l" defTabSz="914400" rtl="0" eaLnBrk="1" latinLnBrk="0" hangingPunct="1">
-              <a:lnSpc>
-                <a:spcPct val="90000"/>
-              </a:lnSpc>
-              <a:spcBef>
-                <a:spcPts val="500"/>
-              </a:spcBef>
-              <a:buFont typeface="Arial" panose="020B0604020202020204" pitchFamily="34" charset="0"/>
-              <a:buChar char="•"/>
-              <a:defRPr sz="1800" kern="1200">
-                <a:solidFill>
-                  <a:schemeClr val="tx1"/>
-                </a:solidFill>
-                <a:latin typeface="+mn-lt"/>
-                <a:ea typeface="+mn-ea"/>
-                <a:cs typeface="+mn-cs"/>
-              </a:defRPr>
-            </a:lvl7pPr>
-            <a:lvl8pPr marL="3429000" indent="-228600" algn="l" defTabSz="914400" rtl="0" eaLnBrk="1" latinLnBrk="0" hangingPunct="1">
-              <a:lnSpc>
-                <a:spcPct val="90000"/>
-              </a:lnSpc>
-              <a:spcBef>
-                <a:spcPts val="500"/>
-              </a:spcBef>
-              <a:buFont typeface="Arial" panose="020B0604020202020204" pitchFamily="34" charset="0"/>
-              <a:buChar char="•"/>
-              <a:defRPr sz="1800" kern="1200">
-                <a:solidFill>
-                  <a:schemeClr val="tx1"/>
-                </a:solidFill>
-                <a:latin typeface="+mn-lt"/>
-                <a:ea typeface="+mn-ea"/>
-                <a:cs typeface="+mn-cs"/>
-              </a:defRPr>
-            </a:lvl8pPr>
-            <a:lvl9pPr marL="3886200" indent="-228600" algn="l" defTabSz="914400" rtl="0" eaLnBrk="1" latinLnBrk="0" hangingPunct="1">
-              <a:lnSpc>
-                <a:spcPct val="90000"/>
-              </a:lnSpc>
-              <a:spcBef>
-                <a:spcPts val="500"/>
-              </a:spcBef>
-              <a:buFont typeface="Arial" panose="020B0604020202020204" pitchFamily="34" charset="0"/>
-              <a:buChar char="•"/>
-              <a:defRPr sz="1800" kern="1200">
-                <a:solidFill>
-                  <a:schemeClr val="tx1"/>
-                </a:solidFill>
-                <a:latin typeface="+mn-lt"/>
-                <a:ea typeface="+mn-ea"/>
-                <a:cs typeface="+mn-cs"/>
-              </a:defRPr>
-            </a:lvl9pPr>
-          </a:lstStyle>
-          <a:p>
-            <a:pPr marL="0" indent="0">
-              <a:buNone/>
-            </a:pPr>
-            <a:r>
-              <a:rPr lang="en-US" sz="3600" dirty="0"/>
-              <a:t>Kubernetes is an open-source started in 2014 by Google.</a:t>
-            </a:r>
-          </a:p>
-          <a:p>
-            <a:pPr marL="0" indent="0">
-              <a:buNone/>
-            </a:pPr>
-            <a:r>
-              <a:rPr lang="en-US" sz="3600" dirty="0"/>
-              <a:t>Community includes Google, Red Hat, and over 3000 authors. (Source: </a:t>
-            </a:r>
-            <a:r>
-              <a:rPr lang="en-US" sz="3600" dirty="0">
-                <a:hlinkClick r:id="rId3"/>
-              </a:rPr>
-              <a:t>k8s github</a:t>
-            </a:r>
-            <a:r>
-              <a:rPr lang="en-US" sz="3600" dirty="0"/>
-              <a:t> )</a:t>
-            </a:r>
-          </a:p>
-          <a:p>
-            <a:pPr marL="0" indent="0">
-              <a:buNone/>
-            </a:pPr>
-            <a:r>
-              <a:rPr lang="en-US" sz="3600" dirty="0"/>
-              <a:t>The name </a:t>
-            </a:r>
-            <a:r>
-              <a:rPr lang="en-US" sz="3600" b="1" dirty="0"/>
-              <a:t>Kubernetes</a:t>
-            </a:r>
-            <a:r>
-              <a:rPr lang="en-US" sz="3600" dirty="0"/>
-              <a:t> originates from Greek, meaning </a:t>
-            </a:r>
-            <a:r>
-              <a:rPr lang="en-US" sz="3600" i="1" dirty="0"/>
-              <a:t>helmsman</a:t>
-            </a:r>
-            <a:endParaRPr lang="en-US" sz="3600" dirty="0"/>
-          </a:p>
-        </p:txBody>
-      </p:sp>
+      </p:pic>
     </p:spTree>
     <p:extLst>
       <p:ext uri="{BB962C8B-B14F-4D97-AF65-F5344CB8AC3E}">
-        <p14:creationId xmlns:p14="http://schemas.microsoft.com/office/powerpoint/2010/main" val="3127927573"/>
+        <p14:creationId xmlns:p14="http://schemas.microsoft.com/office/powerpoint/2010/main" val="1376844336"/>
       </p:ext>
     </p:extLst>
   </p:cSld>
   <p:clrMapOvr>
     <a:masterClrMapping/>
   </p:clrMapOvr>
+  <p:timing>
+    <p:tnLst>
+      <p:par>
+        <p:cTn id="1" dur="indefinite" restart="never" nodeType="tmRoot">
+          <p:childTnLst>
+            <p:seq concurrent="1" nextAc="seek">
+              <p:cTn id="2" dur="indefinite" nodeType="mainSeq">
+                <p:childTnLst>
+                  <p:par>
+                    <p:cTn id="3" fill="hold">
+                      <p:stCondLst>
+                        <p:cond delay="indefinite"/>
+                      </p:stCondLst>
+                      <p:childTnLst>
+                        <p:par>
+                          <p:cTn id="4" fill="hold">
+                            <p:stCondLst>
+                              <p:cond delay="0"/>
+                            </p:stCondLst>
+                            <p:childTnLst>
+                              <p:par>
+                                <p:cTn id="5" presetID="1" presetClass="entr" presetSubtype="0" fill="hold" nodeType="clickEffect">
+                                  <p:stCondLst>
+                                    <p:cond delay="0"/>
+                                  </p:stCondLst>
+                                  <p:childTnLst>
+                                    <p:set>
+                                      <p:cBhvr>
+                                        <p:cTn id="6" dur="1" fill="hold">
+                                          <p:stCondLst>
+                                            <p:cond delay="0"/>
+                                          </p:stCondLst>
+                                        </p:cTn>
+                                        <p:tgtEl>
+                                          <p:spTgt spid="6"/>
+                                        </p:tgtEl>
+                                        <p:attrNameLst>
+                                          <p:attrName>style.visibility</p:attrName>
+                                        </p:attrNameLst>
+                                      </p:cBhvr>
+                                      <p:to>
+                                        <p:strVal val="visible"/>
+                                      </p:to>
+                                    </p:set>
+                                  </p:childTnLst>
+                                </p:cTn>
+                              </p:par>
+                            </p:childTnLst>
+                          </p:cTn>
+                        </p:par>
+                      </p:childTnLst>
+                    </p:cTn>
+                  </p:par>
+                </p:childTnLst>
+              </p:cTn>
+              <p:prevCondLst>
+                <p:cond evt="onPrev" delay="0">
+                  <p:tgtEl>
+                    <p:sldTgt/>
+                  </p:tgtEl>
+                </p:cond>
+              </p:prevCondLst>
+              <p:nextCondLst>
+                <p:cond evt="onNext" delay="0">
+                  <p:tgtEl>
+                    <p:sldTgt/>
+                  </p:tgtEl>
+                </p:cond>
+              </p:nextCondLst>
+            </p:seq>
+          </p:childTnLst>
+        </p:cTn>
+      </p:par>
+    </p:tnLst>
+  </p:timing>
 </p:sld>
 </file>
 
-<file path=ppt/slides/slide29.xml><?xml version="1.0" encoding="utf-8"?>
+<file path=ppt/slides/slide30.xml><?xml version="1.0" encoding="utf-8"?>
 <p:sld xmlns:a="http://schemas.openxmlformats.org/drawingml/2006/main" xmlns:r="http://schemas.openxmlformats.org/officeDocument/2006/relationships" xmlns:p="http://schemas.openxmlformats.org/presentationml/2006/main">
   <p:cSld>
     <p:spTree>
@@ -30235,204 +30399,7 @@
 </p:sld>
 </file>
 
-<file path=ppt/slides/slide3.xml><?xml version="1.0" encoding="utf-8"?>
-<p:sld xmlns:a="http://schemas.openxmlformats.org/drawingml/2006/main" xmlns:r="http://schemas.openxmlformats.org/officeDocument/2006/relationships" xmlns:p="http://schemas.openxmlformats.org/presentationml/2006/main">
-  <p:cSld>
-    <p:bg>
-      <p:bgPr>
-        <a:solidFill>
-          <a:schemeClr val="bg1"/>
-        </a:solidFill>
-        <a:effectLst/>
-      </p:bgPr>
-    </p:bg>
-    <p:spTree>
-      <p:nvGrpSpPr>
-        <p:cNvPr id="1" name=""/>
-        <p:cNvGrpSpPr/>
-        <p:nvPr/>
-      </p:nvGrpSpPr>
-      <p:grpSpPr>
-        <a:xfrm>
-          <a:off x="0" y="0"/>
-          <a:ext cx="0" cy="0"/>
-          <a:chOff x="0" y="0"/>
-          <a:chExt cx="0" cy="0"/>
-        </a:xfrm>
-      </p:grpSpPr>
-      <p:sp>
-        <p:nvSpPr>
-          <p:cNvPr id="2" name="Title 1"/>
-          <p:cNvSpPr>
-            <a:spLocks noGrp="1"/>
-          </p:cNvSpPr>
-          <p:nvPr>
-            <p:ph type="title"/>
-          </p:nvPr>
-        </p:nvSpPr>
-        <p:spPr/>
-        <p:txBody>
-          <a:bodyPr/>
-          <a:lstStyle/>
-          <a:p>
-            <a:r>
-              <a:rPr lang="en-US" b="1" dirty="0" err="1"/>
-              <a:t>Microservices</a:t>
-            </a:r>
-            <a:endParaRPr lang="en-US" b="1" dirty="0"/>
-          </a:p>
-        </p:txBody>
-      </p:sp>
-      <p:pic>
-        <p:nvPicPr>
-          <p:cNvPr id="4" name="Content Placeholder 3">
-            <a:hlinkClick r:id="rId2"/>
-          </p:cNvPr>
-          <p:cNvPicPr>
-            <a:picLocks noGrp="1" noChangeAspect="1"/>
-          </p:cNvPicPr>
-          <p:nvPr>
-            <p:ph idx="1"/>
-          </p:nvPr>
-        </p:nvPicPr>
-        <p:blipFill>
-          <a:blip r:embed="rId3">
-            <a:extLst>
-              <a:ext uri="{28A0092B-C50C-407E-A947-70E740481C1C}">
-                <a14:useLocalDpi xmlns:a14="http://schemas.microsoft.com/office/drawing/2010/main" val="0"/>
-              </a:ext>
-            </a:extLst>
-          </a:blip>
-          <a:stretch>
-            <a:fillRect/>
-          </a:stretch>
-        </p:blipFill>
-        <p:spPr>
-          <a:xfrm>
-            <a:off x="3673365" y="1316290"/>
-            <a:ext cx="6218961" cy="3570144"/>
-          </a:xfrm>
-        </p:spPr>
-      </p:pic>
-      <p:pic>
-        <p:nvPicPr>
-          <p:cNvPr id="6" name="Content Placeholder 3"/>
-          <p:cNvPicPr>
-            <a:picLocks noChangeAspect="1"/>
-          </p:cNvPicPr>
-          <p:nvPr/>
-        </p:nvPicPr>
-        <p:blipFill>
-          <a:blip r:embed="rId4" cstate="print">
-            <a:extLst>
-              <a:ext uri="{28A0092B-C50C-407E-A947-70E740481C1C}">
-                <a14:useLocalDpi xmlns:a14="http://schemas.microsoft.com/office/drawing/2010/main" val="0"/>
-              </a:ext>
-            </a:extLst>
-          </a:blip>
-          <a:stretch>
-            <a:fillRect/>
-          </a:stretch>
-        </p:blipFill>
-        <p:spPr>
-          <a:xfrm>
-            <a:off x="2452234" y="4335516"/>
-            <a:ext cx="5868636" cy="2096815"/>
-          </a:xfrm>
-          <a:prstGeom prst="rect">
-            <a:avLst/>
-          </a:prstGeom>
-        </p:spPr>
-      </p:pic>
-    </p:spTree>
-    <p:extLst>
-      <p:ext uri="{BB962C8B-B14F-4D97-AF65-F5344CB8AC3E}">
-        <p14:creationId xmlns:p14="http://schemas.microsoft.com/office/powerpoint/2010/main" val="1376844336"/>
-      </p:ext>
-    </p:extLst>
-  </p:cSld>
-  <p:clrMapOvr>
-    <a:masterClrMapping/>
-  </p:clrMapOvr>
-  <p:timing>
-    <p:tnLst>
-      <p:par>
-        <p:cTn id="1" dur="indefinite" restart="never" nodeType="tmRoot">
-          <p:childTnLst>
-            <p:seq concurrent="1" nextAc="seek">
-              <p:cTn id="2" dur="indefinite" nodeType="mainSeq">
-                <p:childTnLst>
-                  <p:par>
-                    <p:cTn id="3" fill="hold">
-                      <p:stCondLst>
-                        <p:cond delay="indefinite"/>
-                      </p:stCondLst>
-                      <p:childTnLst>
-                        <p:par>
-                          <p:cTn id="4" fill="hold">
-                            <p:stCondLst>
-                              <p:cond delay="0"/>
-                            </p:stCondLst>
-                            <p:childTnLst>
-                              <p:par>
-                                <p:cTn id="5" presetID="1" presetClass="entr" presetSubtype="0" fill="hold" nodeType="clickEffect">
-                                  <p:stCondLst>
-                                    <p:cond delay="0"/>
-                                  </p:stCondLst>
-                                  <p:childTnLst>
-                                    <p:set>
-                                      <p:cBhvr>
-                                        <p:cTn id="6" dur="1" fill="hold">
-                                          <p:stCondLst>
-                                            <p:cond delay="0"/>
-                                          </p:stCondLst>
-                                        </p:cTn>
-                                        <p:tgtEl>
-                                          <p:spTgt spid="6"/>
-                                        </p:tgtEl>
-                                        <p:attrNameLst>
-                                          <p:attrName>style.visibility</p:attrName>
-                                        </p:attrNameLst>
-                                      </p:cBhvr>
-                                      <p:to>
-                                        <p:strVal val="visible"/>
-                                      </p:to>
-                                    </p:set>
-                                  </p:childTnLst>
-                                </p:cTn>
-                              </p:par>
-                            </p:childTnLst>
-                          </p:cTn>
-                        </p:par>
-                      </p:childTnLst>
-                    </p:cTn>
-                  </p:par>
-                </p:childTnLst>
-              </p:cTn>
-              <p:prevCondLst>
-                <p:cond evt="onPrev" delay="0">
-                  <p:tgtEl>
-                    <p:sldTgt/>
-                  </p:tgtEl>
-                </p:cond>
-              </p:prevCondLst>
-              <p:nextCondLst>
-                <p:cond evt="onNext" delay="0">
-                  <p:tgtEl>
-                    <p:sldTgt/>
-                  </p:tgtEl>
-                </p:cond>
-              </p:nextCondLst>
-            </p:seq>
-          </p:childTnLst>
-        </p:cTn>
-      </p:par>
-    </p:tnLst>
-  </p:timing>
-</p:sld>
-</file>
-
-<file path=ppt/slides/slide30.xml><?xml version="1.0" encoding="utf-8"?>
+<file path=ppt/slides/slide31.xml><?xml version="1.0" encoding="utf-8"?>
 <p:sld xmlns:a="http://schemas.openxmlformats.org/drawingml/2006/main" xmlns:r="http://schemas.openxmlformats.org/officeDocument/2006/relationships" xmlns:p="http://schemas.openxmlformats.org/presentationml/2006/main">
   <p:cSld>
     <p:spTree>
@@ -33051,7 +33018,7 @@
 </p:sld>
 </file>
 
-<file path=ppt/slides/slide31.xml><?xml version="1.0" encoding="utf-8"?>
+<file path=ppt/slides/slide32.xml><?xml version="1.0" encoding="utf-8"?>
 <p:sld xmlns:a="http://schemas.openxmlformats.org/drawingml/2006/main" xmlns:r="http://schemas.openxmlformats.org/officeDocument/2006/relationships" xmlns:p="http://schemas.openxmlformats.org/presentationml/2006/main">
   <p:cSld>
     <p:spTree>
@@ -33147,8 +33114,8 @@
 </p:sld>
 </file>
 
-<file path=ppt/slides/slide32.xml><?xml version="1.0" encoding="utf-8"?>
-<p:sld xmlns:a="http://schemas.openxmlformats.org/drawingml/2006/main" xmlns:r="http://schemas.openxmlformats.org/officeDocument/2006/relationships" xmlns:p="http://schemas.openxmlformats.org/presentationml/2006/main">
+<file path=ppt/slides/slide33.xml><?xml version="1.0" encoding="utf-8"?>
+<p:sld xmlns:a="http://schemas.openxmlformats.org/drawingml/2006/main" xmlns:r="http://schemas.openxmlformats.org/officeDocument/2006/relationships" xmlns:p="http://schemas.openxmlformats.org/presentationml/2006/main" show="0">
   <p:cSld>
     <p:spTree>
       <p:nvGrpSpPr>
@@ -35291,8 +35258,8 @@
 </p:sld>
 </file>
 
-<file path=ppt/slides/slide33.xml><?xml version="1.0" encoding="utf-8"?>
-<p:sld xmlns:a="http://schemas.openxmlformats.org/drawingml/2006/main" xmlns:r="http://schemas.openxmlformats.org/officeDocument/2006/relationships" xmlns:p="http://schemas.openxmlformats.org/presentationml/2006/main">
+<file path=ppt/slides/slide34.xml><?xml version="1.0" encoding="utf-8"?>
+<p:sld xmlns:a="http://schemas.openxmlformats.org/drawingml/2006/main" xmlns:r="http://schemas.openxmlformats.org/officeDocument/2006/relationships" xmlns:p="http://schemas.openxmlformats.org/presentationml/2006/main" show="0">
   <p:cSld>
     <p:spTree>
       <p:nvGrpSpPr>
@@ -35812,8 +35779,8 @@
 </p:sld>
 </file>
 
-<file path=ppt/slides/slide34.xml><?xml version="1.0" encoding="utf-8"?>
-<p:sld xmlns:a="http://schemas.openxmlformats.org/drawingml/2006/main" xmlns:r="http://schemas.openxmlformats.org/officeDocument/2006/relationships" xmlns:p="http://schemas.openxmlformats.org/presentationml/2006/main">
+<file path=ppt/slides/slide35.xml><?xml version="1.0" encoding="utf-8"?>
+<p:sld xmlns:a="http://schemas.openxmlformats.org/drawingml/2006/main" xmlns:r="http://schemas.openxmlformats.org/officeDocument/2006/relationships" xmlns:p="http://schemas.openxmlformats.org/presentationml/2006/main" show="0">
   <p:cSld>
     <p:spTree>
       <p:nvGrpSpPr>
@@ -36910,7 +36877,344 @@
 </p:sld>
 </file>
 
-<file path=ppt/slides/slide35.xml><?xml version="1.0" encoding="utf-8"?>
+<file path=ppt/slides/slide36.xml><?xml version="1.0" encoding="utf-8"?>
+<p:sld xmlns:a="http://schemas.openxmlformats.org/drawingml/2006/main" xmlns:r="http://schemas.openxmlformats.org/officeDocument/2006/relationships" xmlns:p="http://schemas.openxmlformats.org/presentationml/2006/main">
+  <p:cSld>
+    <p:spTree>
+      <p:nvGrpSpPr>
+        <p:cNvPr id="1" name=""/>
+        <p:cNvGrpSpPr/>
+        <p:nvPr/>
+      </p:nvGrpSpPr>
+      <p:grpSpPr>
+        <a:xfrm>
+          <a:off x="0" y="0"/>
+          <a:ext cx="0" cy="0"/>
+          <a:chOff x="0" y="0"/>
+          <a:chExt cx="0" cy="0"/>
+        </a:xfrm>
+      </p:grpSpPr>
+      <p:sp>
+        <p:nvSpPr>
+          <p:cNvPr id="2" name="Title 1">
+            <a:extLst>
+              <a:ext uri="{FF2B5EF4-FFF2-40B4-BE49-F238E27FC236}">
+                <a16:creationId xmlns:a16="http://schemas.microsoft.com/office/drawing/2014/main" id="{20C14A61-7F92-9FC3-E6B1-DCE0B6EF256F}"/>
+              </a:ext>
+            </a:extLst>
+          </p:cNvPr>
+          <p:cNvSpPr>
+            <a:spLocks noGrp="1"/>
+          </p:cNvSpPr>
+          <p:nvPr>
+            <p:ph type="title"/>
+          </p:nvPr>
+        </p:nvSpPr>
+        <p:spPr>
+          <a:xfrm>
+            <a:off x="838200" y="173317"/>
+            <a:ext cx="10515600" cy="1015440"/>
+          </a:xfrm>
+        </p:spPr>
+        <p:txBody>
+          <a:bodyPr/>
+          <a:lstStyle/>
+          <a:p>
+            <a:pPr algn="ctr"/>
+            <a:r>
+              <a:rPr lang="en-US" b="1" dirty="0" err="1"/>
+              <a:t>Kubectl</a:t>
+            </a:r>
+            <a:endParaRPr lang="en-US" b="1" dirty="0"/>
+          </a:p>
+        </p:txBody>
+      </p:sp>
+      <p:sp>
+        <p:nvSpPr>
+          <p:cNvPr id="3" name="Content Placeholder 2">
+            <a:extLst>
+              <a:ext uri="{FF2B5EF4-FFF2-40B4-BE49-F238E27FC236}">
+                <a16:creationId xmlns:a16="http://schemas.microsoft.com/office/drawing/2014/main" id="{D6A667DD-73EC-9AA8-0606-E3A9C0F55B78}"/>
+              </a:ext>
+            </a:extLst>
+          </p:cNvPr>
+          <p:cNvSpPr>
+            <a:spLocks noGrp="1"/>
+          </p:cNvSpPr>
+          <p:nvPr>
+            <p:ph idx="1"/>
+          </p:nvPr>
+        </p:nvSpPr>
+        <p:spPr>
+          <a:xfrm>
+            <a:off x="838200" y="1281953"/>
+            <a:ext cx="10515600" cy="4895010"/>
+          </a:xfrm>
+        </p:spPr>
+        <p:txBody>
+          <a:bodyPr>
+            <a:normAutofit lnSpcReduction="10000"/>
+          </a:bodyPr>
+          <a:lstStyle/>
+          <a:p>
+            <a:r>
+              <a:rPr lang="en-US" b="0" i="0" dirty="0" err="1">
+                <a:solidFill>
+                  <a:srgbClr val="333333"/>
+                </a:solidFill>
+                <a:effectLst/>
+                <a:latin typeface="Open Sans" panose="020B0606030504020204" pitchFamily="34" charset="0"/>
+              </a:rPr>
+              <a:t>kubectl</a:t>
+            </a:r>
+            <a:r>
+              <a:rPr lang="en-US" b="0" i="0" dirty="0">
+                <a:solidFill>
+                  <a:srgbClr val="333333"/>
+                </a:solidFill>
+                <a:effectLst/>
+                <a:latin typeface="Open Sans" panose="020B0606030504020204" pitchFamily="34" charset="0"/>
+              </a:rPr>
+              <a:t> is the command-line tool for manage K8s.</a:t>
+            </a:r>
+          </a:p>
+          <a:p>
+            <a:r>
+              <a:rPr lang="en-US" b="0" i="0" dirty="0" err="1">
+                <a:solidFill>
+                  <a:srgbClr val="333333"/>
+                </a:solidFill>
+                <a:effectLst/>
+                <a:latin typeface="Open Sans" panose="020B0606030504020204" pitchFamily="34" charset="0"/>
+              </a:rPr>
+              <a:t>kubectl</a:t>
+            </a:r>
+            <a:r>
+              <a:rPr lang="en-US" b="0" i="0" dirty="0">
+                <a:solidFill>
+                  <a:srgbClr val="333333"/>
+                </a:solidFill>
+                <a:effectLst/>
+                <a:latin typeface="Open Sans" panose="020B0606030504020204" pitchFamily="34" charset="0"/>
+              </a:rPr>
+              <a:t> command format:</a:t>
+            </a:r>
+            <a:endParaRPr lang="en-US" dirty="0">
+              <a:solidFill>
+                <a:srgbClr val="333333"/>
+              </a:solidFill>
+              <a:latin typeface="Open Sans" panose="020B0606030504020204" pitchFamily="34" charset="0"/>
+            </a:endParaRPr>
+          </a:p>
+          <a:p>
+            <a:pPr lvl="1"/>
+            <a:r>
+              <a:rPr lang="en-US" sz="2800" b="0" i="0" dirty="0" err="1">
+                <a:effectLst/>
+                <a:latin typeface="Open Sans" panose="020B0606030504020204" pitchFamily="34" charset="0"/>
+                <a:ea typeface="Open Sans" panose="020B0606030504020204" pitchFamily="34" charset="0"/>
+                <a:cs typeface="Open Sans" panose="020B0606030504020204" pitchFamily="34" charset="0"/>
+              </a:rPr>
+              <a:t>kubectl</a:t>
+            </a:r>
+            <a:r>
+              <a:rPr lang="en-US" sz="2800" b="0" i="0" dirty="0">
+                <a:solidFill>
+                  <a:srgbClr val="DDDDDD"/>
+                </a:solidFill>
+                <a:effectLst/>
+                <a:latin typeface="Open Sans" panose="020B0606030504020204" pitchFamily="34" charset="0"/>
+                <a:ea typeface="Open Sans" panose="020B0606030504020204" pitchFamily="34" charset="0"/>
+                <a:cs typeface="Open Sans" panose="020B0606030504020204" pitchFamily="34" charset="0"/>
+              </a:rPr>
+              <a:t> </a:t>
+            </a:r>
+            <a:r>
+              <a:rPr lang="en-US" sz="2800" b="0" i="0" dirty="0">
+                <a:solidFill>
+                  <a:srgbClr val="00B050"/>
+                </a:solidFill>
+                <a:effectLst/>
+                <a:latin typeface="Open Sans" panose="020B0606030504020204" pitchFamily="34" charset="0"/>
+                <a:ea typeface="Open Sans" panose="020B0606030504020204" pitchFamily="34" charset="0"/>
+                <a:cs typeface="Open Sans" panose="020B0606030504020204" pitchFamily="34" charset="0"/>
+              </a:rPr>
+              <a:t>[command] [TYPE] [NAME] [flags]</a:t>
+            </a:r>
+          </a:p>
+          <a:p>
+            <a:endParaRPr lang="en-US" b="0" i="0" dirty="0">
+              <a:solidFill>
+                <a:srgbClr val="333333"/>
+              </a:solidFill>
+              <a:effectLst/>
+              <a:latin typeface="Open Sans" panose="020B0606030504020204" pitchFamily="34" charset="0"/>
+            </a:endParaRPr>
+          </a:p>
+          <a:p>
+            <a:r>
+              <a:rPr lang="en-US" b="0" i="0" dirty="0">
+                <a:solidFill>
+                  <a:srgbClr val="333333"/>
+                </a:solidFill>
+                <a:effectLst/>
+                <a:latin typeface="Open Sans" panose="020B0606030504020204" pitchFamily="34" charset="0"/>
+              </a:rPr>
+              <a:t>command: Specifies the operation that you want to perform on one or more resources, for example create, get, describe, delete.</a:t>
+            </a:r>
+          </a:p>
+          <a:p>
+            <a:r>
+              <a:rPr lang="en-US" b="0" i="0" dirty="0">
+                <a:solidFill>
+                  <a:srgbClr val="333333"/>
+                </a:solidFill>
+                <a:effectLst/>
+                <a:latin typeface="Open Sans" panose="020B0606030504020204" pitchFamily="34" charset="0"/>
+              </a:rPr>
+              <a:t>TYPE: Specifies the resource type</a:t>
+            </a:r>
+          </a:p>
+          <a:p>
+            <a:r>
+              <a:rPr lang="en-US" b="0" i="0" dirty="0">
+                <a:solidFill>
+                  <a:srgbClr val="333333"/>
+                </a:solidFill>
+                <a:effectLst/>
+                <a:latin typeface="Open Sans" panose="020B0606030504020204" pitchFamily="34" charset="0"/>
+              </a:rPr>
+              <a:t>NAME: Specifies the name of the resource. If the name is omitted, details for all resources are displayed</a:t>
+            </a:r>
+          </a:p>
+          <a:p>
+            <a:r>
+              <a:rPr lang="en-US" b="0" i="0" dirty="0">
+                <a:solidFill>
+                  <a:srgbClr val="333333"/>
+                </a:solidFill>
+                <a:effectLst/>
+                <a:latin typeface="Open Sans" panose="020B0606030504020204" pitchFamily="34" charset="0"/>
+              </a:rPr>
+              <a:t>flags: Specifies optional flags</a:t>
+            </a:r>
+          </a:p>
+          <a:p>
+            <a:endParaRPr lang="en-US" sz="3200" dirty="0">
+              <a:latin typeface="Open Sans" panose="020B0606030504020204" pitchFamily="34" charset="0"/>
+              <a:ea typeface="Open Sans" panose="020B0606030504020204" pitchFamily="34" charset="0"/>
+              <a:cs typeface="Open Sans" panose="020B0606030504020204" pitchFamily="34" charset="0"/>
+            </a:endParaRPr>
+          </a:p>
+        </p:txBody>
+      </p:sp>
+    </p:spTree>
+    <p:extLst>
+      <p:ext uri="{BB962C8B-B14F-4D97-AF65-F5344CB8AC3E}">
+        <p14:creationId xmlns:p14="http://schemas.microsoft.com/office/powerpoint/2010/main" val="3022302122"/>
+      </p:ext>
+    </p:extLst>
+  </p:cSld>
+  <p:clrMapOvr>
+    <a:masterClrMapping/>
+  </p:clrMapOvr>
+</p:sld>
+</file>
+
+<file path=ppt/slides/slide37.xml><?xml version="1.0" encoding="utf-8"?>
+<p:sld xmlns:a="http://schemas.openxmlformats.org/drawingml/2006/main" xmlns:r="http://schemas.openxmlformats.org/officeDocument/2006/relationships" xmlns:p="http://schemas.openxmlformats.org/presentationml/2006/main">
+  <p:cSld>
+    <p:spTree>
+      <p:nvGrpSpPr>
+        <p:cNvPr id="1" name=""/>
+        <p:cNvGrpSpPr/>
+        <p:nvPr/>
+      </p:nvGrpSpPr>
+      <p:grpSpPr>
+        <a:xfrm>
+          <a:off x="0" y="0"/>
+          <a:ext cx="0" cy="0"/>
+          <a:chOff x="0" y="0"/>
+          <a:chExt cx="0" cy="0"/>
+        </a:xfrm>
+      </p:grpSpPr>
+      <p:sp>
+        <p:nvSpPr>
+          <p:cNvPr id="2" name="Title 1">
+            <a:extLst>
+              <a:ext uri="{FF2B5EF4-FFF2-40B4-BE49-F238E27FC236}">
+                <a16:creationId xmlns:a16="http://schemas.microsoft.com/office/drawing/2014/main" id="{7BD39117-D1B2-2496-BF27-5E16D3722939}"/>
+              </a:ext>
+            </a:extLst>
+          </p:cNvPr>
+          <p:cNvSpPr>
+            <a:spLocks noGrp="1"/>
+          </p:cNvSpPr>
+          <p:nvPr>
+            <p:ph type="title"/>
+          </p:nvPr>
+        </p:nvSpPr>
+        <p:spPr/>
+        <p:txBody>
+          <a:bodyPr/>
+          <a:lstStyle/>
+          <a:p>
+            <a:pPr algn="ctr"/>
+            <a:r>
+              <a:rPr lang="en-US" dirty="0" err="1"/>
+              <a:t>kubectl</a:t>
+            </a:r>
+            <a:r>
+              <a:rPr lang="en-US" dirty="0"/>
+              <a:t> command examples</a:t>
+            </a:r>
+          </a:p>
+        </p:txBody>
+      </p:sp>
+      <p:pic>
+        <p:nvPicPr>
+          <p:cNvPr id="7" name="Picture 6">
+            <a:extLst>
+              <a:ext uri="{FF2B5EF4-FFF2-40B4-BE49-F238E27FC236}">
+                <a16:creationId xmlns:a16="http://schemas.microsoft.com/office/drawing/2014/main" id="{2A8AA73E-D005-49B1-A921-6A6A26AB3B24}"/>
+              </a:ext>
+            </a:extLst>
+          </p:cNvPr>
+          <p:cNvPicPr>
+            <a:picLocks noChangeAspect="1"/>
+          </p:cNvPicPr>
+          <p:nvPr/>
+        </p:nvPicPr>
+        <p:blipFill>
+          <a:blip r:embed="rId2"/>
+          <a:stretch>
+            <a:fillRect/>
+          </a:stretch>
+        </p:blipFill>
+        <p:spPr>
+          <a:xfrm>
+            <a:off x="526519" y="2483617"/>
+            <a:ext cx="11138962" cy="2097347"/>
+          </a:xfrm>
+          <a:prstGeom prst="rect">
+            <a:avLst/>
+          </a:prstGeom>
+        </p:spPr>
+      </p:pic>
+    </p:spTree>
+    <p:extLst>
+      <p:ext uri="{BB962C8B-B14F-4D97-AF65-F5344CB8AC3E}">
+        <p14:creationId xmlns:p14="http://schemas.microsoft.com/office/powerpoint/2010/main" val="538660110"/>
+      </p:ext>
+    </p:extLst>
+  </p:cSld>
+  <p:clrMapOvr>
+    <a:masterClrMapping/>
+  </p:clrMapOvr>
+</p:sld>
+</file>
+
+<file path=ppt/slides/slide38.xml><?xml version="1.0" encoding="utf-8"?>
 <p:sld xmlns:a="http://schemas.openxmlformats.org/drawingml/2006/main" xmlns:r="http://schemas.openxmlformats.org/officeDocument/2006/relationships" xmlns:p="http://schemas.openxmlformats.org/presentationml/2006/main">
   <p:cSld>
     <p:spTree>
@@ -37691,7 +37995,7 @@
 </p:sld>
 </file>
 
-<file path=ppt/slides/slide36.xml><?xml version="1.0" encoding="utf-8"?>
+<file path=ppt/slides/slide39.xml><?xml version="1.0" encoding="utf-8"?>
 <p:sld xmlns:a="http://schemas.openxmlformats.org/drawingml/2006/main" xmlns:r="http://schemas.openxmlformats.org/officeDocument/2006/relationships" xmlns:p="http://schemas.openxmlformats.org/presentationml/2006/main">
   <p:cSld>
     <p:spTree>
@@ -37777,7 +38081,7 @@
 </p:sld>
 </file>
 
-<file path=ppt/slides/slide37.xml><?xml version="1.0" encoding="utf-8"?>
+<file path=ppt/slides/slide4.xml><?xml version="1.0" encoding="utf-8"?>
 <p:sld xmlns:a="http://schemas.openxmlformats.org/drawingml/2006/main" xmlns:r="http://schemas.openxmlformats.org/officeDocument/2006/relationships" xmlns:p="http://schemas.openxmlformats.org/presentationml/2006/main">
   <p:cSld>
     <p:spTree>
@@ -37810,6 +38114,385 @@
           <a:lstStyle/>
           <a:p>
             <a:r>
+              <a:rPr lang="en-US" b="1" dirty="0"/>
+              <a:t>Typical MVC Application </a:t>
+            </a:r>
+            <a:endParaRPr lang="en-US" dirty="0"/>
+          </a:p>
+        </p:txBody>
+      </p:sp>
+      <p:grpSp>
+        <p:nvGrpSpPr>
+          <p:cNvPr id="32" name="Group 31"/>
+          <p:cNvGrpSpPr/>
+          <p:nvPr/>
+        </p:nvGrpSpPr>
+        <p:grpSpPr>
+          <a:xfrm>
+            <a:off x="4556542" y="1578279"/>
+            <a:ext cx="7141972" cy="5043238"/>
+            <a:chOff x="1308538" y="2585545"/>
+            <a:chExt cx="2743200" cy="4035972"/>
+          </a:xfrm>
+        </p:grpSpPr>
+        <p:sp>
+          <p:nvSpPr>
+            <p:cNvPr id="33" name="Rounded Rectangle 32"/>
+            <p:cNvSpPr/>
+            <p:nvPr/>
+          </p:nvSpPr>
+          <p:spPr>
+            <a:xfrm>
+              <a:off x="1308538" y="2585545"/>
+              <a:ext cx="2743200" cy="2601310"/>
+            </a:xfrm>
+            <a:prstGeom prst="roundRect">
+              <a:avLst/>
+            </a:prstGeom>
+          </p:spPr>
+          <p:style>
+            <a:lnRef idx="2">
+              <a:schemeClr val="accent1">
+                <a:shade val="50000"/>
+              </a:schemeClr>
+            </a:lnRef>
+            <a:fillRef idx="1">
+              <a:schemeClr val="accent1"/>
+            </a:fillRef>
+            <a:effectRef idx="0">
+              <a:schemeClr val="accent1"/>
+            </a:effectRef>
+            <a:fontRef idx="minor">
+              <a:schemeClr val="lt1"/>
+            </a:fontRef>
+          </p:style>
+          <p:txBody>
+            <a:bodyPr rtlCol="0" anchor="ctr"/>
+            <a:lstStyle/>
+            <a:p>
+              <a:pPr algn="ctr"/>
+              <a:endParaRPr lang="en-US"/>
+            </a:p>
+          </p:txBody>
+        </p:sp>
+        <p:sp>
+          <p:nvSpPr>
+            <p:cNvPr id="34" name="Flowchart: Magnetic Disk 33"/>
+            <p:cNvSpPr/>
+            <p:nvPr/>
+          </p:nvSpPr>
+          <p:spPr>
+            <a:xfrm>
+              <a:off x="2618308" y="5754414"/>
+              <a:ext cx="660920" cy="867103"/>
+            </a:xfrm>
+            <a:prstGeom prst="flowChartMagneticDisk">
+              <a:avLst/>
+            </a:prstGeom>
+          </p:spPr>
+          <p:style>
+            <a:lnRef idx="2">
+              <a:schemeClr val="accent1">
+                <a:shade val="50000"/>
+              </a:schemeClr>
+            </a:lnRef>
+            <a:fillRef idx="1">
+              <a:schemeClr val="accent1"/>
+            </a:fillRef>
+            <a:effectRef idx="0">
+              <a:schemeClr val="accent1"/>
+            </a:effectRef>
+            <a:fontRef idx="minor">
+              <a:schemeClr val="lt1"/>
+            </a:fontRef>
+          </p:style>
+          <p:txBody>
+            <a:bodyPr rtlCol="0" anchor="ctr"/>
+            <a:lstStyle/>
+            <a:p>
+              <a:pPr algn="ctr"/>
+              <a:r>
+                <a:rPr lang="en-US" dirty="0"/>
+                <a:t>DB</a:t>
+              </a:r>
+            </a:p>
+          </p:txBody>
+        </p:sp>
+        <p:sp>
+          <p:nvSpPr>
+            <p:cNvPr id="35" name="Rectangle 34"/>
+            <p:cNvSpPr/>
+            <p:nvPr/>
+          </p:nvSpPr>
+          <p:spPr>
+            <a:xfrm>
+              <a:off x="1546334" y="2774731"/>
+              <a:ext cx="2316218" cy="649565"/>
+            </a:xfrm>
+            <a:prstGeom prst="rect">
+              <a:avLst/>
+            </a:prstGeom>
+            <a:solidFill>
+              <a:schemeClr val="accent6">
+                <a:lumMod val="20000"/>
+                <a:lumOff val="80000"/>
+              </a:schemeClr>
+            </a:solidFill>
+          </p:spPr>
+          <p:style>
+            <a:lnRef idx="2">
+              <a:schemeClr val="accent1">
+                <a:shade val="50000"/>
+              </a:schemeClr>
+            </a:lnRef>
+            <a:fillRef idx="1">
+              <a:schemeClr val="accent1"/>
+            </a:fillRef>
+            <a:effectRef idx="0">
+              <a:schemeClr val="accent1"/>
+            </a:effectRef>
+            <a:fontRef idx="minor">
+              <a:schemeClr val="lt1"/>
+            </a:fontRef>
+          </p:style>
+          <p:txBody>
+            <a:bodyPr rtlCol="0" anchor="ctr"/>
+            <a:lstStyle/>
+            <a:p>
+              <a:pPr algn="ctr"/>
+              <a:r>
+                <a:rPr lang="en-US" dirty="0">
+                  <a:solidFill>
+                    <a:schemeClr val="tx1"/>
+                  </a:solidFill>
+                </a:rPr>
+                <a:t>User Interface</a:t>
+              </a:r>
+            </a:p>
+          </p:txBody>
+        </p:sp>
+        <p:sp>
+          <p:nvSpPr>
+            <p:cNvPr id="36" name="Rectangle 35"/>
+            <p:cNvSpPr/>
+            <p:nvPr/>
+          </p:nvSpPr>
+          <p:spPr>
+            <a:xfrm>
+              <a:off x="1546334" y="3527699"/>
+              <a:ext cx="2316218" cy="650165"/>
+            </a:xfrm>
+            <a:prstGeom prst="rect">
+              <a:avLst/>
+            </a:prstGeom>
+            <a:solidFill>
+              <a:schemeClr val="bg2">
+                <a:lumMod val="90000"/>
+              </a:schemeClr>
+            </a:solidFill>
+          </p:spPr>
+          <p:style>
+            <a:lnRef idx="2">
+              <a:schemeClr val="accent1">
+                <a:shade val="50000"/>
+              </a:schemeClr>
+            </a:lnRef>
+            <a:fillRef idx="1">
+              <a:schemeClr val="accent1"/>
+            </a:fillRef>
+            <a:effectRef idx="0">
+              <a:schemeClr val="accent1"/>
+            </a:effectRef>
+            <a:fontRef idx="minor">
+              <a:schemeClr val="lt1"/>
+            </a:fontRef>
+          </p:style>
+          <p:txBody>
+            <a:bodyPr rtlCol="0" anchor="ctr"/>
+            <a:lstStyle/>
+            <a:p>
+              <a:pPr algn="ctr"/>
+              <a:r>
+                <a:rPr lang="en-US" dirty="0">
+                  <a:solidFill>
+                    <a:schemeClr val="tx1"/>
+                  </a:solidFill>
+                </a:rPr>
+                <a:t>Business-Logic</a:t>
+              </a:r>
+            </a:p>
+          </p:txBody>
+        </p:sp>
+        <p:sp>
+          <p:nvSpPr>
+            <p:cNvPr id="37" name="Rectangle 36"/>
+            <p:cNvSpPr/>
+            <p:nvPr/>
+          </p:nvSpPr>
+          <p:spPr>
+            <a:xfrm>
+              <a:off x="1546334" y="4281267"/>
+              <a:ext cx="2316218" cy="681092"/>
+            </a:xfrm>
+            <a:prstGeom prst="rect">
+              <a:avLst/>
+            </a:prstGeom>
+            <a:solidFill>
+              <a:schemeClr val="accent4">
+                <a:lumMod val="40000"/>
+                <a:lumOff val="60000"/>
+              </a:schemeClr>
+            </a:solidFill>
+          </p:spPr>
+          <p:style>
+            <a:lnRef idx="2">
+              <a:schemeClr val="accent1">
+                <a:shade val="50000"/>
+              </a:schemeClr>
+            </a:lnRef>
+            <a:fillRef idx="1">
+              <a:schemeClr val="accent1"/>
+            </a:fillRef>
+            <a:effectRef idx="0">
+              <a:schemeClr val="accent1"/>
+            </a:effectRef>
+            <a:fontRef idx="minor">
+              <a:schemeClr val="lt1"/>
+            </a:fontRef>
+          </p:style>
+          <p:txBody>
+            <a:bodyPr rtlCol="0" anchor="ctr"/>
+            <a:lstStyle/>
+            <a:p>
+              <a:pPr algn="ctr"/>
+              <a:r>
+                <a:rPr lang="en-US" dirty="0">
+                  <a:solidFill>
+                    <a:schemeClr val="tx1"/>
+                  </a:solidFill>
+                </a:rPr>
+                <a:t>Data Layer</a:t>
+              </a:r>
+            </a:p>
+          </p:txBody>
+        </p:sp>
+      </p:grpSp>
+      <p:cxnSp>
+        <p:nvCxnSpPr>
+          <p:cNvPr id="51" name="Elbow Connector 50"/>
+          <p:cNvCxnSpPr>
+            <a:cxnSpLocks/>
+            <a:endCxn id="34" idx="1"/>
+          </p:cNvCxnSpPr>
+          <p:nvPr/>
+        </p:nvCxnSpPr>
+        <p:spPr>
+          <a:xfrm rot="5400000">
+            <a:off x="8706154" y="4598835"/>
+            <a:ext cx="1059931" cy="818416"/>
+          </a:xfrm>
+          <a:prstGeom prst="bentConnector3">
+            <a:avLst>
+              <a:gd name="adj1" fmla="val 50000"/>
+            </a:avLst>
+          </a:prstGeom>
+          <a:ln>
+            <a:solidFill>
+              <a:schemeClr val="tx1"/>
+            </a:solidFill>
+            <a:tailEnd type="triangle"/>
+          </a:ln>
+        </p:spPr>
+        <p:style>
+          <a:lnRef idx="1">
+            <a:schemeClr val="accent1"/>
+          </a:lnRef>
+          <a:fillRef idx="0">
+            <a:schemeClr val="accent1"/>
+          </a:fillRef>
+          <a:effectRef idx="0">
+            <a:schemeClr val="accent1"/>
+          </a:effectRef>
+          <a:fontRef idx="minor">
+            <a:schemeClr val="tx1"/>
+          </a:fontRef>
+        </p:style>
+      </p:cxnSp>
+      <p:sp>
+        <p:nvSpPr>
+          <p:cNvPr id="4" name="TextBox 3"/>
+          <p:cNvSpPr txBox="1"/>
+          <p:nvPr/>
+        </p:nvSpPr>
+        <p:spPr>
+          <a:xfrm>
+            <a:off x="653313" y="2127546"/>
+            <a:ext cx="3124200" cy="1569660"/>
+          </a:xfrm>
+          <a:prstGeom prst="rect">
+            <a:avLst/>
+          </a:prstGeom>
+          <a:noFill/>
+        </p:spPr>
+        <p:txBody>
+          <a:bodyPr wrap="square" rtlCol="0">
+            <a:spAutoFit/>
+          </a:bodyPr>
+          <a:lstStyle/>
+          <a:p>
+            <a:r>
+              <a:rPr lang="en-US" sz="3200" dirty="0"/>
+              <a:t>What if the application keeps growing?</a:t>
+            </a:r>
+          </a:p>
+        </p:txBody>
+      </p:sp>
+    </p:spTree>
+    <p:extLst>
+      <p:ext uri="{BB962C8B-B14F-4D97-AF65-F5344CB8AC3E}">
+        <p14:creationId xmlns:p14="http://schemas.microsoft.com/office/powerpoint/2010/main" val="1735345479"/>
+      </p:ext>
+    </p:extLst>
+  </p:cSld>
+  <p:clrMapOvr>
+    <a:masterClrMapping/>
+  </p:clrMapOvr>
+</p:sld>
+</file>
+
+<file path=ppt/slides/slide40.xml><?xml version="1.0" encoding="utf-8"?>
+<p:sld xmlns:a="http://schemas.openxmlformats.org/drawingml/2006/main" xmlns:r="http://schemas.openxmlformats.org/officeDocument/2006/relationships" xmlns:p="http://schemas.openxmlformats.org/presentationml/2006/main">
+  <p:cSld>
+    <p:spTree>
+      <p:nvGrpSpPr>
+        <p:cNvPr id="1" name=""/>
+        <p:cNvGrpSpPr/>
+        <p:nvPr/>
+      </p:nvGrpSpPr>
+      <p:grpSpPr>
+        <a:xfrm>
+          <a:off x="0" y="0"/>
+          <a:ext cx="0" cy="0"/>
+          <a:chOff x="0" y="0"/>
+          <a:chExt cx="0" cy="0"/>
+        </a:xfrm>
+      </p:grpSpPr>
+      <p:sp>
+        <p:nvSpPr>
+          <p:cNvPr id="2" name="Title 1"/>
+          <p:cNvSpPr>
+            <a:spLocks noGrp="1"/>
+          </p:cNvSpPr>
+          <p:nvPr>
+            <p:ph type="title"/>
+          </p:nvPr>
+        </p:nvSpPr>
+        <p:spPr/>
+        <p:txBody>
+          <a:bodyPr/>
+          <a:lstStyle/>
+          <a:p>
+            <a:r>
               <a:rPr lang="en-US" dirty="0"/>
               <a:t>Controller</a:t>
             </a:r>
@@ -37890,7 +38573,7 @@
 </p:sld>
 </file>
 
-<file path=ppt/slides/slide38.xml><?xml version="1.0" encoding="utf-8"?>
+<file path=ppt/slides/slide41.xml><?xml version="1.0" encoding="utf-8"?>
 <p:sld xmlns:a="http://schemas.openxmlformats.org/drawingml/2006/main" xmlns:r="http://schemas.openxmlformats.org/officeDocument/2006/relationships" xmlns:p="http://schemas.openxmlformats.org/presentationml/2006/main">
   <p:cSld>
     <p:spTree>
@@ -39971,7 +40654,7 @@
 </p:sld>
 </file>
 
-<file path=ppt/slides/slide39.xml><?xml version="1.0" encoding="utf-8"?>
+<file path=ppt/slides/slide42.xml><?xml version="1.0" encoding="utf-8"?>
 <p:sld xmlns:a="http://schemas.openxmlformats.org/drawingml/2006/main" xmlns:r="http://schemas.openxmlformats.org/officeDocument/2006/relationships" xmlns:p="http://schemas.openxmlformats.org/presentationml/2006/main">
   <p:cSld>
     <p:spTree>
@@ -41514,386 +42197,7 @@
 </p:sld>
 </file>
 
-<file path=ppt/slides/slide4.xml><?xml version="1.0" encoding="utf-8"?>
-<p:sld xmlns:a="http://schemas.openxmlformats.org/drawingml/2006/main" xmlns:r="http://schemas.openxmlformats.org/officeDocument/2006/relationships" xmlns:p="http://schemas.openxmlformats.org/presentationml/2006/main">
-  <p:cSld>
-    <p:spTree>
-      <p:nvGrpSpPr>
-        <p:cNvPr id="1" name=""/>
-        <p:cNvGrpSpPr/>
-        <p:nvPr/>
-      </p:nvGrpSpPr>
-      <p:grpSpPr>
-        <a:xfrm>
-          <a:off x="0" y="0"/>
-          <a:ext cx="0" cy="0"/>
-          <a:chOff x="0" y="0"/>
-          <a:chExt cx="0" cy="0"/>
-        </a:xfrm>
-      </p:grpSpPr>
-      <p:sp>
-        <p:nvSpPr>
-          <p:cNvPr id="2" name="Title 1"/>
-          <p:cNvSpPr>
-            <a:spLocks noGrp="1"/>
-          </p:cNvSpPr>
-          <p:nvPr>
-            <p:ph type="title"/>
-          </p:nvPr>
-        </p:nvSpPr>
-        <p:spPr/>
-        <p:txBody>
-          <a:bodyPr/>
-          <a:lstStyle/>
-          <a:p>
-            <a:r>
-              <a:rPr lang="en-US" b="1" dirty="0"/>
-              <a:t>Typical MVC Application </a:t>
-            </a:r>
-            <a:endParaRPr lang="en-US" dirty="0"/>
-          </a:p>
-        </p:txBody>
-      </p:sp>
-      <p:grpSp>
-        <p:nvGrpSpPr>
-          <p:cNvPr id="32" name="Group 31"/>
-          <p:cNvGrpSpPr/>
-          <p:nvPr/>
-        </p:nvGrpSpPr>
-        <p:grpSpPr>
-          <a:xfrm>
-            <a:off x="4556542" y="1578279"/>
-            <a:ext cx="7141972" cy="5043238"/>
-            <a:chOff x="1308538" y="2585545"/>
-            <a:chExt cx="2743200" cy="4035972"/>
-          </a:xfrm>
-        </p:grpSpPr>
-        <p:sp>
-          <p:nvSpPr>
-            <p:cNvPr id="33" name="Rounded Rectangle 32"/>
-            <p:cNvSpPr/>
-            <p:nvPr/>
-          </p:nvSpPr>
-          <p:spPr>
-            <a:xfrm>
-              <a:off x="1308538" y="2585545"/>
-              <a:ext cx="2743200" cy="2601310"/>
-            </a:xfrm>
-            <a:prstGeom prst="roundRect">
-              <a:avLst/>
-            </a:prstGeom>
-          </p:spPr>
-          <p:style>
-            <a:lnRef idx="2">
-              <a:schemeClr val="accent1">
-                <a:shade val="50000"/>
-              </a:schemeClr>
-            </a:lnRef>
-            <a:fillRef idx="1">
-              <a:schemeClr val="accent1"/>
-            </a:fillRef>
-            <a:effectRef idx="0">
-              <a:schemeClr val="accent1"/>
-            </a:effectRef>
-            <a:fontRef idx="minor">
-              <a:schemeClr val="lt1"/>
-            </a:fontRef>
-          </p:style>
-          <p:txBody>
-            <a:bodyPr rtlCol="0" anchor="ctr"/>
-            <a:lstStyle/>
-            <a:p>
-              <a:pPr algn="ctr"/>
-              <a:endParaRPr lang="en-US"/>
-            </a:p>
-          </p:txBody>
-        </p:sp>
-        <p:sp>
-          <p:nvSpPr>
-            <p:cNvPr id="34" name="Flowchart: Magnetic Disk 33"/>
-            <p:cNvSpPr/>
-            <p:nvPr/>
-          </p:nvSpPr>
-          <p:spPr>
-            <a:xfrm>
-              <a:off x="2618308" y="5754414"/>
-              <a:ext cx="660920" cy="867103"/>
-            </a:xfrm>
-            <a:prstGeom prst="flowChartMagneticDisk">
-              <a:avLst/>
-            </a:prstGeom>
-          </p:spPr>
-          <p:style>
-            <a:lnRef idx="2">
-              <a:schemeClr val="accent1">
-                <a:shade val="50000"/>
-              </a:schemeClr>
-            </a:lnRef>
-            <a:fillRef idx="1">
-              <a:schemeClr val="accent1"/>
-            </a:fillRef>
-            <a:effectRef idx="0">
-              <a:schemeClr val="accent1"/>
-            </a:effectRef>
-            <a:fontRef idx="minor">
-              <a:schemeClr val="lt1"/>
-            </a:fontRef>
-          </p:style>
-          <p:txBody>
-            <a:bodyPr rtlCol="0" anchor="ctr"/>
-            <a:lstStyle/>
-            <a:p>
-              <a:pPr algn="ctr"/>
-              <a:r>
-                <a:rPr lang="en-US" dirty="0"/>
-                <a:t>DB</a:t>
-              </a:r>
-            </a:p>
-          </p:txBody>
-        </p:sp>
-        <p:sp>
-          <p:nvSpPr>
-            <p:cNvPr id="35" name="Rectangle 34"/>
-            <p:cNvSpPr/>
-            <p:nvPr/>
-          </p:nvSpPr>
-          <p:spPr>
-            <a:xfrm>
-              <a:off x="1546334" y="2774731"/>
-              <a:ext cx="2316218" cy="649565"/>
-            </a:xfrm>
-            <a:prstGeom prst="rect">
-              <a:avLst/>
-            </a:prstGeom>
-            <a:solidFill>
-              <a:schemeClr val="accent6">
-                <a:lumMod val="20000"/>
-                <a:lumOff val="80000"/>
-              </a:schemeClr>
-            </a:solidFill>
-          </p:spPr>
-          <p:style>
-            <a:lnRef idx="2">
-              <a:schemeClr val="accent1">
-                <a:shade val="50000"/>
-              </a:schemeClr>
-            </a:lnRef>
-            <a:fillRef idx="1">
-              <a:schemeClr val="accent1"/>
-            </a:fillRef>
-            <a:effectRef idx="0">
-              <a:schemeClr val="accent1"/>
-            </a:effectRef>
-            <a:fontRef idx="minor">
-              <a:schemeClr val="lt1"/>
-            </a:fontRef>
-          </p:style>
-          <p:txBody>
-            <a:bodyPr rtlCol="0" anchor="ctr"/>
-            <a:lstStyle/>
-            <a:p>
-              <a:pPr algn="ctr"/>
-              <a:r>
-                <a:rPr lang="en-US" dirty="0">
-                  <a:solidFill>
-                    <a:schemeClr val="tx1"/>
-                  </a:solidFill>
-                </a:rPr>
-                <a:t>User Interface</a:t>
-              </a:r>
-            </a:p>
-          </p:txBody>
-        </p:sp>
-        <p:sp>
-          <p:nvSpPr>
-            <p:cNvPr id="36" name="Rectangle 35"/>
-            <p:cNvSpPr/>
-            <p:nvPr/>
-          </p:nvSpPr>
-          <p:spPr>
-            <a:xfrm>
-              <a:off x="1546334" y="3527699"/>
-              <a:ext cx="2316218" cy="650165"/>
-            </a:xfrm>
-            <a:prstGeom prst="rect">
-              <a:avLst/>
-            </a:prstGeom>
-            <a:solidFill>
-              <a:schemeClr val="bg2">
-                <a:lumMod val="90000"/>
-              </a:schemeClr>
-            </a:solidFill>
-          </p:spPr>
-          <p:style>
-            <a:lnRef idx="2">
-              <a:schemeClr val="accent1">
-                <a:shade val="50000"/>
-              </a:schemeClr>
-            </a:lnRef>
-            <a:fillRef idx="1">
-              <a:schemeClr val="accent1"/>
-            </a:fillRef>
-            <a:effectRef idx="0">
-              <a:schemeClr val="accent1"/>
-            </a:effectRef>
-            <a:fontRef idx="minor">
-              <a:schemeClr val="lt1"/>
-            </a:fontRef>
-          </p:style>
-          <p:txBody>
-            <a:bodyPr rtlCol="0" anchor="ctr"/>
-            <a:lstStyle/>
-            <a:p>
-              <a:pPr algn="ctr"/>
-              <a:r>
-                <a:rPr lang="en-US" dirty="0">
-                  <a:solidFill>
-                    <a:schemeClr val="tx1"/>
-                  </a:solidFill>
-                </a:rPr>
-                <a:t>Business-Logic</a:t>
-              </a:r>
-            </a:p>
-          </p:txBody>
-        </p:sp>
-        <p:sp>
-          <p:nvSpPr>
-            <p:cNvPr id="37" name="Rectangle 36"/>
-            <p:cNvSpPr/>
-            <p:nvPr/>
-          </p:nvSpPr>
-          <p:spPr>
-            <a:xfrm>
-              <a:off x="1546334" y="4281267"/>
-              <a:ext cx="2316218" cy="681092"/>
-            </a:xfrm>
-            <a:prstGeom prst="rect">
-              <a:avLst/>
-            </a:prstGeom>
-            <a:solidFill>
-              <a:schemeClr val="accent4">
-                <a:lumMod val="40000"/>
-                <a:lumOff val="60000"/>
-              </a:schemeClr>
-            </a:solidFill>
-          </p:spPr>
-          <p:style>
-            <a:lnRef idx="2">
-              <a:schemeClr val="accent1">
-                <a:shade val="50000"/>
-              </a:schemeClr>
-            </a:lnRef>
-            <a:fillRef idx="1">
-              <a:schemeClr val="accent1"/>
-            </a:fillRef>
-            <a:effectRef idx="0">
-              <a:schemeClr val="accent1"/>
-            </a:effectRef>
-            <a:fontRef idx="minor">
-              <a:schemeClr val="lt1"/>
-            </a:fontRef>
-          </p:style>
-          <p:txBody>
-            <a:bodyPr rtlCol="0" anchor="ctr"/>
-            <a:lstStyle/>
-            <a:p>
-              <a:pPr algn="ctr"/>
-              <a:r>
-                <a:rPr lang="en-US" dirty="0">
-                  <a:solidFill>
-                    <a:schemeClr val="tx1"/>
-                  </a:solidFill>
-                </a:rPr>
-                <a:t>Data Layer</a:t>
-              </a:r>
-            </a:p>
-          </p:txBody>
-        </p:sp>
-      </p:grpSp>
-      <p:cxnSp>
-        <p:nvCxnSpPr>
-          <p:cNvPr id="51" name="Elbow Connector 50"/>
-          <p:cNvCxnSpPr>
-            <a:cxnSpLocks/>
-            <a:endCxn id="34" idx="1"/>
-          </p:cNvCxnSpPr>
-          <p:nvPr/>
-        </p:nvCxnSpPr>
-        <p:spPr>
-          <a:xfrm rot="5400000">
-            <a:off x="8706154" y="4598835"/>
-            <a:ext cx="1059931" cy="818416"/>
-          </a:xfrm>
-          <a:prstGeom prst="bentConnector3">
-            <a:avLst>
-              <a:gd name="adj1" fmla="val 50000"/>
-            </a:avLst>
-          </a:prstGeom>
-          <a:ln>
-            <a:solidFill>
-              <a:schemeClr val="tx1"/>
-            </a:solidFill>
-            <a:tailEnd type="triangle"/>
-          </a:ln>
-        </p:spPr>
-        <p:style>
-          <a:lnRef idx="1">
-            <a:schemeClr val="accent1"/>
-          </a:lnRef>
-          <a:fillRef idx="0">
-            <a:schemeClr val="accent1"/>
-          </a:fillRef>
-          <a:effectRef idx="0">
-            <a:schemeClr val="accent1"/>
-          </a:effectRef>
-          <a:fontRef idx="minor">
-            <a:schemeClr val="tx1"/>
-          </a:fontRef>
-        </p:style>
-      </p:cxnSp>
-      <p:sp>
-        <p:nvSpPr>
-          <p:cNvPr id="4" name="TextBox 3"/>
-          <p:cNvSpPr txBox="1"/>
-          <p:nvPr/>
-        </p:nvSpPr>
-        <p:spPr>
-          <a:xfrm>
-            <a:off x="653313" y="2127546"/>
-            <a:ext cx="3124200" cy="1569660"/>
-          </a:xfrm>
-          <a:prstGeom prst="rect">
-            <a:avLst/>
-          </a:prstGeom>
-          <a:noFill/>
-        </p:spPr>
-        <p:txBody>
-          <a:bodyPr wrap="square" rtlCol="0">
-            <a:spAutoFit/>
-          </a:bodyPr>
-          <a:lstStyle/>
-          <a:p>
-            <a:r>
-              <a:rPr lang="en-US" sz="3200" dirty="0"/>
-              <a:t>What if the application keeps growing?</a:t>
-            </a:r>
-          </a:p>
-        </p:txBody>
-      </p:sp>
-    </p:spTree>
-    <p:extLst>
-      <p:ext uri="{BB962C8B-B14F-4D97-AF65-F5344CB8AC3E}">
-        <p14:creationId xmlns:p14="http://schemas.microsoft.com/office/powerpoint/2010/main" val="1735345479"/>
-      </p:ext>
-    </p:extLst>
-  </p:cSld>
-  <p:clrMapOvr>
-    <a:masterClrMapping/>
-  </p:clrMapOvr>
-</p:sld>
-</file>
-
-<file path=ppt/slides/slide40.xml><?xml version="1.0" encoding="utf-8"?>
+<file path=ppt/slides/slide43.xml><?xml version="1.0" encoding="utf-8"?>
 <p:sld xmlns:a="http://schemas.openxmlformats.org/drawingml/2006/main" xmlns:r="http://schemas.openxmlformats.org/officeDocument/2006/relationships" xmlns:p="http://schemas.openxmlformats.org/presentationml/2006/main">
   <p:cSld>
     <p:spTree>
@@ -44165,7 +44469,7 @@
 </p:sld>
 </file>
 
-<file path=ppt/slides/slide41.xml><?xml version="1.0" encoding="utf-8"?>
+<file path=ppt/slides/slide44.xml><?xml version="1.0" encoding="utf-8"?>
 <p:sld xmlns:a="http://schemas.openxmlformats.org/drawingml/2006/main" xmlns:r="http://schemas.openxmlformats.org/officeDocument/2006/relationships" xmlns:p="http://schemas.openxmlformats.org/presentationml/2006/main">
   <p:cSld>
     <p:spTree>
@@ -44284,7 +44588,7 @@
 </p:sld>
 </file>
 
-<file path=ppt/slides/slide42.xml><?xml version="1.0" encoding="utf-8"?>
+<file path=ppt/slides/slide45.xml><?xml version="1.0" encoding="utf-8"?>
 <p:sld xmlns:a="http://schemas.openxmlformats.org/drawingml/2006/main" xmlns:r="http://schemas.openxmlformats.org/officeDocument/2006/relationships" xmlns:p="http://schemas.openxmlformats.org/presentationml/2006/main">
   <p:cSld>
     <p:spTree>
@@ -44746,7 +45050,7 @@
 </p:sld>
 </file>
 
-<file path=ppt/slides/slide43.xml><?xml version="1.0" encoding="utf-8"?>
+<file path=ppt/slides/slide46.xml><?xml version="1.0" encoding="utf-8"?>
 <p:sld xmlns:a="http://schemas.openxmlformats.org/drawingml/2006/main" xmlns:r="http://schemas.openxmlformats.org/officeDocument/2006/relationships" xmlns:p="http://schemas.openxmlformats.org/presentationml/2006/main">
   <p:cSld>
     <p:spTree>

--- a/day-1/Using Kubernetes Day 1.pptx
+++ b/day-1/Using Kubernetes Day 1.pptx
@@ -286,7 +286,7 @@
           <a:p>
             <a:fld id="{4F1F2598-CD9E-4308-8C1F-F0CAB254D96E}" type="datetimeFigureOut">
               <a:rPr lang="en-US" smtClean="0"/>
-              <a:t>5/21/2023</a:t>
+              <a:t>5/28/2023</a:t>
             </a:fld>
             <a:endParaRPr lang="en-US"/>
           </a:p>
@@ -454,7 +454,7 @@
           <a:p>
             <a:fld id="{4F1F2598-CD9E-4308-8C1F-F0CAB254D96E}" type="datetimeFigureOut">
               <a:rPr lang="en-US" smtClean="0"/>
-              <a:t>5/21/2023</a:t>
+              <a:t>5/28/2023</a:t>
             </a:fld>
             <a:endParaRPr lang="en-US"/>
           </a:p>
@@ -632,7 +632,7 @@
           <a:p>
             <a:fld id="{4F1F2598-CD9E-4308-8C1F-F0CAB254D96E}" type="datetimeFigureOut">
               <a:rPr lang="en-US" smtClean="0"/>
-              <a:t>5/21/2023</a:t>
+              <a:t>5/28/2023</a:t>
             </a:fld>
             <a:endParaRPr lang="en-US"/>
           </a:p>
@@ -800,7 +800,7 @@
           <a:p>
             <a:fld id="{4F1F2598-CD9E-4308-8C1F-F0CAB254D96E}" type="datetimeFigureOut">
               <a:rPr lang="en-US" smtClean="0"/>
-              <a:t>5/21/2023</a:t>
+              <a:t>5/28/2023</a:t>
             </a:fld>
             <a:endParaRPr lang="en-US"/>
           </a:p>
@@ -1045,7 +1045,7 @@
           <a:p>
             <a:fld id="{4F1F2598-CD9E-4308-8C1F-F0CAB254D96E}" type="datetimeFigureOut">
               <a:rPr lang="en-US" smtClean="0"/>
-              <a:t>5/21/2023</a:t>
+              <a:t>5/28/2023</a:t>
             </a:fld>
             <a:endParaRPr lang="en-US"/>
           </a:p>
@@ -1274,7 +1274,7 @@
           <a:p>
             <a:fld id="{4F1F2598-CD9E-4308-8C1F-F0CAB254D96E}" type="datetimeFigureOut">
               <a:rPr lang="en-US" smtClean="0"/>
-              <a:t>5/21/2023</a:t>
+              <a:t>5/28/2023</a:t>
             </a:fld>
             <a:endParaRPr lang="en-US"/>
           </a:p>
@@ -1638,7 +1638,7 @@
           <a:p>
             <a:fld id="{4F1F2598-CD9E-4308-8C1F-F0CAB254D96E}" type="datetimeFigureOut">
               <a:rPr lang="en-US" smtClean="0"/>
-              <a:t>5/21/2023</a:t>
+              <a:t>5/28/2023</a:t>
             </a:fld>
             <a:endParaRPr lang="en-US"/>
           </a:p>
@@ -1755,7 +1755,7 @@
           <a:p>
             <a:fld id="{4F1F2598-CD9E-4308-8C1F-F0CAB254D96E}" type="datetimeFigureOut">
               <a:rPr lang="en-US" smtClean="0"/>
-              <a:t>5/21/2023</a:t>
+              <a:t>5/28/2023</a:t>
             </a:fld>
             <a:endParaRPr lang="en-US"/>
           </a:p>
@@ -1850,7 +1850,7 @@
           <a:p>
             <a:fld id="{4F1F2598-CD9E-4308-8C1F-F0CAB254D96E}" type="datetimeFigureOut">
               <a:rPr lang="en-US" smtClean="0"/>
-              <a:t>5/21/2023</a:t>
+              <a:t>5/28/2023</a:t>
             </a:fld>
             <a:endParaRPr lang="en-US"/>
           </a:p>
@@ -2125,7 +2125,7 @@
           <a:p>
             <a:fld id="{4F1F2598-CD9E-4308-8C1F-F0CAB254D96E}" type="datetimeFigureOut">
               <a:rPr lang="en-US" smtClean="0"/>
-              <a:t>5/21/2023</a:t>
+              <a:t>5/28/2023</a:t>
             </a:fld>
             <a:endParaRPr lang="en-US"/>
           </a:p>
@@ -2377,7 +2377,7 @@
           <a:p>
             <a:fld id="{4F1F2598-CD9E-4308-8C1F-F0CAB254D96E}" type="datetimeFigureOut">
               <a:rPr lang="en-US" smtClean="0"/>
-              <a:t>5/21/2023</a:t>
+              <a:t>5/28/2023</a:t>
             </a:fld>
             <a:endParaRPr lang="en-US"/>
           </a:p>
@@ -2588,7 +2588,7 @@
           <a:p>
             <a:fld id="{4F1F2598-CD9E-4308-8C1F-F0CAB254D96E}" type="datetimeFigureOut">
               <a:rPr lang="en-US" smtClean="0"/>
-              <a:t>5/21/2023</a:t>
+              <a:t>5/28/2023</a:t>
             </a:fld>
             <a:endParaRPr lang="en-US"/>
           </a:p>
